--- a/课件/第六讲：贪心算法.pptx
+++ b/课件/第六讲：贪心算法.pptx
@@ -5,10 +5,10 @@
     <p:sldMasterId id="2147483648" r:id="rId1"/>
   </p:sldMasterIdLst>
   <p:notesMasterIdLst>
-    <p:notesMasterId r:id="rId29"/>
+    <p:notesMasterId r:id="rId30"/>
   </p:notesMasterIdLst>
   <p:handoutMasterIdLst>
-    <p:handoutMasterId r:id="rId30"/>
+    <p:handoutMasterId r:id="rId31"/>
   </p:handoutMasterIdLst>
   <p:sldIdLst>
     <p:sldId id="322" r:id="rId2"/>
@@ -27,17 +27,18 @@
     <p:sldId id="406" r:id="rId15"/>
     <p:sldId id="408" r:id="rId16"/>
     <p:sldId id="407" r:id="rId17"/>
-    <p:sldId id="410" r:id="rId18"/>
-    <p:sldId id="411" r:id="rId19"/>
-    <p:sldId id="414" r:id="rId20"/>
-    <p:sldId id="413" r:id="rId21"/>
-    <p:sldId id="415" r:id="rId22"/>
-    <p:sldId id="416" r:id="rId23"/>
-    <p:sldId id="418" r:id="rId24"/>
-    <p:sldId id="417" r:id="rId25"/>
-    <p:sldId id="419" r:id="rId26"/>
-    <p:sldId id="420" r:id="rId27"/>
-    <p:sldId id="276" r:id="rId28"/>
+    <p:sldId id="421" r:id="rId18"/>
+    <p:sldId id="410" r:id="rId19"/>
+    <p:sldId id="411" r:id="rId20"/>
+    <p:sldId id="414" r:id="rId21"/>
+    <p:sldId id="413" r:id="rId22"/>
+    <p:sldId id="415" r:id="rId23"/>
+    <p:sldId id="416" r:id="rId24"/>
+    <p:sldId id="418" r:id="rId25"/>
+    <p:sldId id="417" r:id="rId26"/>
+    <p:sldId id="419" r:id="rId27"/>
+    <p:sldId id="420" r:id="rId28"/>
+    <p:sldId id="276" r:id="rId29"/>
   </p:sldIdLst>
   <p:sldSz cx="9144000" cy="6858000" type="screen4x3"/>
   <p:notesSz cx="6858000" cy="9144000"/>
@@ -173,7 +174,7 @@
   </p:defaultTextStyle>
   <p:extLst>
     <p:ext uri="{EFAFB233-063F-42B5-8137-9DF3F51BA10A}">
-      <p15:sldGuideLst xmlns:p15="http://schemas.microsoft.com/office/powerpoint/2012/main" xmlns="">
+      <p15:sldGuideLst xmlns:p15="http://schemas.microsoft.com/office/powerpoint/2012/main">
         <p15:guide id="1" orient="horz" pos="2160">
           <p15:clr>
             <a:srgbClr val="A4A3A4"/>
@@ -187,7 +188,7 @@
       </p15:sldGuideLst>
     </p:ext>
     <p:ext uri="{2D200454-40CA-4A62-9FC3-DE9A4176ACB9}">
-      <p15:notesGuideLst xmlns:p15="http://schemas.microsoft.com/office/powerpoint/2012/main" xmlns="">
+      <p15:notesGuideLst xmlns:p15="http://schemas.microsoft.com/office/powerpoint/2012/main">
         <p15:guide id="1" orient="horz" pos="2880">
           <p15:clr>
             <a:srgbClr val="A4A3A4"/>
@@ -287,7 +288,7 @@
             <a:fld id="{051F21D3-01E8-4102-B608-8A6B50B6B27E}" type="datetimeFigureOut">
               <a:rPr lang="zh-CN" altLang="en-US" smtClean="0"/>
               <a:pPr/>
-              <a:t>2017/10/17</a:t>
+              <a:t>2017/12/8</a:t>
             </a:fld>
             <a:endParaRPr lang="zh-CN" altLang="en-US"/>
           </a:p>
@@ -363,7 +364,7 @@
     </p:spTree>
     <p:extLst>
       <p:ext uri="{BB962C8B-B14F-4D97-AF65-F5344CB8AC3E}">
-        <p14:creationId xmlns:p14="http://schemas.microsoft.com/office/powerpoint/2010/main" xmlns="" val="3903207085"/>
+        <p14:creationId xmlns:p14="http://schemas.microsoft.com/office/powerpoint/2010/main" val="3903207085"/>
       </p:ext>
     </p:extLst>
   </p:cSld>
@@ -454,7 +455,7 @@
             <a:fld id="{B6083D17-2EF0-43BD-97E4-BB7AF5A7BF42}" type="datetimeFigureOut">
               <a:rPr lang="zh-CN" altLang="en-US" smtClean="0"/>
               <a:pPr/>
-              <a:t>2017/10/17</a:t>
+              <a:t>2017/12/8</a:t>
             </a:fld>
             <a:endParaRPr lang="zh-CN" altLang="en-US"/>
           </a:p>
@@ -623,7 +624,7 @@
     </p:spTree>
     <p:extLst>
       <p:ext uri="{BB962C8B-B14F-4D97-AF65-F5344CB8AC3E}">
-        <p14:creationId xmlns:p14="http://schemas.microsoft.com/office/powerpoint/2010/main" xmlns="" val="80939775"/>
+        <p14:creationId xmlns:p14="http://schemas.microsoft.com/office/powerpoint/2010/main" val="80939775"/>
       </p:ext>
     </p:extLst>
   </p:cSld>
@@ -830,7 +831,7 @@
           <a:effectLst/>
           <a:extLst>
             <a:ext uri="{91240B29-F687-4F45-9708-019B960494DF}">
-              <a14:hiddenLine xmlns:a14="http://schemas.microsoft.com/office/drawing/2010/main" xmlns="" w="9525">
+              <a14:hiddenLine xmlns:a14="http://schemas.microsoft.com/office/drawing/2010/main" w="9525">
                 <a:solidFill>
                   <a:srgbClr val="000000"/>
                 </a:solidFill>
@@ -840,7 +841,7 @@
               </a14:hiddenLine>
             </a:ext>
             <a:ext uri="{AF507438-7753-43E0-B8FC-AC1667EBCBE1}">
-              <a14:hiddenEffects xmlns:a14="http://schemas.microsoft.com/office/drawing/2010/main" xmlns="">
+              <a14:hiddenEffects xmlns:a14="http://schemas.microsoft.com/office/drawing/2010/main">
                 <a:effectLst>
                   <a:outerShdw dist="76200" algn="ctr" rotWithShape="0">
                     <a:schemeClr val="bg2">
@@ -892,7 +893,7 @@
           <a:effectLst/>
           <a:extLst>
             <a:ext uri="{91240B29-F687-4F45-9708-019B960494DF}">
-              <a14:hiddenLine xmlns:a14="http://schemas.microsoft.com/office/drawing/2010/main" xmlns="" w="9525">
+              <a14:hiddenLine xmlns:a14="http://schemas.microsoft.com/office/drawing/2010/main" w="9525">
                 <a:solidFill>
                   <a:srgbClr val="000000"/>
                 </a:solidFill>
@@ -902,7 +903,7 @@
               </a14:hiddenLine>
             </a:ext>
             <a:ext uri="{AF507438-7753-43E0-B8FC-AC1667EBCBE1}">
-              <a14:hiddenEffects xmlns:a14="http://schemas.microsoft.com/office/drawing/2010/main" xmlns="">
+              <a14:hiddenEffects xmlns:a14="http://schemas.microsoft.com/office/drawing/2010/main">
                 <a:effectLst>
                   <a:outerShdw dist="35921" dir="2700000" algn="ctr" rotWithShape="0">
                     <a:schemeClr val="bg2"/>
@@ -1060,7 +1061,7 @@
           <a:effectLst/>
           <a:extLst>
             <a:ext uri="{91240B29-F687-4F45-9708-019B960494DF}">
-              <a14:hiddenLine xmlns:a14="http://schemas.microsoft.com/office/drawing/2010/main" xmlns="" w="9525">
+              <a14:hiddenLine xmlns:a14="http://schemas.microsoft.com/office/drawing/2010/main" w="9525">
                 <a:solidFill>
                   <a:srgbClr val="000000"/>
                 </a:solidFill>
@@ -1070,7 +1071,7 @@
               </a14:hiddenLine>
             </a:ext>
             <a:ext uri="{AF507438-7753-43E0-B8FC-AC1667EBCBE1}">
-              <a14:hiddenEffects xmlns:a14="http://schemas.microsoft.com/office/drawing/2010/main" xmlns="">
+              <a14:hiddenEffects xmlns:a14="http://schemas.microsoft.com/office/drawing/2010/main">
                 <a:effectLst>
                   <a:outerShdw dist="35921" dir="2700000" algn="ctr" rotWithShape="0">
                     <a:schemeClr val="bg2"/>
@@ -1286,7 +1287,7 @@
           <a:effectLst/>
           <a:extLst>
             <a:ext uri="{91240B29-F687-4F45-9708-019B960494DF}">
-              <a14:hiddenLine xmlns:a14="http://schemas.microsoft.com/office/drawing/2010/main" xmlns="" w="9525">
+              <a14:hiddenLine xmlns:a14="http://schemas.microsoft.com/office/drawing/2010/main" w="9525">
                 <a:solidFill>
                   <a:srgbClr val="000000"/>
                 </a:solidFill>
@@ -1296,7 +1297,7 @@
               </a14:hiddenLine>
             </a:ext>
             <a:ext uri="{AF507438-7753-43E0-B8FC-AC1667EBCBE1}">
-              <a14:hiddenEffects xmlns:a14="http://schemas.microsoft.com/office/drawing/2010/main" xmlns="">
+              <a14:hiddenEffects xmlns:a14="http://schemas.microsoft.com/office/drawing/2010/main">
                 <a:effectLst>
                   <a:outerShdw dist="35921" dir="2700000" algn="ctr" rotWithShape="0">
                     <a:schemeClr val="bg2"/>
@@ -1339,7 +1340,7 @@
           <a:effectLst/>
           <a:extLst>
             <a:ext uri="{91240B29-F687-4F45-9708-019B960494DF}">
-              <a14:hiddenLine xmlns:a14="http://schemas.microsoft.com/office/drawing/2010/main" xmlns="" w="9525">
+              <a14:hiddenLine xmlns:a14="http://schemas.microsoft.com/office/drawing/2010/main" w="9525">
                 <a:solidFill>
                   <a:srgbClr val="000000"/>
                 </a:solidFill>
@@ -1349,7 +1350,7 @@
               </a14:hiddenLine>
             </a:ext>
             <a:ext uri="{AF507438-7753-43E0-B8FC-AC1667EBCBE1}">
-              <a14:hiddenEffects xmlns:a14="http://schemas.microsoft.com/office/drawing/2010/main" xmlns="">
+              <a14:hiddenEffects xmlns:a14="http://schemas.microsoft.com/office/drawing/2010/main">
                 <a:effectLst>
                   <a:outerShdw dist="35921" dir="2700000" algn="ctr" rotWithShape="0">
                     <a:schemeClr val="bg2"/>
@@ -1503,14 +1504,14 @@
           <a:effectLst/>
           <a:extLst>
             <a:ext uri="{909E8E84-426E-40DD-AFC4-6F175D3DCCD1}">
-              <a14:hiddenFill xmlns:a14="http://schemas.microsoft.com/office/drawing/2010/main" xmlns="">
+              <a14:hiddenFill xmlns:a14="http://schemas.microsoft.com/office/drawing/2010/main">
                 <a:solidFill>
                   <a:schemeClr val="accent1"/>
                 </a:solidFill>
               </a14:hiddenFill>
             </a:ext>
             <a:ext uri="{91240B29-F687-4F45-9708-019B960494DF}">
-              <a14:hiddenLine xmlns:a14="http://schemas.microsoft.com/office/drawing/2010/main" xmlns="" w="9525">
+              <a14:hiddenLine xmlns:a14="http://schemas.microsoft.com/office/drawing/2010/main" w="9525">
                 <a:solidFill>
                   <a:srgbClr val="000000"/>
                 </a:solidFill>
@@ -1520,7 +1521,7 @@
               </a14:hiddenLine>
             </a:ext>
             <a:ext uri="{AF507438-7753-43E0-B8FC-AC1667EBCBE1}">
-              <a14:hiddenEffects xmlns:a14="http://schemas.microsoft.com/office/drawing/2010/main" xmlns="">
+              <a14:hiddenEffects xmlns:a14="http://schemas.microsoft.com/office/drawing/2010/main">
                 <a:effectLst>
                   <a:outerShdw dist="35921" dir="2700000" algn="ctr" rotWithShape="0">
                     <a:schemeClr val="bg2"/>
@@ -1721,7 +1722,7 @@
           <a:noFill/>
           <a:extLst>
             <a:ext uri="{909E8E84-426E-40DD-AFC4-6F175D3DCCD1}">
-              <a14:hiddenFill xmlns:a14="http://schemas.microsoft.com/office/drawing/2010/main" xmlns="">
+              <a14:hiddenFill xmlns:a14="http://schemas.microsoft.com/office/drawing/2010/main">
                 <a:solidFill>
                   <a:schemeClr val="accent1"/>
                 </a:solidFill>
@@ -1804,14 +1805,14 @@
           </a:prstGeom>
           <a:extLst>
             <a:ext uri="{909E8E84-426E-40DD-AFC4-6F175D3DCCD1}">
-              <a14:hiddenFill xmlns:a14="http://schemas.microsoft.com/office/drawing/2010/main" xmlns="">
+              <a14:hiddenFill xmlns:a14="http://schemas.microsoft.com/office/drawing/2010/main">
                 <a:solidFill>
                   <a:schemeClr val="accent1"/>
                 </a:solidFill>
               </a14:hiddenFill>
             </a:ext>
             <a:ext uri="{91240B29-F687-4F45-9708-019B960494DF}">
-              <a14:hiddenLine xmlns:a14="http://schemas.microsoft.com/office/drawing/2010/main" xmlns="" w="9525">
+              <a14:hiddenLine xmlns:a14="http://schemas.microsoft.com/office/drawing/2010/main" w="9525">
                 <a:solidFill>
                   <a:srgbClr val="000000"/>
                 </a:solidFill>
@@ -1821,7 +1822,7 @@
               </a14:hiddenLine>
             </a:ext>
             <a:ext uri="{AF507438-7753-43E0-B8FC-AC1667EBCBE1}">
-              <a14:hiddenEffects xmlns:a14="http://schemas.microsoft.com/office/drawing/2010/main" xmlns="">
+              <a14:hiddenEffects xmlns:a14="http://schemas.microsoft.com/office/drawing/2010/main">
                 <a:effectLst>
                   <a:outerShdw dist="35921" dir="2700000" algn="ctr" rotWithShape="0">
                     <a:schemeClr val="bg2"/>
@@ -1895,7 +1896,7 @@
     </p:spTree>
     <p:extLst>
       <p:ext uri="{BB962C8B-B14F-4D97-AF65-F5344CB8AC3E}">
-        <p14:creationId xmlns:p14="http://schemas.microsoft.com/office/powerpoint/2010/main" xmlns="" val="407972854"/>
+        <p14:creationId xmlns:p14="http://schemas.microsoft.com/office/powerpoint/2010/main" val="407972854"/>
       </p:ext>
     </p:extLst>
   </p:cSld>
@@ -2063,7 +2064,7 @@
     </p:spTree>
     <p:extLst>
       <p:ext uri="{BB962C8B-B14F-4D97-AF65-F5344CB8AC3E}">
-        <p14:creationId xmlns:p14="http://schemas.microsoft.com/office/powerpoint/2010/main" xmlns="" val="3057203945"/>
+        <p14:creationId xmlns:p14="http://schemas.microsoft.com/office/powerpoint/2010/main" val="3057203945"/>
       </p:ext>
     </p:extLst>
   </p:cSld>
@@ -2241,7 +2242,7 @@
     </p:spTree>
     <p:extLst>
       <p:ext uri="{BB962C8B-B14F-4D97-AF65-F5344CB8AC3E}">
-        <p14:creationId xmlns:p14="http://schemas.microsoft.com/office/powerpoint/2010/main" xmlns="" val="634261970"/>
+        <p14:creationId xmlns:p14="http://schemas.microsoft.com/office/powerpoint/2010/main" val="634261970"/>
       </p:ext>
     </p:extLst>
   </p:cSld>
@@ -2419,7 +2420,7 @@
     </p:spTree>
     <p:extLst>
       <p:ext uri="{BB962C8B-B14F-4D97-AF65-F5344CB8AC3E}">
-        <p14:creationId xmlns:p14="http://schemas.microsoft.com/office/powerpoint/2010/main" xmlns="" val="3536167397"/>
+        <p14:creationId xmlns:p14="http://schemas.microsoft.com/office/powerpoint/2010/main" val="3536167397"/>
       </p:ext>
     </p:extLst>
   </p:cSld>
@@ -2616,7 +2617,7 @@
     </p:spTree>
     <p:extLst>
       <p:ext uri="{BB962C8B-B14F-4D97-AF65-F5344CB8AC3E}">
-        <p14:creationId xmlns:p14="http://schemas.microsoft.com/office/powerpoint/2010/main" xmlns="" val="696848505"/>
+        <p14:creationId xmlns:p14="http://schemas.microsoft.com/office/powerpoint/2010/main" val="696848505"/>
       </p:ext>
     </p:extLst>
   </p:cSld>
@@ -2902,7 +2903,7 @@
     </p:spTree>
     <p:extLst>
       <p:ext uri="{BB962C8B-B14F-4D97-AF65-F5344CB8AC3E}">
-        <p14:creationId xmlns:p14="http://schemas.microsoft.com/office/powerpoint/2010/main" xmlns="" val="917298690"/>
+        <p14:creationId xmlns:p14="http://schemas.microsoft.com/office/powerpoint/2010/main" val="917298690"/>
       </p:ext>
     </p:extLst>
   </p:cSld>
@@ -3327,7 +3328,7 @@
     </p:spTree>
     <p:extLst>
       <p:ext uri="{BB962C8B-B14F-4D97-AF65-F5344CB8AC3E}">
-        <p14:creationId xmlns:p14="http://schemas.microsoft.com/office/powerpoint/2010/main" xmlns="" val="3520384131"/>
+        <p14:creationId xmlns:p14="http://schemas.microsoft.com/office/powerpoint/2010/main" val="3520384131"/>
       </p:ext>
     </p:extLst>
   </p:cSld>
@@ -3443,7 +3444,7 @@
     </p:spTree>
     <p:extLst>
       <p:ext uri="{BB962C8B-B14F-4D97-AF65-F5344CB8AC3E}">
-        <p14:creationId xmlns:p14="http://schemas.microsoft.com/office/powerpoint/2010/main" xmlns="" val="1572459753"/>
+        <p14:creationId xmlns:p14="http://schemas.microsoft.com/office/powerpoint/2010/main" val="1572459753"/>
       </p:ext>
     </p:extLst>
   </p:cSld>
@@ -3536,7 +3537,7 @@
     </p:spTree>
     <p:extLst>
       <p:ext uri="{BB962C8B-B14F-4D97-AF65-F5344CB8AC3E}">
-        <p14:creationId xmlns:p14="http://schemas.microsoft.com/office/powerpoint/2010/main" xmlns="" val="1278954621"/>
+        <p14:creationId xmlns:p14="http://schemas.microsoft.com/office/powerpoint/2010/main" val="1278954621"/>
       </p:ext>
     </p:extLst>
   </p:cSld>
@@ -3811,7 +3812,7 @@
     </p:spTree>
     <p:extLst>
       <p:ext uri="{BB962C8B-B14F-4D97-AF65-F5344CB8AC3E}">
-        <p14:creationId xmlns:p14="http://schemas.microsoft.com/office/powerpoint/2010/main" xmlns="" val="732320441"/>
+        <p14:creationId xmlns:p14="http://schemas.microsoft.com/office/powerpoint/2010/main" val="732320441"/>
       </p:ext>
     </p:extLst>
   </p:cSld>
@@ -4063,7 +4064,7 @@
     </p:spTree>
     <p:extLst>
       <p:ext uri="{BB962C8B-B14F-4D97-AF65-F5344CB8AC3E}">
-        <p14:creationId xmlns:p14="http://schemas.microsoft.com/office/powerpoint/2010/main" xmlns="" val="2413524459"/>
+        <p14:creationId xmlns:p14="http://schemas.microsoft.com/office/powerpoint/2010/main" val="2413524459"/>
       </p:ext>
     </p:extLst>
   </p:cSld>
@@ -4125,7 +4126,7 @@
           <a:effectLst/>
           <a:extLst>
             <a:ext uri="{91240B29-F687-4F45-9708-019B960494DF}">
-              <a14:hiddenLine xmlns:a14="http://schemas.microsoft.com/office/drawing/2010/main" xmlns="" w="9525">
+              <a14:hiddenLine xmlns:a14="http://schemas.microsoft.com/office/drawing/2010/main" w="9525">
                 <a:solidFill>
                   <a:srgbClr val="000000"/>
                 </a:solidFill>
@@ -4135,7 +4136,7 @@
               </a14:hiddenLine>
             </a:ext>
             <a:ext uri="{AF507438-7753-43E0-B8FC-AC1667EBCBE1}">
-              <a14:hiddenEffects xmlns:a14="http://schemas.microsoft.com/office/drawing/2010/main" xmlns="">
+              <a14:hiddenEffects xmlns:a14="http://schemas.microsoft.com/office/drawing/2010/main">
                 <a:effectLst>
                   <a:outerShdw dist="35921" dir="2700000" algn="ctr" rotWithShape="0">
                     <a:schemeClr val="bg2"/>
@@ -4351,7 +4352,7 @@
           <a:effectLst/>
           <a:extLst>
             <a:ext uri="{91240B29-F687-4F45-9708-019B960494DF}">
-              <a14:hiddenLine xmlns:a14="http://schemas.microsoft.com/office/drawing/2010/main" xmlns="" w="9525">
+              <a14:hiddenLine xmlns:a14="http://schemas.microsoft.com/office/drawing/2010/main" w="9525">
                 <a:solidFill>
                   <a:srgbClr val="000000"/>
                 </a:solidFill>
@@ -4361,7 +4362,7 @@
               </a14:hiddenLine>
             </a:ext>
             <a:ext uri="{AF507438-7753-43E0-B8FC-AC1667EBCBE1}">
-              <a14:hiddenEffects xmlns:a14="http://schemas.microsoft.com/office/drawing/2010/main" xmlns="">
+              <a14:hiddenEffects xmlns:a14="http://schemas.microsoft.com/office/drawing/2010/main">
                 <a:effectLst>
                   <a:outerShdw dist="35921" dir="2700000" algn="ctr" rotWithShape="0">
                     <a:schemeClr val="bg2"/>
@@ -4462,7 +4463,7 @@
           <a:effectLst/>
           <a:extLst>
             <a:ext uri="{91240B29-F687-4F45-9708-019B960494DF}">
-              <a14:hiddenLine xmlns:a14="http://schemas.microsoft.com/office/drawing/2010/main" xmlns="" w="9525">
+              <a14:hiddenLine xmlns:a14="http://schemas.microsoft.com/office/drawing/2010/main" w="9525">
                 <a:solidFill>
                   <a:srgbClr val="000000"/>
                 </a:solidFill>
@@ -4472,7 +4473,7 @@
               </a14:hiddenLine>
             </a:ext>
             <a:ext uri="{AF507438-7753-43E0-B8FC-AC1667EBCBE1}">
-              <a14:hiddenEffects xmlns:a14="http://schemas.microsoft.com/office/drawing/2010/main" xmlns="">
+              <a14:hiddenEffects xmlns:a14="http://schemas.microsoft.com/office/drawing/2010/main">
                 <a:effectLst>
                   <a:outerShdw dist="76200" algn="ctr" rotWithShape="0">
                     <a:schemeClr val="bg2">
@@ -4519,7 +4520,7 @@
           <a:effectLst/>
           <a:extLst>
             <a:ext uri="{91240B29-F687-4F45-9708-019B960494DF}">
-              <a14:hiddenLine xmlns:a14="http://schemas.microsoft.com/office/drawing/2010/main" xmlns="" w="9525">
+              <a14:hiddenLine xmlns:a14="http://schemas.microsoft.com/office/drawing/2010/main" w="9525">
                 <a:solidFill>
                   <a:srgbClr val="000000"/>
                 </a:solidFill>
@@ -4529,7 +4530,7 @@
               </a14:hiddenLine>
             </a:ext>
             <a:ext uri="{AF507438-7753-43E0-B8FC-AC1667EBCBE1}">
-              <a14:hiddenEffects xmlns:a14="http://schemas.microsoft.com/office/drawing/2010/main" xmlns="">
+              <a14:hiddenEffects xmlns:a14="http://schemas.microsoft.com/office/drawing/2010/main">
                 <a:effectLst>
                   <a:outerShdw dist="35921" dir="2700000" algn="ctr" rotWithShape="0">
                     <a:schemeClr val="bg2"/>
@@ -4687,7 +4688,7 @@
           <a:effectLst/>
           <a:extLst>
             <a:ext uri="{91240B29-F687-4F45-9708-019B960494DF}">
-              <a14:hiddenLine xmlns:a14="http://schemas.microsoft.com/office/drawing/2010/main" xmlns="" w="9525">
+              <a14:hiddenLine xmlns:a14="http://schemas.microsoft.com/office/drawing/2010/main" w="9525">
                 <a:solidFill>
                   <a:srgbClr val="000000"/>
                 </a:solidFill>
@@ -4697,7 +4698,7 @@
               </a14:hiddenLine>
             </a:ext>
             <a:ext uri="{AF507438-7753-43E0-B8FC-AC1667EBCBE1}">
-              <a14:hiddenEffects xmlns:a14="http://schemas.microsoft.com/office/drawing/2010/main" xmlns="">
+              <a14:hiddenEffects xmlns:a14="http://schemas.microsoft.com/office/drawing/2010/main">
                 <a:effectLst>
                   <a:outerShdw dist="35921" dir="2700000" algn="ctr" rotWithShape="0">
                     <a:schemeClr val="bg2"/>
@@ -4776,14 +4777,14 @@
           <a:effectLst/>
           <a:extLst>
             <a:ext uri="{909E8E84-426E-40DD-AFC4-6F175D3DCCD1}">
-              <a14:hiddenFill xmlns:a14="http://schemas.microsoft.com/office/drawing/2010/main" xmlns="">
+              <a14:hiddenFill xmlns:a14="http://schemas.microsoft.com/office/drawing/2010/main">
                 <a:solidFill>
                   <a:schemeClr val="accent1"/>
                 </a:solidFill>
               </a14:hiddenFill>
             </a:ext>
             <a:ext uri="{91240B29-F687-4F45-9708-019B960494DF}">
-              <a14:hiddenLine xmlns:a14="http://schemas.microsoft.com/office/drawing/2010/main" xmlns="" w="9525">
+              <a14:hiddenLine xmlns:a14="http://schemas.microsoft.com/office/drawing/2010/main" w="9525">
                 <a:solidFill>
                   <a:srgbClr val="000000"/>
                 </a:solidFill>
@@ -4793,7 +4794,7 @@
               </a14:hiddenLine>
             </a:ext>
             <a:ext uri="{AF507438-7753-43E0-B8FC-AC1667EBCBE1}">
-              <a14:hiddenEffects xmlns:a14="http://schemas.microsoft.com/office/drawing/2010/main" xmlns="">
+              <a14:hiddenEffects xmlns:a14="http://schemas.microsoft.com/office/drawing/2010/main">
                 <a:effectLst>
                   <a:outerShdw dist="35921" dir="2700000" algn="ctr" rotWithShape="0">
                     <a:schemeClr val="bg2"/>
@@ -4850,14 +4851,14 @@
           <a:effectLst/>
           <a:extLst>
             <a:ext uri="{909E8E84-426E-40DD-AFC4-6F175D3DCCD1}">
-              <a14:hiddenFill xmlns:a14="http://schemas.microsoft.com/office/drawing/2010/main" xmlns="">
+              <a14:hiddenFill xmlns:a14="http://schemas.microsoft.com/office/drawing/2010/main">
                 <a:solidFill>
                   <a:schemeClr val="accent1"/>
                 </a:solidFill>
               </a14:hiddenFill>
             </a:ext>
             <a:ext uri="{91240B29-F687-4F45-9708-019B960494DF}">
-              <a14:hiddenLine xmlns:a14="http://schemas.microsoft.com/office/drawing/2010/main" xmlns="" w="9525">
+              <a14:hiddenLine xmlns:a14="http://schemas.microsoft.com/office/drawing/2010/main" w="9525">
                 <a:solidFill>
                   <a:srgbClr val="000000"/>
                 </a:solidFill>
@@ -4867,7 +4868,7 @@
               </a14:hiddenLine>
             </a:ext>
             <a:ext uri="{AF507438-7753-43E0-B8FC-AC1667EBCBE1}">
-              <a14:hiddenEffects xmlns:a14="http://schemas.microsoft.com/office/drawing/2010/main" xmlns="">
+              <a14:hiddenEffects xmlns:a14="http://schemas.microsoft.com/office/drawing/2010/main">
                 <a:effectLst>
                   <a:outerShdw dist="35921" dir="2700000" algn="ctr" rotWithShape="0">
                     <a:schemeClr val="bg2"/>
@@ -4987,7 +4988,7 @@
           <a:effectLst/>
           <a:extLst>
             <a:ext uri="{91240B29-F687-4F45-9708-019B960494DF}">
-              <a14:hiddenLine xmlns:a14="http://schemas.microsoft.com/office/drawing/2010/main" xmlns="" w="9525">
+              <a14:hiddenLine xmlns:a14="http://schemas.microsoft.com/office/drawing/2010/main" w="9525">
                 <a:solidFill>
                   <a:srgbClr val="000000"/>
                 </a:solidFill>
@@ -4997,7 +4998,7 @@
               </a14:hiddenLine>
             </a:ext>
             <a:ext uri="{AF507438-7753-43E0-B8FC-AC1667EBCBE1}">
-              <a14:hiddenEffects xmlns:a14="http://schemas.microsoft.com/office/drawing/2010/main" xmlns="">
+              <a14:hiddenEffects xmlns:a14="http://schemas.microsoft.com/office/drawing/2010/main">
                 <a:effectLst>
                   <a:outerShdw dist="35921" dir="2700000" algn="ctr" rotWithShape="0">
                     <a:schemeClr val="bg2"/>
@@ -5040,14 +5041,14 @@
           <a:effectLst/>
           <a:extLst>
             <a:ext uri="{909E8E84-426E-40DD-AFC4-6F175D3DCCD1}">
-              <a14:hiddenFill xmlns:a14="http://schemas.microsoft.com/office/drawing/2010/main" xmlns="">
+              <a14:hiddenFill xmlns:a14="http://schemas.microsoft.com/office/drawing/2010/main">
                 <a:solidFill>
                   <a:schemeClr val="accent1"/>
                 </a:solidFill>
               </a14:hiddenFill>
             </a:ext>
             <a:ext uri="{91240B29-F687-4F45-9708-019B960494DF}">
-              <a14:hiddenLine xmlns:a14="http://schemas.microsoft.com/office/drawing/2010/main" xmlns="" w="9525">
+              <a14:hiddenLine xmlns:a14="http://schemas.microsoft.com/office/drawing/2010/main" w="9525">
                 <a:solidFill>
                   <a:srgbClr val="000000"/>
                 </a:solidFill>
@@ -5057,7 +5058,7 @@
               </a14:hiddenLine>
             </a:ext>
             <a:ext uri="{AF507438-7753-43E0-B8FC-AC1667EBCBE1}">
-              <a14:hiddenEffects xmlns:a14="http://schemas.microsoft.com/office/drawing/2010/main" xmlns="">
+              <a14:hiddenEffects xmlns:a14="http://schemas.microsoft.com/office/drawing/2010/main">
                 <a:effectLst>
                   <a:outerShdw dist="35921" dir="2700000" algn="ctr" rotWithShape="0">
                     <a:schemeClr val="bg2"/>
@@ -5106,14 +5107,14 @@
           <a:effectLst/>
           <a:extLst>
             <a:ext uri="{909E8E84-426E-40DD-AFC4-6F175D3DCCD1}">
-              <a14:hiddenFill xmlns:a14="http://schemas.microsoft.com/office/drawing/2010/main" xmlns="">
+              <a14:hiddenFill xmlns:a14="http://schemas.microsoft.com/office/drawing/2010/main">
                 <a:solidFill>
                   <a:schemeClr val="accent1"/>
                 </a:solidFill>
               </a14:hiddenFill>
             </a:ext>
             <a:ext uri="{91240B29-F687-4F45-9708-019B960494DF}">
-              <a14:hiddenLine xmlns:a14="http://schemas.microsoft.com/office/drawing/2010/main" xmlns="" w="9525">
+              <a14:hiddenLine xmlns:a14="http://schemas.microsoft.com/office/drawing/2010/main" w="9525">
                 <a:solidFill>
                   <a:srgbClr val="000000"/>
                 </a:solidFill>
@@ -5123,7 +5124,7 @@
               </a14:hiddenLine>
             </a:ext>
             <a:ext uri="{AF507438-7753-43E0-B8FC-AC1667EBCBE1}">
-              <a14:hiddenEffects xmlns:a14="http://schemas.microsoft.com/office/drawing/2010/main" xmlns="">
+              <a14:hiddenEffects xmlns:a14="http://schemas.microsoft.com/office/drawing/2010/main">
                 <a:effectLst>
                   <a:outerShdw dist="35921" dir="2700000" algn="ctr" rotWithShape="0">
                     <a:schemeClr val="bg2"/>
@@ -5732,14 +5733,14 @@
           <a:effectLst/>
           <a:extLst>
             <a:ext uri="{909E8E84-426E-40DD-AFC4-6F175D3DCCD1}">
-              <a14:hiddenFill xmlns:a14="http://schemas.microsoft.com/office/drawing/2010/main" xmlns="">
+              <a14:hiddenFill xmlns:a14="http://schemas.microsoft.com/office/drawing/2010/main">
                 <a:solidFill>
                   <a:schemeClr val="accent1"/>
                 </a:solidFill>
               </a14:hiddenFill>
             </a:ext>
             <a:ext uri="{91240B29-F687-4F45-9708-019B960494DF}">
-              <a14:hiddenLine xmlns:a14="http://schemas.microsoft.com/office/drawing/2010/main" xmlns="" w="9525">
+              <a14:hiddenLine xmlns:a14="http://schemas.microsoft.com/office/drawing/2010/main" w="9525">
                 <a:solidFill>
                   <a:srgbClr val="000000"/>
                 </a:solidFill>
@@ -5749,7 +5750,7 @@
               </a14:hiddenLine>
             </a:ext>
             <a:ext uri="{AF507438-7753-43E0-B8FC-AC1667EBCBE1}">
-              <a14:hiddenEffects xmlns:a14="http://schemas.microsoft.com/office/drawing/2010/main" xmlns="">
+              <a14:hiddenEffects xmlns:a14="http://schemas.microsoft.com/office/drawing/2010/main">
                 <a:effectLst>
                   <a:outerShdw dist="35921" dir="2700000" algn="ctr" rotWithShape="0">
                     <a:schemeClr val="bg2"/>
@@ -5972,14 +5973,14 @@
           <a:effectLst/>
           <a:extLst>
             <a:ext uri="{909E8E84-426E-40DD-AFC4-6F175D3DCCD1}">
-              <a14:hiddenFill xmlns:a14="http://schemas.microsoft.com/office/drawing/2010/main" xmlns="">
+              <a14:hiddenFill xmlns:a14="http://schemas.microsoft.com/office/drawing/2010/main">
                 <a:solidFill>
                   <a:schemeClr val="accent1"/>
                 </a:solidFill>
               </a14:hiddenFill>
             </a:ext>
             <a:ext uri="{91240B29-F687-4F45-9708-019B960494DF}">
-              <a14:hiddenLine xmlns:a14="http://schemas.microsoft.com/office/drawing/2010/main" xmlns="" w="9525">
+              <a14:hiddenLine xmlns:a14="http://schemas.microsoft.com/office/drawing/2010/main" w="9525">
                 <a:solidFill>
                   <a:srgbClr val="000000"/>
                 </a:solidFill>
@@ -5989,7 +5990,7 @@
               </a14:hiddenLine>
             </a:ext>
             <a:ext uri="{AF507438-7753-43E0-B8FC-AC1667EBCBE1}">
-              <a14:hiddenEffects xmlns:a14="http://schemas.microsoft.com/office/drawing/2010/main" xmlns="">
+              <a14:hiddenEffects xmlns:a14="http://schemas.microsoft.com/office/drawing/2010/main">
                 <a:effectLst>
                   <a:outerShdw dist="35921" dir="2700000" algn="ctr" rotWithShape="0">
                     <a:schemeClr val="bg2"/>
@@ -6195,14 +6196,14 @@
           <a:effectLst/>
           <a:extLst>
             <a:ext uri="{909E8E84-426E-40DD-AFC4-6F175D3DCCD1}">
-              <a14:hiddenFill xmlns:a14="http://schemas.microsoft.com/office/drawing/2010/main" xmlns="">
+              <a14:hiddenFill xmlns:a14="http://schemas.microsoft.com/office/drawing/2010/main">
                 <a:solidFill>
                   <a:schemeClr val="accent1"/>
                 </a:solidFill>
               </a14:hiddenFill>
             </a:ext>
             <a:ext uri="{91240B29-F687-4F45-9708-019B960494DF}">
-              <a14:hiddenLine xmlns:a14="http://schemas.microsoft.com/office/drawing/2010/main" xmlns="" w="9525">
+              <a14:hiddenLine xmlns:a14="http://schemas.microsoft.com/office/drawing/2010/main" w="9525">
                 <a:solidFill>
                   <a:srgbClr val="000000"/>
                 </a:solidFill>
@@ -6212,7 +6213,7 @@
               </a14:hiddenLine>
             </a:ext>
             <a:ext uri="{AF507438-7753-43E0-B8FC-AC1667EBCBE1}">
-              <a14:hiddenEffects xmlns:a14="http://schemas.microsoft.com/office/drawing/2010/main" xmlns="">
+              <a14:hiddenEffects xmlns:a14="http://schemas.microsoft.com/office/drawing/2010/main">
                 <a:effectLst>
                   <a:outerShdw dist="35921" dir="2700000" algn="ctr" rotWithShape="0">
                     <a:schemeClr val="bg2"/>
@@ -6466,7 +6467,7 @@
           <a:blip r:embed="rId2">
             <a:extLst>
               <a:ext uri="{28A0092B-C50C-407E-A947-70E740481C1C}">
-                <a14:useLocalDpi xmlns:a14="http://schemas.microsoft.com/office/drawing/2010/main" xmlns="" val="0"/>
+                <a14:useLocalDpi xmlns:a14="http://schemas.microsoft.com/office/drawing/2010/main" val="0"/>
               </a:ext>
             </a:extLst>
           </a:blip>
@@ -6489,14 +6490,14 @@
           </a:ln>
           <a:extLst>
             <a:ext uri="{909E8E84-426E-40DD-AFC4-6F175D3DCCD1}">
-              <a14:hiddenFill xmlns:a14="http://schemas.microsoft.com/office/drawing/2010/main" xmlns="">
+              <a14:hiddenFill xmlns:a14="http://schemas.microsoft.com/office/drawing/2010/main">
                 <a:solidFill>
                   <a:srgbClr val="FFFFFF"/>
                 </a:solidFill>
               </a14:hiddenFill>
             </a:ext>
             <a:ext uri="{91240B29-F687-4F45-9708-019B960494DF}">
-              <a14:hiddenLine xmlns:a14="http://schemas.microsoft.com/office/drawing/2010/main" xmlns="" w="9525">
+              <a14:hiddenLine xmlns:a14="http://schemas.microsoft.com/office/drawing/2010/main" w="9525">
                 <a:solidFill>
                   <a:srgbClr val="000000"/>
                 </a:solidFill>
@@ -7488,17 +7489,7 @@
                 <a:latin typeface="黑体" pitchFamily="49" charset="-122"/>
                 <a:ea typeface="楷体_GB2312" pitchFamily="49" charset="-122"/>
               </a:rPr>
-              <a:t> </a:t>
-            </a:r>
-            <a:r>
-              <a:rPr lang="en-US" altLang="zh-CN" sz="2000" dirty="0" smtClean="0">
-                <a:solidFill>
-                  <a:srgbClr val="FF0000"/>
-                </a:solidFill>
-                <a:latin typeface="黑体" pitchFamily="49" charset="-122"/>
-                <a:ea typeface="楷体_GB2312" pitchFamily="49" charset="-122"/>
-              </a:rPr>
-              <a:t>  </a:t>
+              <a:t>   </a:t>
             </a:r>
             <a:r>
               <a:rPr lang="zh-CN" altLang="en-US" sz="2400" dirty="0" smtClean="0">
@@ -7508,17 +7499,7 @@
                 <a:latin typeface="黑体" pitchFamily="49" charset="-122"/>
                 <a:ea typeface="黑体" pitchFamily="49" charset="-122"/>
               </a:rPr>
-              <a:t>解题</a:t>
-            </a:r>
-            <a:r>
-              <a:rPr lang="zh-CN" altLang="en-US" sz="2400" dirty="0" smtClean="0">
-                <a:solidFill>
-                  <a:srgbClr val="FF0000"/>
-                </a:solidFill>
-                <a:latin typeface="黑体" pitchFamily="49" charset="-122"/>
-                <a:ea typeface="黑体" pitchFamily="49" charset="-122"/>
-              </a:rPr>
-              <a:t>思路</a:t>
+              <a:t>解题思路</a:t>
             </a:r>
             <a:r>
               <a:rPr lang="zh-CN" altLang="en-US" sz="2400" dirty="0" smtClean="0">
@@ -12287,7 +12268,7 @@
       </p:grpSpPr>
       <p:sp>
         <p:nvSpPr>
-          <p:cNvPr id="4098" name="标题 1"/>
+          <p:cNvPr id="2" name="标题 1"/>
           <p:cNvSpPr>
             <a:spLocks noGrp="1"/>
           </p:cNvSpPr>
@@ -12300,18 +12281,13 @@
           <a:bodyPr/>
           <a:lstStyle/>
           <a:p>
-            <a:r>
-              <a:rPr lang="zh-CN" altLang="en-US" dirty="0" smtClean="0">
-                <a:ea typeface="宋体" pitchFamily="2" charset="-122"/>
-              </a:rPr>
-              <a:t>四、例题</a:t>
-            </a:r>
+            <a:endParaRPr lang="zh-CN" altLang="en-US"/>
           </a:p>
         </p:txBody>
       </p:sp>
       <p:sp>
         <p:nvSpPr>
-          <p:cNvPr id="4099" name="内容占位符 2"/>
+          <p:cNvPr id="3" name="内容占位符 2"/>
           <p:cNvSpPr>
             <a:spLocks noGrp="1"/>
           </p:cNvSpPr>
@@ -12319,437 +12295,36 @@
             <p:ph idx="1"/>
           </p:nvPr>
         </p:nvSpPr>
-        <p:spPr>
-          <a:xfrm>
-            <a:off x="457200" y="1076325"/>
-            <a:ext cx="8329642" cy="5248275"/>
-          </a:xfrm>
-        </p:spPr>
+        <p:spPr/>
         <p:txBody>
           <a:bodyPr/>
           <a:lstStyle/>
           <a:p>
-            <a:pPr algn="just"/>
-            <a:r>
-              <a:rPr lang="zh-CN" altLang="en-US" sz="2600" dirty="0" smtClean="0"/>
-              <a:t>单源最短路径问题</a:t>
-            </a:r>
-            <a:endParaRPr lang="en-US" altLang="zh-CN" sz="2600" dirty="0" smtClean="0"/>
-          </a:p>
-          <a:p>
-            <a:pPr algn="just">
-              <a:buNone/>
-            </a:pPr>
-            <a:r>
-              <a:rPr lang="zh-CN" altLang="en-US" sz="2400" dirty="0" smtClean="0"/>
-              <a:t>  给定一个有向带权图</a:t>
-            </a:r>
-            <a:r>
-              <a:rPr lang="en-US" altLang="zh-CN" sz="2400" dirty="0" smtClean="0"/>
-              <a:t>G=(V</a:t>
-            </a:r>
-            <a:r>
-              <a:rPr lang="zh-CN" altLang="en-US" sz="2400" dirty="0" smtClean="0"/>
-              <a:t>，</a:t>
-            </a:r>
-            <a:r>
-              <a:rPr lang="en-US" altLang="zh-CN" sz="2400" dirty="0" smtClean="0"/>
-              <a:t>E)</a:t>
-            </a:r>
-            <a:r>
-              <a:rPr lang="zh-CN" altLang="en-US" sz="2400" dirty="0" smtClean="0"/>
-              <a:t>，要求找出从某个定源顶点</a:t>
-            </a:r>
-            <a:r>
-              <a:rPr lang="en-US" altLang="zh-CN" sz="2400" dirty="0" smtClean="0"/>
-              <a:t>s</a:t>
-            </a:r>
-            <a:r>
-              <a:rPr lang="zh-CN" altLang="en-US" sz="2400" dirty="0" smtClean="0"/>
-              <a:t>到其他顶点</a:t>
-            </a:r>
-            <a:r>
-              <a:rPr lang="en-US" altLang="zh-CN" sz="2400" dirty="0" smtClean="0"/>
-              <a:t>v</a:t>
-            </a:r>
-            <a:r>
-              <a:rPr lang="zh-CN" altLang="en-US" sz="2400" dirty="0" smtClean="0"/>
-              <a:t>的最短路径。</a:t>
-            </a:r>
-            <a:endParaRPr lang="en-US" altLang="zh-CN" sz="2400" dirty="0" smtClean="0"/>
-          </a:p>
-          <a:p>
-            <a:pPr>
-              <a:buFontTx/>
-              <a:buNone/>
-            </a:pPr>
-            <a:r>
-              <a:rPr lang="en-US" altLang="zh-CN" sz="2800" dirty="0" smtClean="0">
-                <a:solidFill>
-                  <a:schemeClr val="accent2"/>
-                </a:solidFill>
-                <a:latin typeface="黑体" pitchFamily="49" charset="-122"/>
-              </a:rPr>
-              <a:t>  </a:t>
-            </a:r>
-            <a:r>
-              <a:rPr lang="en-US" altLang="zh-CN" sz="2800" dirty="0" err="1" smtClean="0">
-                <a:solidFill>
-                  <a:srgbClr val="FF0000"/>
-                </a:solidFill>
-                <a:latin typeface="黑体" pitchFamily="49" charset="-122"/>
-              </a:rPr>
-              <a:t>Dijkstra</a:t>
-            </a:r>
-            <a:r>
-              <a:rPr lang="zh-CN" altLang="en-US" sz="2800" dirty="0" smtClean="0">
-                <a:solidFill>
-                  <a:srgbClr val="FF0000"/>
-                </a:solidFill>
-                <a:latin typeface="黑体" pitchFamily="49" charset="-122"/>
-              </a:rPr>
-              <a:t>算法的正确性和计算复杂性</a:t>
-            </a:r>
-          </a:p>
-          <a:p>
-            <a:pPr lvl="1">
-              <a:buFont typeface="Arial" pitchFamily="34" charset="0"/>
-              <a:buChar char="•"/>
-            </a:pPr>
-            <a:r>
-              <a:rPr lang="zh-CN" altLang="en-US" sz="2400" dirty="0" smtClean="0">
-                <a:latin typeface="黑体" pitchFamily="49" charset="-122"/>
-                <a:ea typeface="黑体" pitchFamily="49" charset="-122"/>
-              </a:rPr>
-              <a:t>贪心选择性质</a:t>
-            </a:r>
-          </a:p>
-          <a:p>
-            <a:pPr lvl="1">
-              <a:buFont typeface="Arial" pitchFamily="34" charset="0"/>
-              <a:buChar char="•"/>
-            </a:pPr>
-            <a:r>
-              <a:rPr lang="zh-CN" altLang="en-US" sz="2400" dirty="0" smtClean="0">
-                <a:latin typeface="黑体" pitchFamily="49" charset="-122"/>
-                <a:ea typeface="黑体" pitchFamily="49" charset="-122"/>
-              </a:rPr>
-              <a:t>最优子结构性质</a:t>
-            </a:r>
-          </a:p>
-          <a:p>
-            <a:pPr lvl="1">
-              <a:buFont typeface="Arial" pitchFamily="34" charset="0"/>
-              <a:buChar char="•"/>
-            </a:pPr>
-            <a:r>
-              <a:rPr lang="zh-CN" altLang="en-US" sz="2400" dirty="0" smtClean="0">
-                <a:latin typeface="黑体" pitchFamily="49" charset="-122"/>
-                <a:ea typeface="黑体" pitchFamily="49" charset="-122"/>
-              </a:rPr>
-              <a:t>计算复杂性</a:t>
-            </a:r>
-          </a:p>
-          <a:p>
-            <a:pPr>
-              <a:buFontTx/>
-              <a:buNone/>
-            </a:pPr>
-            <a:r>
-              <a:rPr lang="zh-CN" altLang="en-US" sz="2400" dirty="0" smtClean="0">
-                <a:latin typeface="楷体_GB2312" pitchFamily="49" charset="-122"/>
-                <a:ea typeface="楷体_GB2312" pitchFamily="49" charset="-122"/>
-              </a:rPr>
-              <a:t>		   </a:t>
-            </a:r>
-            <a:r>
-              <a:rPr lang="zh-CN" altLang="en-US" sz="2400" dirty="0" smtClean="0">
-                <a:latin typeface="黑体" pitchFamily="49" charset="-122"/>
-                <a:ea typeface="黑体" pitchFamily="49" charset="-122"/>
-              </a:rPr>
-              <a:t>对于具有</a:t>
-            </a:r>
-            <a:r>
-              <a:rPr lang="en-US" altLang="zh-CN" sz="2400" dirty="0" smtClean="0">
-                <a:latin typeface="黑体" pitchFamily="49" charset="-122"/>
-                <a:ea typeface="黑体" pitchFamily="49" charset="-122"/>
-              </a:rPr>
-              <a:t>n</a:t>
-            </a:r>
-            <a:r>
-              <a:rPr lang="zh-CN" altLang="en-US" sz="2400" dirty="0" smtClean="0">
-                <a:latin typeface="黑体" pitchFamily="49" charset="-122"/>
-                <a:ea typeface="黑体" pitchFamily="49" charset="-122"/>
-              </a:rPr>
-              <a:t>个顶点和</a:t>
-            </a:r>
-            <a:r>
-              <a:rPr lang="en-US" altLang="zh-CN" sz="2400" dirty="0" smtClean="0">
-                <a:latin typeface="黑体" pitchFamily="49" charset="-122"/>
-                <a:ea typeface="黑体" pitchFamily="49" charset="-122"/>
-              </a:rPr>
-              <a:t>e</a:t>
-            </a:r>
-            <a:r>
-              <a:rPr lang="zh-CN" altLang="en-US" sz="2400" dirty="0" smtClean="0">
-                <a:latin typeface="黑体" pitchFamily="49" charset="-122"/>
-                <a:ea typeface="黑体" pitchFamily="49" charset="-122"/>
-              </a:rPr>
-              <a:t>条边的带权有向图，如果用带</a:t>
-            </a:r>
-            <a:endParaRPr lang="en-US" altLang="zh-CN" sz="2400" dirty="0" smtClean="0">
-              <a:latin typeface="黑体" pitchFamily="49" charset="-122"/>
-              <a:ea typeface="黑体" pitchFamily="49" charset="-122"/>
-            </a:endParaRPr>
-          </a:p>
-          <a:p>
-            <a:pPr>
-              <a:buFontTx/>
-              <a:buNone/>
-            </a:pPr>
-            <a:r>
-              <a:rPr lang="en-US" altLang="zh-CN" sz="2400" dirty="0" smtClean="0">
-                <a:latin typeface="黑体" pitchFamily="49" charset="-122"/>
-                <a:ea typeface="黑体" pitchFamily="49" charset="-122"/>
-              </a:rPr>
-              <a:t>         </a:t>
-            </a:r>
-            <a:r>
-              <a:rPr lang="zh-CN" altLang="en-US" sz="2400" dirty="0" smtClean="0">
-                <a:latin typeface="黑体" pitchFamily="49" charset="-122"/>
-                <a:ea typeface="黑体" pitchFamily="49" charset="-122"/>
-              </a:rPr>
-              <a:t>权邻接矩阵表示这个图，那么</a:t>
-            </a:r>
-            <a:r>
-              <a:rPr lang="en-US" altLang="zh-CN" sz="2400" dirty="0" err="1" smtClean="0">
-                <a:latin typeface="黑体" pitchFamily="49" charset="-122"/>
-                <a:ea typeface="黑体" pitchFamily="49" charset="-122"/>
-              </a:rPr>
-              <a:t>Dijkstra</a:t>
-            </a:r>
-            <a:r>
-              <a:rPr lang="zh-CN" altLang="en-US" sz="2400" dirty="0" smtClean="0">
-                <a:latin typeface="黑体" pitchFamily="49" charset="-122"/>
-                <a:ea typeface="黑体" pitchFamily="49" charset="-122"/>
-              </a:rPr>
-              <a:t>算法的主循</a:t>
-            </a:r>
-            <a:endParaRPr lang="en-US" altLang="zh-CN" sz="2400" dirty="0" smtClean="0">
-              <a:latin typeface="黑体" pitchFamily="49" charset="-122"/>
-              <a:ea typeface="黑体" pitchFamily="49" charset="-122"/>
-            </a:endParaRPr>
-          </a:p>
-          <a:p>
-            <a:pPr>
-              <a:buFontTx/>
-              <a:buNone/>
-            </a:pPr>
-            <a:r>
-              <a:rPr lang="en-US" altLang="zh-CN" sz="2400" dirty="0" smtClean="0">
-                <a:latin typeface="黑体" pitchFamily="49" charset="-122"/>
-                <a:ea typeface="黑体" pitchFamily="49" charset="-122"/>
-              </a:rPr>
-              <a:t>         </a:t>
-            </a:r>
-            <a:r>
-              <a:rPr lang="zh-CN" altLang="en-US" sz="2400" dirty="0" smtClean="0">
-                <a:latin typeface="黑体" pitchFamily="49" charset="-122"/>
-                <a:ea typeface="黑体" pitchFamily="49" charset="-122"/>
-              </a:rPr>
-              <a:t>环体需要     时间。这个循环需要执行</a:t>
-            </a:r>
-            <a:r>
-              <a:rPr lang="en-US" altLang="zh-CN" sz="2400" dirty="0" smtClean="0">
-                <a:latin typeface="黑体" pitchFamily="49" charset="-122"/>
-                <a:ea typeface="黑体" pitchFamily="49" charset="-122"/>
-              </a:rPr>
-              <a:t>n-1</a:t>
-            </a:r>
-            <a:r>
-              <a:rPr lang="zh-CN" altLang="en-US" sz="2400" dirty="0" smtClean="0">
-                <a:latin typeface="黑体" pitchFamily="49" charset="-122"/>
-                <a:ea typeface="黑体" pitchFamily="49" charset="-122"/>
-              </a:rPr>
-              <a:t>次，所</a:t>
-            </a:r>
-            <a:endParaRPr lang="en-US" altLang="zh-CN" sz="2400" dirty="0" smtClean="0">
-              <a:latin typeface="黑体" pitchFamily="49" charset="-122"/>
-              <a:ea typeface="黑体" pitchFamily="49" charset="-122"/>
-            </a:endParaRPr>
-          </a:p>
-          <a:p>
-            <a:pPr>
-              <a:buFontTx/>
-              <a:buNone/>
-            </a:pPr>
-            <a:r>
-              <a:rPr lang="en-US" altLang="zh-CN" sz="2400" dirty="0" smtClean="0">
-                <a:latin typeface="黑体" pitchFamily="49" charset="-122"/>
-                <a:ea typeface="黑体" pitchFamily="49" charset="-122"/>
-              </a:rPr>
-              <a:t>         </a:t>
-            </a:r>
-            <a:r>
-              <a:rPr lang="zh-CN" altLang="en-US" sz="2400" dirty="0" smtClean="0">
-                <a:latin typeface="黑体" pitchFamily="49" charset="-122"/>
-                <a:ea typeface="黑体" pitchFamily="49" charset="-122"/>
-              </a:rPr>
-              <a:t>以完成循环需要      时间。算法的其余部分所需</a:t>
-            </a:r>
-            <a:endParaRPr lang="en-US" altLang="zh-CN" sz="2400" dirty="0" smtClean="0">
-              <a:latin typeface="黑体" pitchFamily="49" charset="-122"/>
-              <a:ea typeface="黑体" pitchFamily="49" charset="-122"/>
-            </a:endParaRPr>
-          </a:p>
-          <a:p>
-            <a:pPr>
-              <a:buFontTx/>
-              <a:buNone/>
-            </a:pPr>
-            <a:r>
-              <a:rPr lang="en-US" altLang="zh-CN" sz="2400" dirty="0" smtClean="0">
-                <a:latin typeface="黑体" pitchFamily="49" charset="-122"/>
-                <a:ea typeface="黑体" pitchFamily="49" charset="-122"/>
-              </a:rPr>
-              <a:t>         </a:t>
-            </a:r>
-            <a:r>
-              <a:rPr lang="zh-CN" altLang="en-US" sz="2400" dirty="0" smtClean="0">
-                <a:latin typeface="黑体" pitchFamily="49" charset="-122"/>
-                <a:ea typeface="黑体" pitchFamily="49" charset="-122"/>
-              </a:rPr>
-              <a:t>要时间不超过     。</a:t>
-            </a:r>
-          </a:p>
-          <a:p>
-            <a:pPr algn="just">
-              <a:buNone/>
-            </a:pPr>
-            <a:endParaRPr lang="zh-CN" altLang="en-US" sz="2400" dirty="0" smtClean="0"/>
-          </a:p>
-          <a:p>
-            <a:pPr>
-              <a:lnSpc>
-                <a:spcPct val="90000"/>
-              </a:lnSpc>
-              <a:buFontTx/>
-              <a:buNone/>
-            </a:pPr>
-            <a:r>
-              <a:rPr lang="zh-CN" altLang="en-US" sz="2000" dirty="0" smtClean="0">
-                <a:latin typeface="楷体_GB2312" pitchFamily="49" charset="-122"/>
-                <a:ea typeface="楷体_GB2312" pitchFamily="49" charset="-122"/>
-              </a:rPr>
-              <a:t>  </a:t>
-            </a:r>
-            <a:r>
-              <a:rPr lang="zh-CN" altLang="en-US" sz="2400" dirty="0" smtClean="0">
-                <a:latin typeface="黑体" pitchFamily="49" charset="-122"/>
-                <a:ea typeface="黑体" pitchFamily="49" charset="-122"/>
-              </a:rPr>
-              <a:t> </a:t>
-            </a:r>
-            <a:endParaRPr lang="en-US" altLang="zh-CN" sz="2400" dirty="0" smtClean="0">
-              <a:latin typeface="黑体" pitchFamily="49" charset="-122"/>
-              <a:ea typeface="黑体" pitchFamily="49" charset="-122"/>
-            </a:endParaRPr>
-          </a:p>
-          <a:p>
-            <a:pPr>
-              <a:lnSpc>
-                <a:spcPct val="90000"/>
-              </a:lnSpc>
-              <a:buFontTx/>
-              <a:buNone/>
-            </a:pPr>
-            <a:r>
-              <a:rPr lang="en-US" altLang="zh-CN" sz="2400" dirty="0" smtClean="0">
-                <a:latin typeface="黑体" pitchFamily="49" charset="-122"/>
-                <a:ea typeface="黑体" pitchFamily="49" charset="-122"/>
-              </a:rPr>
-              <a:t>   </a:t>
-            </a:r>
-            <a:endParaRPr lang="zh-CN" altLang="en-US" dirty="0" smtClean="0"/>
-          </a:p>
-          <a:p>
-            <a:pPr lvl="1"/>
-            <a:endParaRPr lang="zh-CN" altLang="en-US" dirty="0" smtClean="0"/>
+            <a:r>
+              <a:rPr lang="zh-CN" altLang="en-US" dirty="0" smtClean="0"/>
+              <a:t>参考资料</a:t>
+            </a:r>
+            <a:endParaRPr lang="en-US" altLang="zh-CN" dirty="0" smtClean="0"/>
+          </a:p>
+          <a:p>
+            <a:r>
+              <a:rPr lang="en-US" altLang="zh-CN" dirty="0"/>
+              <a:t>https://www.cnblogs.com/biyeymyhjob/archive/2012/07/31/2615833.html</a:t>
+            </a:r>
+            <a:endParaRPr lang="zh-CN" altLang="en-US" dirty="0"/>
           </a:p>
         </p:txBody>
       </p:sp>
-      <p:graphicFrame>
-        <p:nvGraphicFramePr>
-          <p:cNvPr id="28674" name="Object 2"/>
-          <p:cNvGraphicFramePr>
-            <a:graphicFrameLocks noChangeAspect="1"/>
-          </p:cNvGraphicFramePr>
-          <p:nvPr/>
-        </p:nvGraphicFramePr>
-        <p:xfrm>
-          <a:off x="3143240" y="5043583"/>
-          <a:ext cx="660389" cy="385681"/>
-        </p:xfrm>
-        <a:graphic>
-          <a:graphicData uri="http://schemas.openxmlformats.org/presentationml/2006/ole">
-            <p:oleObj spid="_x0000_s29698" name="Equation" r:id="rId3" imgW="343068" imgH="203429" progId="Equation.DSMT4">
-              <p:embed/>
-            </p:oleObj>
-          </a:graphicData>
-        </a:graphic>
-      </p:graphicFrame>
-      <p:graphicFrame>
-        <p:nvGraphicFramePr>
-          <p:cNvPr id="28675" name="Object 3"/>
-          <p:cNvGraphicFramePr>
-            <a:graphicFrameLocks noChangeAspect="1"/>
-          </p:cNvGraphicFramePr>
-          <p:nvPr/>
-        </p:nvGraphicFramePr>
-        <p:xfrm>
-          <a:off x="4057660" y="5421639"/>
-          <a:ext cx="800092" cy="436253"/>
-        </p:xfrm>
-        <a:graphic>
-          <a:graphicData uri="http://schemas.openxmlformats.org/presentationml/2006/ole">
-            <p:oleObj spid="_x0000_s29699" r:id="rId4" imgW="419417" imgH="228917" progId="Equation.3">
-              <p:embed/>
-            </p:oleObj>
-          </a:graphicData>
-        </a:graphic>
-      </p:graphicFrame>
-      <p:graphicFrame>
-        <p:nvGraphicFramePr>
-          <p:cNvPr id="28676" name="Object 4"/>
-          <p:cNvGraphicFramePr>
-            <a:graphicFrameLocks noChangeAspect="1"/>
-          </p:cNvGraphicFramePr>
-          <p:nvPr/>
-        </p:nvGraphicFramePr>
-        <p:xfrm>
-          <a:off x="3714744" y="5849958"/>
-          <a:ext cx="800100" cy="436562"/>
-        </p:xfrm>
-        <a:graphic>
-          <a:graphicData uri="http://schemas.openxmlformats.org/presentationml/2006/ole">
-            <p:oleObj spid="_x0000_s29700" r:id="rId5" imgW="419417" imgH="228917" progId="Equation.3">
-              <p:embed/>
-            </p:oleObj>
-          </a:graphicData>
-        </a:graphic>
-      </p:graphicFrame>
     </p:spTree>
+    <p:extLst>
+      <p:ext uri="{BB962C8B-B14F-4D97-AF65-F5344CB8AC3E}">
+        <p14:creationId xmlns:p14="http://schemas.microsoft.com/office/powerpoint/2010/main" val="3327065435"/>
+      </p:ext>
+    </p:extLst>
   </p:cSld>
   <p:clrMapOvr>
     <a:masterClrMapping/>
   </p:clrMapOvr>
-  <p:timing>
-    <p:tnLst>
-      <p:par>
-        <p:cTn id="1" dur="indefinite" restart="never" nodeType="tmRoot"/>
-      </p:par>
-    </p:tnLst>
-  </p:timing>
 </p:sld>
 </file>
 
@@ -12817,11 +12392,7 @@
             <a:pPr algn="just"/>
             <a:r>
               <a:rPr lang="zh-CN" altLang="en-US" sz="2600" dirty="0" smtClean="0"/>
-              <a:t>最小生成树</a:t>
-            </a:r>
-            <a:r>
-              <a:rPr lang="zh-CN" altLang="en-US" sz="2600" dirty="0" smtClean="0"/>
-              <a:t>问题</a:t>
+              <a:t>单源最短路径问题</a:t>
             </a:r>
             <a:endParaRPr lang="en-US" altLang="zh-CN" sz="2600" dirty="0" smtClean="0"/>
           </a:p>
@@ -12831,15 +12402,11 @@
             </a:pPr>
             <a:r>
               <a:rPr lang="zh-CN" altLang="en-US" sz="2400" dirty="0" smtClean="0"/>
-              <a:t>  设</a:t>
-            </a:r>
-            <a:r>
-              <a:rPr lang="zh-CN" altLang="en-US" sz="2400" dirty="0" smtClean="0"/>
-              <a:t>一个网络表示为无向连通带权图</a:t>
+              <a:t>  给定一个有向带权图</a:t>
             </a:r>
             <a:r>
               <a:rPr lang="en-US" altLang="zh-CN" sz="2400" dirty="0" smtClean="0"/>
-              <a:t>G=(V, E)</a:t>
+              <a:t>G=(V</a:t>
             </a:r>
             <a:r>
               <a:rPr lang="zh-CN" altLang="en-US" sz="2400" dirty="0" smtClean="0"/>
@@ -12847,118 +12414,273 @@
             </a:r>
             <a:r>
               <a:rPr lang="en-US" altLang="zh-CN" sz="2400" dirty="0" smtClean="0"/>
-              <a:t>E</a:t>
+              <a:t>E)</a:t>
             </a:r>
             <a:r>
               <a:rPr lang="zh-CN" altLang="en-US" sz="2400" dirty="0" smtClean="0"/>
-              <a:t>中每条边</a:t>
+              <a:t>，要求找出从某个定源顶点</a:t>
             </a:r>
             <a:r>
               <a:rPr lang="en-US" altLang="zh-CN" sz="2400" dirty="0" smtClean="0"/>
-              <a:t>(</a:t>
-            </a:r>
-            <a:r>
-              <a:rPr lang="en-US" altLang="zh-CN" sz="2400" dirty="0" err="1" smtClean="0"/>
-              <a:t>v,w</a:t>
+              <a:t>s</a:t>
+            </a:r>
+            <a:r>
+              <a:rPr lang="zh-CN" altLang="en-US" sz="2400" dirty="0" smtClean="0"/>
+              <a:t>到其他顶点</a:t>
             </a:r>
             <a:r>
               <a:rPr lang="en-US" altLang="zh-CN" sz="2400" dirty="0" smtClean="0"/>
-              <a:t>)</a:t>
+              <a:t>v</a:t>
             </a:r>
             <a:r>
               <a:rPr lang="zh-CN" altLang="en-US" sz="2400" dirty="0" smtClean="0"/>
-              <a:t>的权为</a:t>
-            </a:r>
-            <a:r>
-              <a:rPr lang="en-US" altLang="zh-CN" sz="2400" dirty="0" smtClean="0"/>
-              <a:t>c[v][w]</a:t>
-            </a:r>
-            <a:r>
-              <a:rPr lang="zh-CN" altLang="en-US" sz="2400" dirty="0" smtClean="0"/>
-              <a:t>。如果</a:t>
-            </a:r>
-            <a:r>
-              <a:rPr lang="en-US" altLang="zh-CN" sz="2400" dirty="0" smtClean="0"/>
-              <a:t>G</a:t>
-            </a:r>
-            <a:r>
-              <a:rPr lang="zh-CN" altLang="en-US" sz="2400" dirty="0" smtClean="0"/>
-              <a:t>的子图</a:t>
-            </a:r>
-            <a:r>
-              <a:rPr lang="en-US" altLang="zh-CN" sz="2400" dirty="0" smtClean="0"/>
-              <a:t>G</a:t>
-            </a:r>
-            <a:r>
-              <a:rPr lang="en-US" altLang="zh-CN" sz="2400" baseline="30000" dirty="0" smtClean="0"/>
-              <a:t>’</a:t>
-            </a:r>
-            <a:r>
-              <a:rPr lang="zh-CN" altLang="en-US" sz="2400" dirty="0" smtClean="0"/>
-              <a:t>是一棵包含</a:t>
-            </a:r>
-            <a:r>
-              <a:rPr lang="en-US" altLang="zh-CN" sz="2400" dirty="0" smtClean="0"/>
-              <a:t>G</a:t>
-            </a:r>
-            <a:r>
-              <a:rPr lang="zh-CN" altLang="en-US" sz="2400" dirty="0" smtClean="0"/>
-              <a:t>的所有顶点的树，则称</a:t>
-            </a:r>
-            <a:r>
-              <a:rPr lang="en-US" altLang="zh-CN" sz="2400" dirty="0" smtClean="0"/>
-              <a:t>G</a:t>
-            </a:r>
-            <a:r>
-              <a:rPr lang="en-US" altLang="zh-CN" sz="2400" baseline="30000" dirty="0" smtClean="0"/>
-              <a:t>’</a:t>
-            </a:r>
-            <a:r>
-              <a:rPr lang="zh-CN" altLang="en-US" sz="2400" dirty="0" smtClean="0"/>
-              <a:t>为</a:t>
-            </a:r>
-            <a:r>
-              <a:rPr lang="en-US" altLang="zh-CN" sz="2400" dirty="0" smtClean="0"/>
-              <a:t>G</a:t>
-            </a:r>
-            <a:r>
-              <a:rPr lang="zh-CN" altLang="en-US" sz="2400" dirty="0" smtClean="0"/>
-              <a:t>的生成树。生成树的代价是指生成树上各边权的总和，在</a:t>
-            </a:r>
-            <a:r>
-              <a:rPr lang="en-US" altLang="zh-CN" sz="2400" dirty="0" smtClean="0"/>
-              <a:t>G</a:t>
-            </a:r>
-            <a:r>
-              <a:rPr lang="zh-CN" altLang="en-US" sz="2400" dirty="0" smtClean="0"/>
-              <a:t>的所有生成树中，耗费最小的生成树称为</a:t>
-            </a:r>
-            <a:r>
-              <a:rPr lang="en-US" altLang="zh-CN" sz="2400" dirty="0" smtClean="0"/>
-              <a:t>G</a:t>
-            </a:r>
-            <a:r>
-              <a:rPr lang="zh-CN" altLang="en-US" sz="2400" dirty="0" smtClean="0"/>
-              <a:t>的最小生成树</a:t>
-            </a:r>
-            <a:r>
-              <a:rPr lang="zh-CN" altLang="en-US" sz="2400" dirty="0" smtClean="0"/>
-              <a:t>。</a:t>
+              <a:t>的最短路径。</a:t>
             </a:r>
             <a:endParaRPr lang="en-US" altLang="zh-CN" sz="2400" dirty="0" smtClean="0"/>
           </a:p>
           <a:p>
-            <a:pPr algn="just">
-              <a:lnSpc>
-                <a:spcPts val="100"/>
-              </a:lnSpc>
+            <a:pPr>
+              <a:buFontTx/>
               <a:buNone/>
             </a:pPr>
             <a:r>
-              <a:rPr lang="zh-CN" altLang="en-US" sz="2400" dirty="0" smtClean="0"/>
-              <a:t> </a:t>
-            </a:r>
-            <a:endParaRPr lang="en-US" altLang="zh-CN" sz="2400" dirty="0" smtClean="0"/>
+              <a:rPr lang="en-US" altLang="zh-CN" sz="2800" dirty="0" smtClean="0">
+                <a:solidFill>
+                  <a:schemeClr val="accent2"/>
+                </a:solidFill>
+                <a:latin typeface="黑体" pitchFamily="49" charset="-122"/>
+              </a:rPr>
+              <a:t>  </a:t>
+            </a:r>
+            <a:r>
+              <a:rPr lang="en-US" altLang="zh-CN" sz="2800" dirty="0" err="1" smtClean="0">
+                <a:solidFill>
+                  <a:srgbClr val="FF0000"/>
+                </a:solidFill>
+                <a:latin typeface="黑体" pitchFamily="49" charset="-122"/>
+              </a:rPr>
+              <a:t>Dijkstra</a:t>
+            </a:r>
+            <a:r>
+              <a:rPr lang="zh-CN" altLang="en-US" sz="2800" dirty="0" smtClean="0">
+                <a:solidFill>
+                  <a:srgbClr val="FF0000"/>
+                </a:solidFill>
+                <a:latin typeface="黑体" pitchFamily="49" charset="-122"/>
+              </a:rPr>
+              <a:t>算法的正确性和计算复杂性</a:t>
+            </a:r>
+          </a:p>
+          <a:p>
+            <a:pPr lvl="1">
+              <a:buFont typeface="Arial" pitchFamily="34" charset="0"/>
+              <a:buChar char="•"/>
+            </a:pPr>
+            <a:r>
+              <a:rPr lang="zh-CN" altLang="en-US" sz="2400" dirty="0" smtClean="0">
+                <a:latin typeface="黑体" pitchFamily="49" charset="-122"/>
+                <a:ea typeface="黑体" pitchFamily="49" charset="-122"/>
+              </a:rPr>
+              <a:t>贪心选择性质</a:t>
+            </a:r>
+          </a:p>
+          <a:p>
+            <a:pPr lvl="1">
+              <a:buFont typeface="Arial" pitchFamily="34" charset="0"/>
+              <a:buChar char="•"/>
+            </a:pPr>
+            <a:r>
+              <a:rPr lang="zh-CN" altLang="en-US" sz="2400" dirty="0" smtClean="0">
+                <a:latin typeface="黑体" pitchFamily="49" charset="-122"/>
+                <a:ea typeface="黑体" pitchFamily="49" charset="-122"/>
+              </a:rPr>
+              <a:t>最优子结构性质</a:t>
+            </a:r>
+          </a:p>
+          <a:p>
+            <a:pPr lvl="1">
+              <a:buFont typeface="Arial" pitchFamily="34" charset="0"/>
+              <a:buChar char="•"/>
+            </a:pPr>
+            <a:r>
+              <a:rPr lang="zh-CN" altLang="en-US" sz="2400" dirty="0" smtClean="0">
+                <a:latin typeface="黑体" pitchFamily="49" charset="-122"/>
+                <a:ea typeface="黑体" pitchFamily="49" charset="-122"/>
+              </a:rPr>
+              <a:t>计算复杂性</a:t>
+            </a:r>
+          </a:p>
+          <a:p>
+            <a:pPr>
+              <a:buFontTx/>
+              <a:buNone/>
+            </a:pPr>
+            <a:r>
+              <a:rPr lang="zh-CN" altLang="en-US" sz="2400" dirty="0" smtClean="0">
+                <a:latin typeface="楷体_GB2312" pitchFamily="49" charset="-122"/>
+                <a:ea typeface="楷体_GB2312" pitchFamily="49" charset="-122"/>
+              </a:rPr>
+              <a:t>		   </a:t>
+            </a:r>
+            <a:r>
+              <a:rPr lang="zh-CN" altLang="en-US" sz="2400" dirty="0" smtClean="0">
+                <a:latin typeface="黑体" pitchFamily="49" charset="-122"/>
+                <a:ea typeface="黑体" pitchFamily="49" charset="-122"/>
+              </a:rPr>
+              <a:t>对于具有</a:t>
+            </a:r>
+            <a:r>
+              <a:rPr lang="en-US" altLang="zh-CN" sz="2400" dirty="0" smtClean="0">
+                <a:latin typeface="黑体" pitchFamily="49" charset="-122"/>
+                <a:ea typeface="黑体" pitchFamily="49" charset="-122"/>
+              </a:rPr>
+              <a:t>n</a:t>
+            </a:r>
+            <a:r>
+              <a:rPr lang="zh-CN" altLang="en-US" sz="2400" dirty="0" smtClean="0">
+                <a:latin typeface="黑体" pitchFamily="49" charset="-122"/>
+                <a:ea typeface="黑体" pitchFamily="49" charset="-122"/>
+              </a:rPr>
+              <a:t>个顶点和</a:t>
+            </a:r>
+            <a:r>
+              <a:rPr lang="en-US" altLang="zh-CN" sz="2400" dirty="0" smtClean="0">
+                <a:latin typeface="黑体" pitchFamily="49" charset="-122"/>
+                <a:ea typeface="黑体" pitchFamily="49" charset="-122"/>
+              </a:rPr>
+              <a:t>e</a:t>
+            </a:r>
+            <a:r>
+              <a:rPr lang="zh-CN" altLang="en-US" sz="2400" dirty="0" smtClean="0">
+                <a:latin typeface="黑体" pitchFamily="49" charset="-122"/>
+                <a:ea typeface="黑体" pitchFamily="49" charset="-122"/>
+              </a:rPr>
+              <a:t>条边的带权有向图，如果用带</a:t>
+            </a:r>
+            <a:endParaRPr lang="en-US" altLang="zh-CN" sz="2400" dirty="0" smtClean="0">
+              <a:latin typeface="黑体" pitchFamily="49" charset="-122"/>
+              <a:ea typeface="黑体" pitchFamily="49" charset="-122"/>
+            </a:endParaRPr>
+          </a:p>
+          <a:p>
+            <a:pPr>
+              <a:buFontTx/>
+              <a:buNone/>
+            </a:pPr>
+            <a:r>
+              <a:rPr lang="en-US" altLang="zh-CN" sz="2400" dirty="0" smtClean="0">
+                <a:latin typeface="黑体" pitchFamily="49" charset="-122"/>
+                <a:ea typeface="黑体" pitchFamily="49" charset="-122"/>
+              </a:rPr>
+              <a:t>         </a:t>
+            </a:r>
+            <a:r>
+              <a:rPr lang="zh-CN" altLang="en-US" sz="2400" dirty="0" smtClean="0">
+                <a:latin typeface="黑体" pitchFamily="49" charset="-122"/>
+                <a:ea typeface="黑体" pitchFamily="49" charset="-122"/>
+              </a:rPr>
+              <a:t>权邻接矩阵表示这个图，那么</a:t>
+            </a:r>
+            <a:r>
+              <a:rPr lang="en-US" altLang="zh-CN" sz="2400" dirty="0" err="1" smtClean="0">
+                <a:latin typeface="黑体" pitchFamily="49" charset="-122"/>
+                <a:ea typeface="黑体" pitchFamily="49" charset="-122"/>
+              </a:rPr>
+              <a:t>Dijkstra</a:t>
+            </a:r>
+            <a:r>
+              <a:rPr lang="zh-CN" altLang="en-US" sz="2400" dirty="0" smtClean="0">
+                <a:latin typeface="黑体" pitchFamily="49" charset="-122"/>
+                <a:ea typeface="黑体" pitchFamily="49" charset="-122"/>
+              </a:rPr>
+              <a:t>算法的主循</a:t>
+            </a:r>
+            <a:endParaRPr lang="en-US" altLang="zh-CN" sz="2400" dirty="0" smtClean="0">
+              <a:latin typeface="黑体" pitchFamily="49" charset="-122"/>
+              <a:ea typeface="黑体" pitchFamily="49" charset="-122"/>
+            </a:endParaRPr>
+          </a:p>
+          <a:p>
+            <a:pPr>
+              <a:buFontTx/>
+              <a:buNone/>
+            </a:pPr>
+            <a:r>
+              <a:rPr lang="en-US" altLang="zh-CN" sz="2400" dirty="0" smtClean="0">
+                <a:latin typeface="黑体" pitchFamily="49" charset="-122"/>
+                <a:ea typeface="黑体" pitchFamily="49" charset="-122"/>
+              </a:rPr>
+              <a:t>         </a:t>
+            </a:r>
+            <a:r>
+              <a:rPr lang="zh-CN" altLang="en-US" sz="2400" dirty="0" smtClean="0">
+                <a:latin typeface="黑体" pitchFamily="49" charset="-122"/>
+                <a:ea typeface="黑体" pitchFamily="49" charset="-122"/>
+              </a:rPr>
+              <a:t>环体需要     时间。这个循环需要执行</a:t>
+            </a:r>
+            <a:r>
+              <a:rPr lang="en-US" altLang="zh-CN" sz="2400" dirty="0" smtClean="0">
+                <a:latin typeface="黑体" pitchFamily="49" charset="-122"/>
+                <a:ea typeface="黑体" pitchFamily="49" charset="-122"/>
+              </a:rPr>
+              <a:t>n-1</a:t>
+            </a:r>
+            <a:r>
+              <a:rPr lang="zh-CN" altLang="en-US" sz="2400" dirty="0" smtClean="0">
+                <a:latin typeface="黑体" pitchFamily="49" charset="-122"/>
+                <a:ea typeface="黑体" pitchFamily="49" charset="-122"/>
+              </a:rPr>
+              <a:t>次，所</a:t>
+            </a:r>
+            <a:endParaRPr lang="en-US" altLang="zh-CN" sz="2400" dirty="0" smtClean="0">
+              <a:latin typeface="黑体" pitchFamily="49" charset="-122"/>
+              <a:ea typeface="黑体" pitchFamily="49" charset="-122"/>
+            </a:endParaRPr>
+          </a:p>
+          <a:p>
+            <a:pPr>
+              <a:buFontTx/>
+              <a:buNone/>
+            </a:pPr>
+            <a:r>
+              <a:rPr lang="en-US" altLang="zh-CN" sz="2400" dirty="0" smtClean="0">
+                <a:latin typeface="黑体" pitchFamily="49" charset="-122"/>
+                <a:ea typeface="黑体" pitchFamily="49" charset="-122"/>
+              </a:rPr>
+              <a:t>         </a:t>
+            </a:r>
+            <a:r>
+              <a:rPr lang="zh-CN" altLang="en-US" sz="2400" dirty="0" smtClean="0">
+                <a:latin typeface="黑体" pitchFamily="49" charset="-122"/>
+                <a:ea typeface="黑体" pitchFamily="49" charset="-122"/>
+              </a:rPr>
+              <a:t>以完成循环需要      时间。算法的其余部分所需</a:t>
+            </a:r>
+            <a:endParaRPr lang="en-US" altLang="zh-CN" sz="2400" dirty="0" smtClean="0">
+              <a:latin typeface="黑体" pitchFamily="49" charset="-122"/>
+              <a:ea typeface="黑体" pitchFamily="49" charset="-122"/>
+            </a:endParaRPr>
+          </a:p>
+          <a:p>
+            <a:pPr>
+              <a:buFontTx/>
+              <a:buNone/>
+            </a:pPr>
+            <a:r>
+              <a:rPr lang="en-US" altLang="zh-CN" sz="2400" dirty="0" smtClean="0">
+                <a:latin typeface="黑体" pitchFamily="49" charset="-122"/>
+                <a:ea typeface="黑体" pitchFamily="49" charset="-122"/>
+              </a:rPr>
+              <a:t>         </a:t>
+            </a:r>
+            <a:r>
+              <a:rPr lang="zh-CN" altLang="en-US" sz="2400" dirty="0" smtClean="0">
+                <a:latin typeface="黑体" pitchFamily="49" charset="-122"/>
+                <a:ea typeface="黑体" pitchFamily="49" charset="-122"/>
+              </a:rPr>
+              <a:t>要时间不超过     。</a:t>
+            </a:r>
           </a:p>
           <a:p>
             <a:pPr algn="just">
@@ -13016,6 +12738,216 @@
           </a:p>
         </p:txBody>
       </p:sp>
+      <p:graphicFrame>
+        <p:nvGraphicFramePr>
+          <p:cNvPr id="28674" name="Object 2"/>
+          <p:cNvGraphicFramePr>
+            <a:graphicFrameLocks noChangeAspect="1"/>
+          </p:cNvGraphicFramePr>
+          <p:nvPr/>
+        </p:nvGraphicFramePr>
+        <p:xfrm>
+          <a:off x="3143240" y="5043583"/>
+          <a:ext cx="660389" cy="385681"/>
+        </p:xfrm>
+        <a:graphic>
+          <a:graphicData uri="http://schemas.openxmlformats.org/presentationml/2006/ole">
+            <mc:AlternateContent xmlns:mc="http://schemas.openxmlformats.org/markup-compatibility/2006">
+              <mc:Choice xmlns:v="urn:schemas-microsoft-com:vml" Requires="v">
+                <p:oleObj spid="_x0000_s29704" name="Equation" r:id="rId3" imgW="343068" imgH="203429" progId="Equation.DSMT4">
+                  <p:embed/>
+                </p:oleObj>
+              </mc:Choice>
+              <mc:Fallback>
+                <p:oleObj name="Equation" r:id="rId3" imgW="343068" imgH="203429" progId="Equation.DSMT4">
+                  <p:embed/>
+                  <p:pic>
+                    <p:nvPicPr>
+                      <p:cNvPr id="0" name="Object 2"/>
+                      <p:cNvPicPr>
+                        <a:picLocks noChangeAspect="1" noChangeArrowheads="1"/>
+                      </p:cNvPicPr>
+                      <p:nvPr/>
+                    </p:nvPicPr>
+                    <p:blipFill>
+                      <a:blip r:embed="rId4">
+                        <a:extLst>
+                          <a:ext uri="{28A0092B-C50C-407E-A947-70E740481C1C}">
+                            <a14:useLocalDpi xmlns:a14="http://schemas.microsoft.com/office/drawing/2010/main" val="0"/>
+                          </a:ext>
+                        </a:extLst>
+                      </a:blip>
+                      <a:srcRect/>
+                      <a:stretch>
+                        <a:fillRect/>
+                      </a:stretch>
+                    </p:blipFill>
+                    <p:spPr bwMode="auto">
+                      <a:xfrm>
+                        <a:off x="3143240" y="5043583"/>
+                        <a:ext cx="660389" cy="385681"/>
+                      </a:xfrm>
+                      <a:prstGeom prst="rect">
+                        <a:avLst/>
+                      </a:prstGeom>
+                      <a:noFill/>
+                      <a:extLst>
+                        <a:ext uri="{909E8E84-426E-40DD-AFC4-6F175D3DCCD1}">
+                          <a14:hiddenFill xmlns:a14="http://schemas.microsoft.com/office/drawing/2010/main">
+                            <a:solidFill>
+                              <a:srgbClr val="FFFFFF"/>
+                            </a:solidFill>
+                          </a14:hiddenFill>
+                        </a:ext>
+                      </a:extLst>
+                    </p:spPr>
+                  </p:pic>
+                </p:oleObj>
+              </mc:Fallback>
+            </mc:AlternateContent>
+          </a:graphicData>
+        </a:graphic>
+      </p:graphicFrame>
+      <p:graphicFrame>
+        <p:nvGraphicFramePr>
+          <p:cNvPr id="28675" name="Object 3"/>
+          <p:cNvGraphicFramePr>
+            <a:graphicFrameLocks noChangeAspect="1"/>
+          </p:cNvGraphicFramePr>
+          <p:nvPr/>
+        </p:nvGraphicFramePr>
+        <p:xfrm>
+          <a:off x="4057660" y="5421639"/>
+          <a:ext cx="800092" cy="436253"/>
+        </p:xfrm>
+        <a:graphic>
+          <a:graphicData uri="http://schemas.openxmlformats.org/presentationml/2006/ole">
+            <mc:AlternateContent xmlns:mc="http://schemas.openxmlformats.org/markup-compatibility/2006">
+              <mc:Choice xmlns:v="urn:schemas-microsoft-com:vml" Requires="v">
+                <p:oleObj spid="_x0000_s29705" r:id="rId5" imgW="419417" imgH="228917" progId="Equation.3">
+                  <p:embed/>
+                </p:oleObj>
+              </mc:Choice>
+              <mc:Fallback>
+                <p:oleObj r:id="rId5" imgW="419417" imgH="228917" progId="Equation.3">
+                  <p:embed/>
+                  <p:pic>
+                    <p:nvPicPr>
+                      <p:cNvPr id="0" name="Object 3"/>
+                      <p:cNvPicPr>
+                        <a:picLocks noChangeAspect="1" noChangeArrowheads="1"/>
+                      </p:cNvPicPr>
+                      <p:nvPr/>
+                    </p:nvPicPr>
+                    <p:blipFill>
+                      <a:blip r:embed="rId6">
+                        <a:extLst>
+                          <a:ext uri="{28A0092B-C50C-407E-A947-70E740481C1C}">
+                            <a14:useLocalDpi xmlns:a14="http://schemas.microsoft.com/office/drawing/2010/main" val="0"/>
+                          </a:ext>
+                        </a:extLst>
+                      </a:blip>
+                      <a:srcRect/>
+                      <a:stretch>
+                        <a:fillRect/>
+                      </a:stretch>
+                    </p:blipFill>
+                    <p:spPr bwMode="auto">
+                      <a:xfrm>
+                        <a:off x="4057660" y="5421639"/>
+                        <a:ext cx="800092" cy="436253"/>
+                      </a:xfrm>
+                      <a:prstGeom prst="rect">
+                        <a:avLst/>
+                      </a:prstGeom>
+                      <a:noFill/>
+                      <a:extLst>
+                        <a:ext uri="{909E8E84-426E-40DD-AFC4-6F175D3DCCD1}">
+                          <a14:hiddenFill xmlns:a14="http://schemas.microsoft.com/office/drawing/2010/main">
+                            <a:solidFill>
+                              <a:srgbClr val="FFFFFF"/>
+                            </a:solidFill>
+                          </a14:hiddenFill>
+                        </a:ext>
+                      </a:extLst>
+                    </p:spPr>
+                  </p:pic>
+                </p:oleObj>
+              </mc:Fallback>
+            </mc:AlternateContent>
+          </a:graphicData>
+        </a:graphic>
+      </p:graphicFrame>
+      <p:graphicFrame>
+        <p:nvGraphicFramePr>
+          <p:cNvPr id="28676" name="Object 4"/>
+          <p:cNvGraphicFramePr>
+            <a:graphicFrameLocks noChangeAspect="1"/>
+          </p:cNvGraphicFramePr>
+          <p:nvPr/>
+        </p:nvGraphicFramePr>
+        <p:xfrm>
+          <a:off x="3714744" y="5849958"/>
+          <a:ext cx="800100" cy="436562"/>
+        </p:xfrm>
+        <a:graphic>
+          <a:graphicData uri="http://schemas.openxmlformats.org/presentationml/2006/ole">
+            <mc:AlternateContent xmlns:mc="http://schemas.openxmlformats.org/markup-compatibility/2006">
+              <mc:Choice xmlns:v="urn:schemas-microsoft-com:vml" Requires="v">
+                <p:oleObj spid="_x0000_s29706" r:id="rId7" imgW="419417" imgH="228917" progId="Equation.3">
+                  <p:embed/>
+                </p:oleObj>
+              </mc:Choice>
+              <mc:Fallback>
+                <p:oleObj r:id="rId7" imgW="419417" imgH="228917" progId="Equation.3">
+                  <p:embed/>
+                  <p:pic>
+                    <p:nvPicPr>
+                      <p:cNvPr id="0" name="Object 4"/>
+                      <p:cNvPicPr>
+                        <a:picLocks noChangeAspect="1" noChangeArrowheads="1"/>
+                      </p:cNvPicPr>
+                      <p:nvPr/>
+                    </p:nvPicPr>
+                    <p:blipFill>
+                      <a:blip r:embed="rId6">
+                        <a:extLst>
+                          <a:ext uri="{28A0092B-C50C-407E-A947-70E740481C1C}">
+                            <a14:useLocalDpi xmlns:a14="http://schemas.microsoft.com/office/drawing/2010/main" val="0"/>
+                          </a:ext>
+                        </a:extLst>
+                      </a:blip>
+                      <a:srcRect/>
+                      <a:stretch>
+                        <a:fillRect/>
+                      </a:stretch>
+                    </p:blipFill>
+                    <p:spPr bwMode="auto">
+                      <a:xfrm>
+                        <a:off x="3714744" y="5849958"/>
+                        <a:ext cx="800100" cy="436562"/>
+                      </a:xfrm>
+                      <a:prstGeom prst="rect">
+                        <a:avLst/>
+                      </a:prstGeom>
+                      <a:noFill/>
+                      <a:extLst>
+                        <a:ext uri="{909E8E84-426E-40DD-AFC4-6F175D3DCCD1}">
+                          <a14:hiddenFill xmlns:a14="http://schemas.microsoft.com/office/drawing/2010/main">
+                            <a:solidFill>
+                              <a:srgbClr val="FFFFFF"/>
+                            </a:solidFill>
+                          </a14:hiddenFill>
+                        </a:ext>
+                      </a:extLst>
+                    </p:spPr>
+                  </p:pic>
+                </p:oleObj>
+              </mc:Fallback>
+            </mc:AlternateContent>
+          </a:graphicData>
+        </a:graphic>
+      </p:graphicFrame>
     </p:spTree>
   </p:cSld>
   <p:clrMapOvr>
@@ -13095,11 +13027,7 @@
             <a:pPr algn="just"/>
             <a:r>
               <a:rPr lang="zh-CN" altLang="en-US" sz="2600" dirty="0" smtClean="0"/>
-              <a:t>最小生成树</a:t>
-            </a:r>
-            <a:r>
-              <a:rPr lang="zh-CN" altLang="en-US" sz="2600" dirty="0" smtClean="0"/>
-              <a:t>问题</a:t>
+              <a:t>最小生成树问题</a:t>
             </a:r>
             <a:endParaRPr lang="en-US" altLang="zh-CN" sz="2600" dirty="0" smtClean="0"/>
           </a:p>
@@ -13109,11 +13037,7 @@
             </a:pPr>
             <a:r>
               <a:rPr lang="zh-CN" altLang="en-US" sz="2400" dirty="0" smtClean="0"/>
-              <a:t>  设</a:t>
-            </a:r>
-            <a:r>
-              <a:rPr lang="zh-CN" altLang="en-US" sz="2400" dirty="0" smtClean="0"/>
-              <a:t>一个网络表示为无向连通带权图</a:t>
+              <a:t>  设一个网络表示为无向连通带权图</a:t>
             </a:r>
             <a:r>
               <a:rPr lang="en-US" altLang="zh-CN" sz="2400" dirty="0" smtClean="0"/>
@@ -13217,11 +13141,7 @@
             </a:r>
             <a:r>
               <a:rPr lang="zh-CN" altLang="en-US" sz="2400" dirty="0" smtClean="0"/>
-              <a:t>的最小生成树</a:t>
-            </a:r>
-            <a:r>
-              <a:rPr lang="zh-CN" altLang="en-US" sz="2400" dirty="0" smtClean="0"/>
-              <a:t>。</a:t>
+              <a:t>的最小生成树。</a:t>
             </a:r>
             <a:endParaRPr lang="en-US" altLang="zh-CN" sz="2400" dirty="0" smtClean="0"/>
           </a:p>
@@ -13242,108 +13162,6 @@
             <a:pPr algn="just">
               <a:buNone/>
             </a:pPr>
-            <a:r>
-              <a:rPr lang="en-US" altLang="zh-CN" sz="2400" dirty="0" smtClean="0"/>
-              <a:t>  </a:t>
-            </a:r>
-            <a:r>
-              <a:rPr lang="zh-CN" altLang="en-US" sz="2400" dirty="0" smtClean="0">
-                <a:solidFill>
-                  <a:srgbClr val="FF0000"/>
-                </a:solidFill>
-              </a:rPr>
-              <a:t>解题思路</a:t>
-            </a:r>
-            <a:r>
-              <a:rPr lang="zh-CN" altLang="en-US" sz="2400" dirty="0" smtClean="0"/>
-              <a:t>：</a:t>
-            </a:r>
-            <a:r>
-              <a:rPr lang="zh-CN" altLang="en-US" sz="2400" dirty="0" smtClean="0">
-                <a:latin typeface="黑体" pitchFamily="49" charset="-122"/>
-                <a:ea typeface="黑体" pitchFamily="49" charset="-122"/>
-              </a:rPr>
-              <a:t>用贪心算法设计</a:t>
-            </a:r>
-            <a:r>
-              <a:rPr lang="zh-CN" altLang="en-US" sz="2400" dirty="0" smtClean="0">
-                <a:latin typeface="黑体" pitchFamily="49" charset="-122"/>
-                <a:ea typeface="黑体" pitchFamily="49" charset="-122"/>
-              </a:rPr>
-              <a:t>策略构造出生成最小生成树</a:t>
-            </a:r>
-            <a:r>
-              <a:rPr lang="zh-CN" altLang="en-US" sz="2400" dirty="0" smtClean="0">
-                <a:latin typeface="黑体" pitchFamily="49" charset="-122"/>
-                <a:ea typeface="黑体" pitchFamily="49" charset="-122"/>
-              </a:rPr>
-              <a:t>的有效</a:t>
-            </a:r>
-            <a:r>
-              <a:rPr lang="zh-CN" altLang="en-US" sz="2400" dirty="0" smtClean="0">
-                <a:latin typeface="黑体" pitchFamily="49" charset="-122"/>
-                <a:ea typeface="黑体" pitchFamily="49" charset="-122"/>
-              </a:rPr>
-              <a:t>算法</a:t>
-            </a:r>
-            <a:r>
-              <a:rPr lang="en-US" altLang="zh-CN" sz="2400" dirty="0" smtClean="0">
-                <a:latin typeface="黑体" pitchFamily="49" charset="-122"/>
-                <a:ea typeface="黑体" pitchFamily="49" charset="-122"/>
-              </a:rPr>
-              <a:t>(Prim</a:t>
-            </a:r>
-            <a:r>
-              <a:rPr lang="zh-CN" altLang="en-US" sz="2400" dirty="0" smtClean="0">
-                <a:latin typeface="黑体" pitchFamily="49" charset="-122"/>
-                <a:ea typeface="黑体" pitchFamily="49" charset="-122"/>
-              </a:rPr>
-              <a:t>算法、</a:t>
-            </a:r>
-            <a:r>
-              <a:rPr lang="en-US" altLang="zh-CN" sz="2400" dirty="0" err="1" smtClean="0">
-                <a:latin typeface="黑体" pitchFamily="49" charset="-122"/>
-                <a:ea typeface="黑体" pitchFamily="49" charset="-122"/>
-              </a:rPr>
-              <a:t>Kruskal</a:t>
-            </a:r>
-            <a:r>
-              <a:rPr lang="zh-CN" altLang="en-US" sz="2400" dirty="0" smtClean="0">
-                <a:latin typeface="黑体" pitchFamily="49" charset="-122"/>
-                <a:ea typeface="黑体" pitchFamily="49" charset="-122"/>
-              </a:rPr>
-              <a:t>算法</a:t>
-            </a:r>
-            <a:r>
-              <a:rPr lang="en-US" altLang="zh-CN" sz="2400" dirty="0" smtClean="0">
-                <a:latin typeface="黑体" pitchFamily="49" charset="-122"/>
-                <a:ea typeface="黑体" pitchFamily="49" charset="-122"/>
-              </a:rPr>
-              <a:t>)</a:t>
-            </a:r>
-            <a:r>
-              <a:rPr lang="zh-CN" altLang="en-US" sz="2400" dirty="0" smtClean="0">
-                <a:latin typeface="黑体" pitchFamily="49" charset="-122"/>
-                <a:ea typeface="黑体" pitchFamily="49" charset="-122"/>
-              </a:rPr>
-              <a:t>。</a:t>
-            </a:r>
-            <a:endParaRPr lang="en-US" altLang="zh-CN" sz="2400" dirty="0" smtClean="0">
-              <a:latin typeface="黑体" pitchFamily="49" charset="-122"/>
-              <a:ea typeface="黑体" pitchFamily="49" charset="-122"/>
-            </a:endParaRPr>
-          </a:p>
-          <a:p>
-            <a:pPr algn="just">
-              <a:buNone/>
-            </a:pPr>
-            <a:r>
-              <a:rPr lang="en-US" altLang="zh-CN" sz="2400" dirty="0" smtClean="0">
-                <a:latin typeface="黑体" pitchFamily="49" charset="-122"/>
-                <a:ea typeface="黑体" pitchFamily="49" charset="-122"/>
-              </a:rPr>
-              <a:t>  </a:t>
-            </a:r>
             <a:endParaRPr lang="zh-CN" altLang="en-US" sz="2400" dirty="0" smtClean="0"/>
           </a:p>
           <a:p>
@@ -13570,11 +13388,7 @@
             <a:pPr algn="just"/>
             <a:r>
               <a:rPr lang="zh-CN" altLang="en-US" sz="2600" dirty="0" smtClean="0"/>
-              <a:t>最小生成树</a:t>
-            </a:r>
-            <a:r>
-              <a:rPr lang="zh-CN" altLang="en-US" sz="2600" dirty="0" smtClean="0"/>
-              <a:t>问题</a:t>
+              <a:t>最小生成树问题</a:t>
             </a:r>
             <a:endParaRPr lang="en-US" altLang="zh-CN" sz="2600" dirty="0" smtClean="0"/>
           </a:p>
@@ -13584,11 +13398,7 @@
             </a:pPr>
             <a:r>
               <a:rPr lang="zh-CN" altLang="en-US" sz="2400" dirty="0" smtClean="0"/>
-              <a:t>  设</a:t>
-            </a:r>
-            <a:r>
-              <a:rPr lang="zh-CN" altLang="en-US" sz="2400" dirty="0" smtClean="0"/>
-              <a:t>一个网络表示为无向连通带权图</a:t>
+              <a:t>  设一个网络表示为无向连通带权图</a:t>
             </a:r>
             <a:r>
               <a:rPr lang="en-US" altLang="zh-CN" sz="2400" dirty="0" smtClean="0"/>
@@ -13692,11 +13502,7 @@
             </a:r>
             <a:r>
               <a:rPr lang="zh-CN" altLang="en-US" sz="2400" dirty="0" smtClean="0"/>
-              <a:t>的最小生成树</a:t>
-            </a:r>
-            <a:r>
-              <a:rPr lang="zh-CN" altLang="en-US" sz="2400" dirty="0" smtClean="0"/>
-              <a:t>。</a:t>
+              <a:t>的最小生成树。</a:t>
             </a:r>
             <a:endParaRPr lang="en-US" altLang="zh-CN" sz="2400" dirty="0" smtClean="0"/>
           </a:p>
@@ -13718,268 +13524,71 @@
               <a:buNone/>
             </a:pPr>
             <a:r>
+              <a:rPr lang="en-US" altLang="zh-CN" sz="2400" dirty="0" smtClean="0"/>
+              <a:t>  </a:t>
+            </a:r>
+            <a:r>
+              <a:rPr lang="zh-CN" altLang="en-US" sz="2400" dirty="0" smtClean="0">
+                <a:solidFill>
+                  <a:srgbClr val="FF0000"/>
+                </a:solidFill>
+              </a:rPr>
+              <a:t>解题思路</a:t>
+            </a:r>
+            <a:r>
+              <a:rPr lang="zh-CN" altLang="en-US" sz="2400" dirty="0" smtClean="0"/>
+              <a:t>：</a:t>
+            </a:r>
+            <a:r>
+              <a:rPr lang="zh-CN" altLang="en-US" sz="2400" dirty="0" smtClean="0">
+                <a:latin typeface="黑体" pitchFamily="49" charset="-122"/>
+                <a:ea typeface="黑体" pitchFamily="49" charset="-122"/>
+              </a:rPr>
+              <a:t>用贪心算法设计策略构造出生成最小生成树的有效算法</a:t>
+            </a:r>
+            <a:r>
               <a:rPr lang="en-US" altLang="zh-CN" sz="2400" dirty="0" smtClean="0">
                 <a:latin typeface="黑体" pitchFamily="49" charset="-122"/>
                 <a:ea typeface="黑体" pitchFamily="49" charset="-122"/>
               </a:rPr>
-              <a:t>  (1)</a:t>
-            </a:r>
-            <a:r>
-              <a:rPr lang="zh-CN" altLang="en-US" sz="2200" dirty="0" smtClean="0">
-                <a:latin typeface="黑体" pitchFamily="49" charset="-122"/>
-                <a:ea typeface="黑体" pitchFamily="49" charset="-122"/>
-              </a:rPr>
-              <a:t>算法设计原理：</a:t>
-            </a:r>
-            <a:r>
-              <a:rPr lang="zh-CN" altLang="en-US" sz="2200" dirty="0" smtClean="0">
-                <a:latin typeface="黑体" pitchFamily="49" charset="-122"/>
-                <a:ea typeface="黑体" pitchFamily="49" charset="-122"/>
-              </a:rPr>
-              <a:t>设</a:t>
-            </a:r>
-            <a:r>
-              <a:rPr lang="en-US" altLang="zh-CN" sz="2200" dirty="0" smtClean="0">
-                <a:latin typeface="黑体" pitchFamily="49" charset="-122"/>
-                <a:ea typeface="黑体" pitchFamily="49" charset="-122"/>
-              </a:rPr>
-              <a:t>G=(V,E)</a:t>
-            </a:r>
-            <a:r>
-              <a:rPr lang="zh-CN" altLang="en-US" sz="2200" dirty="0" smtClean="0">
-                <a:latin typeface="黑体" pitchFamily="49" charset="-122"/>
-                <a:ea typeface="黑体" pitchFamily="49" charset="-122"/>
-              </a:rPr>
-              <a:t>是连通带权图，</a:t>
-            </a:r>
-            <a:r>
-              <a:rPr lang="en-US" altLang="zh-CN" sz="2200" dirty="0" smtClean="0">
-                <a:latin typeface="黑体" pitchFamily="49" charset="-122"/>
-                <a:ea typeface="黑体" pitchFamily="49" charset="-122"/>
-              </a:rPr>
-              <a:t>U</a:t>
-            </a:r>
-            <a:r>
-              <a:rPr lang="zh-CN" altLang="en-US" sz="2200" dirty="0" smtClean="0">
-                <a:latin typeface="黑体" pitchFamily="49" charset="-122"/>
-                <a:ea typeface="黑体" pitchFamily="49" charset="-122"/>
-              </a:rPr>
-              <a:t>是</a:t>
-            </a:r>
-            <a:r>
-              <a:rPr lang="en-US" altLang="zh-CN" sz="2200" dirty="0" smtClean="0">
-                <a:latin typeface="黑体" pitchFamily="49" charset="-122"/>
-                <a:ea typeface="黑体" pitchFamily="49" charset="-122"/>
-              </a:rPr>
-              <a:t>V</a:t>
-            </a:r>
-            <a:r>
-              <a:rPr lang="zh-CN" altLang="en-US" sz="2200" dirty="0" smtClean="0">
-                <a:latin typeface="黑体" pitchFamily="49" charset="-122"/>
-                <a:ea typeface="黑体" pitchFamily="49" charset="-122"/>
-              </a:rPr>
-              <a:t>的真子集。如果</a:t>
-            </a:r>
-            <a:r>
-              <a:rPr lang="en-US" altLang="zh-CN" sz="2200" dirty="0" smtClean="0">
-                <a:latin typeface="黑体" pitchFamily="49" charset="-122"/>
-                <a:ea typeface="黑体" pitchFamily="49" charset="-122"/>
-              </a:rPr>
-              <a:t>(</a:t>
-            </a:r>
-            <a:r>
-              <a:rPr lang="en-US" altLang="zh-CN" sz="2200" dirty="0" err="1" smtClean="0">
-                <a:latin typeface="黑体" pitchFamily="49" charset="-122"/>
-                <a:ea typeface="黑体" pitchFamily="49" charset="-122"/>
-              </a:rPr>
-              <a:t>u,v</a:t>
-            </a:r>
-            <a:r>
-              <a:rPr lang="en-US" altLang="zh-CN" sz="2200" dirty="0" smtClean="0">
+              <a:t>(Prim</a:t>
+            </a:r>
+            <a:r>
+              <a:rPr lang="zh-CN" altLang="en-US" sz="2400" dirty="0" smtClean="0">
+                <a:latin typeface="黑体" pitchFamily="49" charset="-122"/>
+                <a:ea typeface="黑体" pitchFamily="49" charset="-122"/>
+              </a:rPr>
+              <a:t>算法、</a:t>
+            </a:r>
+            <a:r>
+              <a:rPr lang="en-US" altLang="zh-CN" sz="2400" dirty="0" err="1" smtClean="0">
+                <a:latin typeface="黑体" pitchFamily="49" charset="-122"/>
+                <a:ea typeface="黑体" pitchFamily="49" charset="-122"/>
+              </a:rPr>
+              <a:t>Kruskal</a:t>
+            </a:r>
+            <a:r>
+              <a:rPr lang="zh-CN" altLang="en-US" sz="2400" dirty="0" smtClean="0">
+                <a:latin typeface="黑体" pitchFamily="49" charset="-122"/>
+                <a:ea typeface="黑体" pitchFamily="49" charset="-122"/>
+              </a:rPr>
+              <a:t>算法</a:t>
+            </a:r>
+            <a:r>
+              <a:rPr lang="en-US" altLang="zh-CN" sz="2400" dirty="0" smtClean="0">
                 <a:latin typeface="黑体" pitchFamily="49" charset="-122"/>
                 <a:ea typeface="黑体" pitchFamily="49" charset="-122"/>
               </a:rPr>
               <a:t>)</a:t>
             </a:r>
             <a:r>
-              <a:rPr lang="en-US" altLang="zh-CN" sz="2200" dirty="0" smtClean="0">
-                <a:latin typeface="黑体" pitchFamily="49" charset="-122"/>
-                <a:ea typeface="黑体" pitchFamily="49" charset="-122"/>
-                <a:sym typeface="Symbol" pitchFamily="18" charset="2"/>
-              </a:rPr>
-              <a:t></a:t>
-            </a:r>
-            <a:r>
-              <a:rPr lang="en-US" altLang="zh-CN" sz="2200" dirty="0" smtClean="0">
-                <a:latin typeface="黑体" pitchFamily="49" charset="-122"/>
-                <a:ea typeface="黑体" pitchFamily="49" charset="-122"/>
-              </a:rPr>
-              <a:t>E</a:t>
-            </a:r>
-            <a:r>
-              <a:rPr lang="zh-CN" altLang="en-US" sz="2200" dirty="0" smtClean="0">
-                <a:latin typeface="黑体" pitchFamily="49" charset="-122"/>
-                <a:ea typeface="黑体" pitchFamily="49" charset="-122"/>
-              </a:rPr>
-              <a:t>，且</a:t>
-            </a:r>
-            <a:r>
-              <a:rPr lang="en-US" altLang="zh-CN" sz="2200" dirty="0" err="1" smtClean="0">
-                <a:latin typeface="黑体" pitchFamily="49" charset="-122"/>
-                <a:ea typeface="黑体" pitchFamily="49" charset="-122"/>
-              </a:rPr>
-              <a:t>u</a:t>
-            </a:r>
-            <a:r>
-              <a:rPr lang="en-US" altLang="zh-CN" sz="2200" dirty="0" err="1" smtClean="0">
-                <a:latin typeface="黑体" pitchFamily="49" charset="-122"/>
-                <a:ea typeface="黑体" pitchFamily="49" charset="-122"/>
-                <a:sym typeface="Symbol" pitchFamily="18" charset="2"/>
-              </a:rPr>
-              <a:t></a:t>
-            </a:r>
-            <a:r>
-              <a:rPr lang="en-US" altLang="zh-CN" sz="2200" dirty="0" err="1" smtClean="0">
-                <a:latin typeface="黑体" pitchFamily="49" charset="-122"/>
-                <a:ea typeface="黑体" pitchFamily="49" charset="-122"/>
-              </a:rPr>
-              <a:t>U</a:t>
-            </a:r>
-            <a:r>
-              <a:rPr lang="zh-CN" altLang="en-US" sz="2200" dirty="0" smtClean="0">
-                <a:latin typeface="黑体" pitchFamily="49" charset="-122"/>
-                <a:ea typeface="黑体" pitchFamily="49" charset="-122"/>
-              </a:rPr>
-              <a:t>，</a:t>
-            </a:r>
-            <a:r>
-              <a:rPr lang="en-US" altLang="zh-CN" sz="2200" dirty="0" err="1" smtClean="0">
-                <a:latin typeface="黑体" pitchFamily="49" charset="-122"/>
-                <a:ea typeface="黑体" pitchFamily="49" charset="-122"/>
-              </a:rPr>
-              <a:t>v</a:t>
-            </a:r>
-            <a:r>
-              <a:rPr lang="en-US" altLang="zh-CN" sz="2200" dirty="0" err="1" smtClean="0">
-                <a:latin typeface="黑体" pitchFamily="49" charset="-122"/>
-                <a:ea typeface="黑体" pitchFamily="49" charset="-122"/>
-                <a:sym typeface="Symbol" pitchFamily="18" charset="2"/>
-              </a:rPr>
-              <a:t></a:t>
-            </a:r>
-            <a:r>
-              <a:rPr lang="en-US" altLang="zh-CN" sz="2200" dirty="0" err="1" smtClean="0">
-                <a:latin typeface="黑体" pitchFamily="49" charset="-122"/>
-                <a:ea typeface="黑体" pitchFamily="49" charset="-122"/>
-              </a:rPr>
-              <a:t>V</a:t>
-            </a:r>
-            <a:r>
-              <a:rPr lang="en-US" altLang="zh-CN" sz="2200" dirty="0" smtClean="0">
-                <a:latin typeface="黑体" pitchFamily="49" charset="-122"/>
-                <a:ea typeface="黑体" pitchFamily="49" charset="-122"/>
-              </a:rPr>
-              <a:t>-U</a:t>
-            </a:r>
-            <a:r>
-              <a:rPr lang="zh-CN" altLang="en-US" sz="2200" dirty="0" smtClean="0">
-                <a:latin typeface="黑体" pitchFamily="49" charset="-122"/>
-                <a:ea typeface="黑体" pitchFamily="49" charset="-122"/>
-              </a:rPr>
-              <a:t>，且在所有这样的边中，</a:t>
-            </a:r>
-            <a:r>
-              <a:rPr lang="en-US" altLang="zh-CN" sz="2200" dirty="0" smtClean="0">
-                <a:latin typeface="黑体" pitchFamily="49" charset="-122"/>
-                <a:ea typeface="黑体" pitchFamily="49" charset="-122"/>
-              </a:rPr>
-              <a:t>(</a:t>
-            </a:r>
-            <a:r>
-              <a:rPr lang="en-US" altLang="zh-CN" sz="2200" dirty="0" err="1" smtClean="0">
-                <a:latin typeface="黑体" pitchFamily="49" charset="-122"/>
-                <a:ea typeface="黑体" pitchFamily="49" charset="-122"/>
-              </a:rPr>
-              <a:t>u,v</a:t>
-            </a:r>
-            <a:r>
-              <a:rPr lang="en-US" altLang="zh-CN" sz="2200" dirty="0" smtClean="0">
-                <a:latin typeface="黑体" pitchFamily="49" charset="-122"/>
-                <a:ea typeface="黑体" pitchFamily="49" charset="-122"/>
-              </a:rPr>
-              <a:t>)</a:t>
-            </a:r>
-            <a:r>
-              <a:rPr lang="zh-CN" altLang="en-US" sz="2200" dirty="0" smtClean="0">
-                <a:latin typeface="黑体" pitchFamily="49" charset="-122"/>
-                <a:ea typeface="黑体" pitchFamily="49" charset="-122"/>
-              </a:rPr>
-              <a:t>的权</a:t>
-            </a:r>
-            <a:r>
-              <a:rPr lang="en-US" altLang="zh-CN" sz="2200" dirty="0" smtClean="0">
-                <a:latin typeface="黑体" pitchFamily="49" charset="-122"/>
-                <a:ea typeface="黑体" pitchFamily="49" charset="-122"/>
-              </a:rPr>
-              <a:t>c[u][v]</a:t>
-            </a:r>
-            <a:r>
-              <a:rPr lang="zh-CN" altLang="en-US" sz="2200" dirty="0" smtClean="0">
-                <a:latin typeface="黑体" pitchFamily="49" charset="-122"/>
-                <a:ea typeface="黑体" pitchFamily="49" charset="-122"/>
-              </a:rPr>
-              <a:t>最小，那么一定存在</a:t>
-            </a:r>
-            <a:r>
-              <a:rPr lang="en-US" altLang="zh-CN" sz="2200" dirty="0" smtClean="0">
-                <a:latin typeface="黑体" pitchFamily="49" charset="-122"/>
-                <a:ea typeface="黑体" pitchFamily="49" charset="-122"/>
-              </a:rPr>
-              <a:t>G</a:t>
-            </a:r>
-            <a:r>
-              <a:rPr lang="zh-CN" altLang="en-US" sz="2200" dirty="0" smtClean="0">
-                <a:latin typeface="黑体" pitchFamily="49" charset="-122"/>
-                <a:ea typeface="黑体" pitchFamily="49" charset="-122"/>
-              </a:rPr>
-              <a:t>的一棵最小生成树，它以</a:t>
-            </a:r>
-            <a:r>
-              <a:rPr lang="en-US" altLang="zh-CN" sz="2200" dirty="0" smtClean="0">
-                <a:latin typeface="黑体" pitchFamily="49" charset="-122"/>
-                <a:ea typeface="黑体" pitchFamily="49" charset="-122"/>
-              </a:rPr>
-              <a:t>(</a:t>
-            </a:r>
-            <a:r>
-              <a:rPr lang="en-US" altLang="zh-CN" sz="2200" dirty="0" err="1" smtClean="0">
-                <a:latin typeface="黑体" pitchFamily="49" charset="-122"/>
-                <a:ea typeface="黑体" pitchFamily="49" charset="-122"/>
-              </a:rPr>
-              <a:t>u,v</a:t>
-            </a:r>
-            <a:r>
-              <a:rPr lang="en-US" altLang="zh-CN" sz="2200" dirty="0" smtClean="0">
-                <a:latin typeface="黑体" pitchFamily="49" charset="-122"/>
-                <a:ea typeface="黑体" pitchFamily="49" charset="-122"/>
-              </a:rPr>
-              <a:t>)</a:t>
-            </a:r>
-            <a:r>
-              <a:rPr lang="zh-CN" altLang="en-US" sz="2200" dirty="0" smtClean="0">
-                <a:latin typeface="黑体" pitchFamily="49" charset="-122"/>
-                <a:ea typeface="黑体" pitchFamily="49" charset="-122"/>
-              </a:rPr>
-              <a:t>为其中一条边</a:t>
-            </a:r>
-            <a:r>
-              <a:rPr lang="zh-CN" altLang="en-US" sz="2200" dirty="0" smtClean="0">
+              <a:rPr lang="zh-CN" altLang="en-US" sz="2400" dirty="0" smtClean="0">
                 <a:latin typeface="黑体" pitchFamily="49" charset="-122"/>
                 <a:ea typeface="黑体" pitchFamily="49" charset="-122"/>
               </a:rPr>
               <a:t>。</a:t>
             </a:r>
-            <a:endParaRPr lang="en-US" altLang="zh-CN" sz="2200" dirty="0" smtClean="0">
+            <a:endParaRPr lang="en-US" altLang="zh-CN" sz="2400" dirty="0" smtClean="0">
               <a:latin typeface="黑体" pitchFamily="49" charset="-122"/>
               <a:ea typeface="黑体" pitchFamily="49" charset="-122"/>
             </a:endParaRPr>
@@ -13989,212 +13598,12 @@
               <a:buNone/>
             </a:pPr>
             <a:r>
-              <a:rPr lang="zh-CN" altLang="en-US" sz="2200" dirty="0" smtClean="0">
-                <a:latin typeface="黑体" pitchFamily="49" charset="-122"/>
-                <a:ea typeface="黑体" pitchFamily="49" charset="-122"/>
-              </a:rPr>
-              <a:t> （</a:t>
-            </a:r>
-            <a:r>
-              <a:rPr lang="en-US" altLang="zh-CN" sz="2200" dirty="0" smtClean="0">
-                <a:latin typeface="黑体" pitchFamily="49" charset="-122"/>
-                <a:ea typeface="黑体" pitchFamily="49" charset="-122"/>
-              </a:rPr>
-              <a:t>2</a:t>
-            </a:r>
-            <a:r>
-              <a:rPr lang="zh-CN" altLang="en-US" sz="2200" dirty="0" smtClean="0">
-                <a:latin typeface="黑体" pitchFamily="49" charset="-122"/>
-                <a:ea typeface="黑体" pitchFamily="49" charset="-122"/>
-              </a:rPr>
-              <a:t>）算法执行过程：首先置</a:t>
-            </a:r>
-            <a:r>
-              <a:rPr lang="en-US" altLang="zh-CN" sz="2200" dirty="0" smtClean="0">
-                <a:latin typeface="黑体" pitchFamily="49" charset="-122"/>
-                <a:ea typeface="黑体" pitchFamily="49" charset="-122"/>
-              </a:rPr>
-              <a:t>S={1}</a:t>
-            </a:r>
-            <a:r>
-              <a:rPr lang="zh-CN" altLang="en-US" sz="2200" dirty="0" smtClean="0">
-                <a:latin typeface="黑体" pitchFamily="49" charset="-122"/>
-                <a:ea typeface="黑体" pitchFamily="49" charset="-122"/>
-              </a:rPr>
-              <a:t>，然后，只要</a:t>
-            </a:r>
-            <a:r>
-              <a:rPr lang="en-US" altLang="zh-CN" sz="2200" dirty="0" smtClean="0">
-                <a:latin typeface="黑体" pitchFamily="49" charset="-122"/>
-                <a:ea typeface="黑体" pitchFamily="49" charset="-122"/>
-              </a:rPr>
-              <a:t>S</a:t>
-            </a:r>
-            <a:r>
-              <a:rPr lang="zh-CN" altLang="en-US" sz="2200" dirty="0" smtClean="0">
-                <a:latin typeface="黑体" pitchFamily="49" charset="-122"/>
-                <a:ea typeface="黑体" pitchFamily="49" charset="-122"/>
-              </a:rPr>
-              <a:t>是</a:t>
-            </a:r>
-            <a:r>
-              <a:rPr lang="en-US" altLang="zh-CN" sz="2200" dirty="0" smtClean="0">
-                <a:latin typeface="黑体" pitchFamily="49" charset="-122"/>
-                <a:ea typeface="黑体" pitchFamily="49" charset="-122"/>
-              </a:rPr>
-              <a:t>V</a:t>
-            </a:r>
-            <a:r>
-              <a:rPr lang="zh-CN" altLang="en-US" sz="2200" dirty="0" smtClean="0">
-                <a:latin typeface="黑体" pitchFamily="49" charset="-122"/>
-                <a:ea typeface="黑体" pitchFamily="49" charset="-122"/>
-              </a:rPr>
-              <a:t>的真子集，就作如下的贪心选择：选取满足条件</a:t>
-            </a:r>
-            <a:r>
-              <a:rPr lang="en-US" altLang="zh-CN" sz="2200" dirty="0" err="1" smtClean="0">
-                <a:latin typeface="黑体" pitchFamily="49" charset="-122"/>
-                <a:ea typeface="黑体" pitchFamily="49" charset="-122"/>
-              </a:rPr>
-              <a:t>i</a:t>
-            </a:r>
-            <a:r>
-              <a:rPr lang="en-US" altLang="zh-CN" sz="2200" dirty="0" err="1" smtClean="0">
-                <a:latin typeface="黑体" pitchFamily="49" charset="-122"/>
-                <a:ea typeface="黑体" pitchFamily="49" charset="-122"/>
-                <a:sym typeface="Symbol" pitchFamily="18" charset="2"/>
-              </a:rPr>
-              <a:t></a:t>
-            </a:r>
-            <a:r>
-              <a:rPr lang="en-US" altLang="zh-CN" sz="2200" dirty="0" err="1" smtClean="0">
-                <a:latin typeface="黑体" pitchFamily="49" charset="-122"/>
-                <a:ea typeface="黑体" pitchFamily="49" charset="-122"/>
-              </a:rPr>
-              <a:t>S</a:t>
-            </a:r>
-            <a:r>
-              <a:rPr lang="zh-CN" altLang="en-US" sz="2200" dirty="0" smtClean="0">
-                <a:latin typeface="黑体" pitchFamily="49" charset="-122"/>
-                <a:ea typeface="黑体" pitchFamily="49" charset="-122"/>
-              </a:rPr>
-              <a:t>，</a:t>
-            </a:r>
-            <a:r>
-              <a:rPr lang="en-US" altLang="zh-CN" sz="2200" dirty="0" err="1" smtClean="0">
-                <a:latin typeface="黑体" pitchFamily="49" charset="-122"/>
-                <a:ea typeface="黑体" pitchFamily="49" charset="-122"/>
-              </a:rPr>
-              <a:t>j</a:t>
-            </a:r>
-            <a:r>
-              <a:rPr lang="en-US" altLang="zh-CN" sz="2200" dirty="0" err="1" smtClean="0">
-                <a:latin typeface="黑体" pitchFamily="49" charset="-122"/>
-                <a:ea typeface="黑体" pitchFamily="49" charset="-122"/>
-                <a:sym typeface="Symbol" pitchFamily="18" charset="2"/>
-              </a:rPr>
-              <a:t></a:t>
-            </a:r>
-            <a:r>
-              <a:rPr lang="en-US" altLang="zh-CN" sz="2200" dirty="0" err="1" smtClean="0">
-                <a:latin typeface="黑体" pitchFamily="49" charset="-122"/>
-                <a:ea typeface="黑体" pitchFamily="49" charset="-122"/>
-              </a:rPr>
-              <a:t>V</a:t>
-            </a:r>
-            <a:r>
-              <a:rPr lang="en-US" altLang="zh-CN" sz="2200" dirty="0" smtClean="0">
-                <a:latin typeface="黑体" pitchFamily="49" charset="-122"/>
-                <a:ea typeface="黑体" pitchFamily="49" charset="-122"/>
-              </a:rPr>
-              <a:t>-S</a:t>
-            </a:r>
-            <a:r>
-              <a:rPr lang="zh-CN" altLang="en-US" sz="2200" dirty="0" smtClean="0">
-                <a:latin typeface="黑体" pitchFamily="49" charset="-122"/>
-                <a:ea typeface="黑体" pitchFamily="49" charset="-122"/>
-              </a:rPr>
-              <a:t>，且</a:t>
-            </a:r>
-            <a:r>
-              <a:rPr lang="en-US" altLang="zh-CN" sz="2200" dirty="0" smtClean="0">
-                <a:latin typeface="黑体" pitchFamily="49" charset="-122"/>
-                <a:ea typeface="黑体" pitchFamily="49" charset="-122"/>
-              </a:rPr>
-              <a:t>c[</a:t>
-            </a:r>
-            <a:r>
-              <a:rPr lang="en-US" altLang="zh-CN" sz="2200" dirty="0" err="1" smtClean="0">
-                <a:latin typeface="黑体" pitchFamily="49" charset="-122"/>
-                <a:ea typeface="黑体" pitchFamily="49" charset="-122"/>
-              </a:rPr>
-              <a:t>i</a:t>
-            </a:r>
-            <a:r>
-              <a:rPr lang="en-US" altLang="zh-CN" sz="2200" dirty="0" smtClean="0">
-                <a:latin typeface="黑体" pitchFamily="49" charset="-122"/>
-                <a:ea typeface="黑体" pitchFamily="49" charset="-122"/>
-              </a:rPr>
-              <a:t>][j]</a:t>
-            </a:r>
-            <a:r>
-              <a:rPr lang="zh-CN" altLang="en-US" sz="2200" dirty="0" smtClean="0">
-                <a:latin typeface="黑体" pitchFamily="49" charset="-122"/>
-                <a:ea typeface="黑体" pitchFamily="49" charset="-122"/>
-              </a:rPr>
-              <a:t>最小的边，将顶点</a:t>
-            </a:r>
-            <a:r>
-              <a:rPr lang="en-US" altLang="zh-CN" sz="2200" dirty="0" smtClean="0">
-                <a:latin typeface="黑体" pitchFamily="49" charset="-122"/>
-                <a:ea typeface="黑体" pitchFamily="49" charset="-122"/>
-              </a:rPr>
-              <a:t>j</a:t>
-            </a:r>
-            <a:r>
-              <a:rPr lang="zh-CN" altLang="en-US" sz="2200" dirty="0" smtClean="0">
-                <a:latin typeface="黑体" pitchFamily="49" charset="-122"/>
-                <a:ea typeface="黑体" pitchFamily="49" charset="-122"/>
-              </a:rPr>
-              <a:t>添加到</a:t>
-            </a:r>
-            <a:r>
-              <a:rPr lang="en-US" altLang="zh-CN" sz="2200" dirty="0" smtClean="0">
-                <a:latin typeface="黑体" pitchFamily="49" charset="-122"/>
-                <a:ea typeface="黑体" pitchFamily="49" charset="-122"/>
-              </a:rPr>
-              <a:t>S</a:t>
-            </a:r>
-            <a:r>
-              <a:rPr lang="zh-CN" altLang="en-US" sz="2200" dirty="0" smtClean="0">
-                <a:latin typeface="黑体" pitchFamily="49" charset="-122"/>
-                <a:ea typeface="黑体" pitchFamily="49" charset="-122"/>
-              </a:rPr>
-              <a:t>中。这个过程一直进行到</a:t>
-            </a:r>
-            <a:r>
-              <a:rPr lang="en-US" altLang="zh-CN" sz="2200" dirty="0" smtClean="0">
-                <a:latin typeface="黑体" pitchFamily="49" charset="-122"/>
-                <a:ea typeface="黑体" pitchFamily="49" charset="-122"/>
-              </a:rPr>
-              <a:t>S=V</a:t>
-            </a:r>
-            <a:r>
-              <a:rPr lang="zh-CN" altLang="en-US" sz="2200" dirty="0" smtClean="0">
-                <a:latin typeface="黑体" pitchFamily="49" charset="-122"/>
-                <a:ea typeface="黑体" pitchFamily="49" charset="-122"/>
-              </a:rPr>
-              <a:t>时为止。</a:t>
-            </a:r>
-            <a:endParaRPr lang="en-US" altLang="zh-CN" sz="2200" dirty="0" smtClean="0">
-              <a:latin typeface="黑体" pitchFamily="49" charset="-122"/>
-              <a:ea typeface="黑体" pitchFamily="49" charset="-122"/>
-            </a:endParaRPr>
-          </a:p>
-          <a:p>
-            <a:pPr algn="just">
-              <a:buNone/>
-            </a:pPr>
+              <a:rPr lang="en-US" altLang="zh-CN" sz="2400" dirty="0" smtClean="0">
+                <a:latin typeface="黑体" pitchFamily="49" charset="-122"/>
+                <a:ea typeface="黑体" pitchFamily="49" charset="-122"/>
+              </a:rPr>
+              <a:t>  </a:t>
+            </a:r>
             <a:endParaRPr lang="zh-CN" altLang="en-US" sz="2400" dirty="0" smtClean="0"/>
           </a:p>
           <a:p>
@@ -14326,11 +13735,7 @@
             <a:pPr algn="just"/>
             <a:r>
               <a:rPr lang="zh-CN" altLang="en-US" sz="2600" dirty="0" smtClean="0"/>
-              <a:t>最小生成树</a:t>
-            </a:r>
-            <a:r>
-              <a:rPr lang="zh-CN" altLang="en-US" sz="2600" dirty="0" smtClean="0"/>
-              <a:t>问题</a:t>
+              <a:t>最小生成树问题</a:t>
             </a:r>
             <a:endParaRPr lang="en-US" altLang="zh-CN" sz="2600" dirty="0" smtClean="0"/>
           </a:p>
@@ -14340,9 +13745,738 @@
             </a:pPr>
             <a:r>
               <a:rPr lang="zh-CN" altLang="en-US" sz="2400" dirty="0" smtClean="0"/>
+              <a:t>  设一个网络表示为无向连通带权图</a:t>
+            </a:r>
+            <a:r>
+              <a:rPr lang="en-US" altLang="zh-CN" sz="2400" dirty="0" smtClean="0"/>
+              <a:t>G=(V, E)</a:t>
+            </a:r>
+            <a:r>
+              <a:rPr lang="zh-CN" altLang="en-US" sz="2400" dirty="0" smtClean="0"/>
+              <a:t>，</a:t>
+            </a:r>
+            <a:r>
+              <a:rPr lang="en-US" altLang="zh-CN" sz="2400" dirty="0" smtClean="0"/>
+              <a:t>E</a:t>
+            </a:r>
+            <a:r>
+              <a:rPr lang="zh-CN" altLang="en-US" sz="2400" dirty="0" smtClean="0"/>
+              <a:t>中每条边</a:t>
+            </a:r>
+            <a:r>
+              <a:rPr lang="en-US" altLang="zh-CN" sz="2400" dirty="0" smtClean="0"/>
+              <a:t>(</a:t>
+            </a:r>
+            <a:r>
+              <a:rPr lang="en-US" altLang="zh-CN" sz="2400" dirty="0" err="1" smtClean="0"/>
+              <a:t>v,w</a:t>
+            </a:r>
+            <a:r>
+              <a:rPr lang="en-US" altLang="zh-CN" sz="2400" dirty="0" smtClean="0"/>
+              <a:t>)</a:t>
+            </a:r>
+            <a:r>
+              <a:rPr lang="zh-CN" altLang="en-US" sz="2400" dirty="0" smtClean="0"/>
+              <a:t>的权为</a:t>
+            </a:r>
+            <a:r>
+              <a:rPr lang="en-US" altLang="zh-CN" sz="2400" dirty="0" smtClean="0"/>
+              <a:t>c[v][w]</a:t>
+            </a:r>
+            <a:r>
+              <a:rPr lang="zh-CN" altLang="en-US" sz="2400" dirty="0" smtClean="0"/>
+              <a:t>。如果</a:t>
+            </a:r>
+            <a:r>
+              <a:rPr lang="en-US" altLang="zh-CN" sz="2400" dirty="0" smtClean="0"/>
+              <a:t>G</a:t>
+            </a:r>
+            <a:r>
+              <a:rPr lang="zh-CN" altLang="en-US" sz="2400" dirty="0" smtClean="0"/>
+              <a:t>的子图</a:t>
+            </a:r>
+            <a:r>
+              <a:rPr lang="en-US" altLang="zh-CN" sz="2400" dirty="0" smtClean="0"/>
+              <a:t>G</a:t>
+            </a:r>
+            <a:r>
+              <a:rPr lang="en-US" altLang="zh-CN" sz="2400" baseline="30000" dirty="0" smtClean="0"/>
+              <a:t>’</a:t>
+            </a:r>
+            <a:r>
+              <a:rPr lang="zh-CN" altLang="en-US" sz="2400" dirty="0" smtClean="0"/>
+              <a:t>是一棵包含</a:t>
+            </a:r>
+            <a:r>
+              <a:rPr lang="en-US" altLang="zh-CN" sz="2400" dirty="0" smtClean="0"/>
+              <a:t>G</a:t>
+            </a:r>
+            <a:r>
+              <a:rPr lang="zh-CN" altLang="en-US" sz="2400" dirty="0" smtClean="0"/>
+              <a:t>的所有顶点的树，则称</a:t>
+            </a:r>
+            <a:r>
+              <a:rPr lang="en-US" altLang="zh-CN" sz="2400" dirty="0" smtClean="0"/>
+              <a:t>G</a:t>
+            </a:r>
+            <a:r>
+              <a:rPr lang="en-US" altLang="zh-CN" sz="2400" baseline="30000" dirty="0" smtClean="0"/>
+              <a:t>’</a:t>
+            </a:r>
+            <a:r>
+              <a:rPr lang="zh-CN" altLang="en-US" sz="2400" dirty="0" smtClean="0"/>
+              <a:t>为</a:t>
+            </a:r>
+            <a:r>
+              <a:rPr lang="en-US" altLang="zh-CN" sz="2400" dirty="0" smtClean="0"/>
+              <a:t>G</a:t>
+            </a:r>
+            <a:r>
+              <a:rPr lang="zh-CN" altLang="en-US" sz="2400" dirty="0" smtClean="0"/>
+              <a:t>的生成树。生成树的代价是指生成树上各边权的总和，在</a:t>
+            </a:r>
+            <a:r>
+              <a:rPr lang="en-US" altLang="zh-CN" sz="2400" dirty="0" smtClean="0"/>
+              <a:t>G</a:t>
+            </a:r>
+            <a:r>
+              <a:rPr lang="zh-CN" altLang="en-US" sz="2400" dirty="0" smtClean="0"/>
+              <a:t>的所有生成树中，耗费最小的生成树称为</a:t>
+            </a:r>
+            <a:r>
+              <a:rPr lang="en-US" altLang="zh-CN" sz="2400" dirty="0" smtClean="0"/>
+              <a:t>G</a:t>
+            </a:r>
+            <a:r>
+              <a:rPr lang="zh-CN" altLang="en-US" sz="2400" dirty="0" smtClean="0"/>
+              <a:t>的最小生成树。</a:t>
+            </a:r>
+            <a:endParaRPr lang="en-US" altLang="zh-CN" sz="2400" dirty="0" smtClean="0"/>
+          </a:p>
+          <a:p>
+            <a:pPr algn="just">
+              <a:lnSpc>
+                <a:spcPts val="100"/>
+              </a:lnSpc>
+              <a:buNone/>
+            </a:pPr>
+            <a:r>
+              <a:rPr lang="zh-CN" altLang="en-US" sz="2400" dirty="0" smtClean="0"/>
+              <a:t> </a:t>
+            </a:r>
+            <a:endParaRPr lang="en-US" altLang="zh-CN" sz="2400" dirty="0" smtClean="0"/>
+          </a:p>
+          <a:p>
+            <a:pPr algn="just">
+              <a:buNone/>
+            </a:pPr>
+            <a:r>
+              <a:rPr lang="en-US" altLang="zh-CN" sz="2400" dirty="0" smtClean="0">
+                <a:latin typeface="黑体" pitchFamily="49" charset="-122"/>
+                <a:ea typeface="黑体" pitchFamily="49" charset="-122"/>
+              </a:rPr>
+              <a:t>  (1)</a:t>
+            </a:r>
+            <a:r>
+              <a:rPr lang="zh-CN" altLang="en-US" sz="2200" dirty="0" smtClean="0">
+                <a:latin typeface="黑体" pitchFamily="49" charset="-122"/>
+                <a:ea typeface="黑体" pitchFamily="49" charset="-122"/>
+              </a:rPr>
+              <a:t>算法设计原理：设</a:t>
+            </a:r>
+            <a:r>
+              <a:rPr lang="en-US" altLang="zh-CN" sz="2200" dirty="0" smtClean="0">
+                <a:latin typeface="黑体" pitchFamily="49" charset="-122"/>
+                <a:ea typeface="黑体" pitchFamily="49" charset="-122"/>
+              </a:rPr>
+              <a:t>G=(V,E)</a:t>
+            </a:r>
+            <a:r>
+              <a:rPr lang="zh-CN" altLang="en-US" sz="2200" dirty="0" smtClean="0">
+                <a:latin typeface="黑体" pitchFamily="49" charset="-122"/>
+                <a:ea typeface="黑体" pitchFamily="49" charset="-122"/>
+              </a:rPr>
+              <a:t>是连通带权图，</a:t>
+            </a:r>
+            <a:r>
+              <a:rPr lang="en-US" altLang="zh-CN" sz="2200" dirty="0" smtClean="0">
+                <a:latin typeface="黑体" pitchFamily="49" charset="-122"/>
+                <a:ea typeface="黑体" pitchFamily="49" charset="-122"/>
+              </a:rPr>
+              <a:t>U</a:t>
+            </a:r>
+            <a:r>
+              <a:rPr lang="zh-CN" altLang="en-US" sz="2200" dirty="0" smtClean="0">
+                <a:latin typeface="黑体" pitchFamily="49" charset="-122"/>
+                <a:ea typeface="黑体" pitchFamily="49" charset="-122"/>
+              </a:rPr>
+              <a:t>是</a:t>
+            </a:r>
+            <a:r>
+              <a:rPr lang="en-US" altLang="zh-CN" sz="2200" dirty="0" smtClean="0">
+                <a:latin typeface="黑体" pitchFamily="49" charset="-122"/>
+                <a:ea typeface="黑体" pitchFamily="49" charset="-122"/>
+              </a:rPr>
+              <a:t>V</a:t>
+            </a:r>
+            <a:r>
+              <a:rPr lang="zh-CN" altLang="en-US" sz="2200" dirty="0" smtClean="0">
+                <a:latin typeface="黑体" pitchFamily="49" charset="-122"/>
+                <a:ea typeface="黑体" pitchFamily="49" charset="-122"/>
+              </a:rPr>
+              <a:t>的真子集。如果</a:t>
+            </a:r>
+            <a:r>
+              <a:rPr lang="en-US" altLang="zh-CN" sz="2200" dirty="0" smtClean="0">
+                <a:latin typeface="黑体" pitchFamily="49" charset="-122"/>
+                <a:ea typeface="黑体" pitchFamily="49" charset="-122"/>
+              </a:rPr>
+              <a:t>(</a:t>
+            </a:r>
+            <a:r>
+              <a:rPr lang="en-US" altLang="zh-CN" sz="2200" dirty="0" err="1" smtClean="0">
+                <a:latin typeface="黑体" pitchFamily="49" charset="-122"/>
+                <a:ea typeface="黑体" pitchFamily="49" charset="-122"/>
+              </a:rPr>
+              <a:t>u,v</a:t>
+            </a:r>
+            <a:r>
+              <a:rPr lang="en-US" altLang="zh-CN" sz="2200" dirty="0" smtClean="0">
+                <a:latin typeface="黑体" pitchFamily="49" charset="-122"/>
+                <a:ea typeface="黑体" pitchFamily="49" charset="-122"/>
+              </a:rPr>
+              <a:t>)</a:t>
+            </a:r>
+            <a:r>
+              <a:rPr lang="en-US" altLang="zh-CN" sz="2200" dirty="0" smtClean="0">
+                <a:latin typeface="黑体" pitchFamily="49" charset="-122"/>
+                <a:ea typeface="黑体" pitchFamily="49" charset="-122"/>
+                <a:sym typeface="Symbol" pitchFamily="18" charset="2"/>
+              </a:rPr>
+              <a:t></a:t>
+            </a:r>
+            <a:r>
+              <a:rPr lang="en-US" altLang="zh-CN" sz="2200" dirty="0" smtClean="0">
+                <a:latin typeface="黑体" pitchFamily="49" charset="-122"/>
+                <a:ea typeface="黑体" pitchFamily="49" charset="-122"/>
+              </a:rPr>
+              <a:t>E</a:t>
+            </a:r>
+            <a:r>
+              <a:rPr lang="zh-CN" altLang="en-US" sz="2200" dirty="0" smtClean="0">
+                <a:latin typeface="黑体" pitchFamily="49" charset="-122"/>
+                <a:ea typeface="黑体" pitchFamily="49" charset="-122"/>
+              </a:rPr>
+              <a:t>，且</a:t>
+            </a:r>
+            <a:r>
+              <a:rPr lang="en-US" altLang="zh-CN" sz="2200" dirty="0" err="1" smtClean="0">
+                <a:latin typeface="黑体" pitchFamily="49" charset="-122"/>
+                <a:ea typeface="黑体" pitchFamily="49" charset="-122"/>
+              </a:rPr>
+              <a:t>u</a:t>
+            </a:r>
+            <a:r>
+              <a:rPr lang="en-US" altLang="zh-CN" sz="2200" dirty="0" err="1" smtClean="0">
+                <a:latin typeface="黑体" pitchFamily="49" charset="-122"/>
+                <a:ea typeface="黑体" pitchFamily="49" charset="-122"/>
+                <a:sym typeface="Symbol" pitchFamily="18" charset="2"/>
+              </a:rPr>
+              <a:t></a:t>
+            </a:r>
+            <a:r>
+              <a:rPr lang="en-US" altLang="zh-CN" sz="2200" dirty="0" err="1" smtClean="0">
+                <a:latin typeface="黑体" pitchFamily="49" charset="-122"/>
+                <a:ea typeface="黑体" pitchFamily="49" charset="-122"/>
+              </a:rPr>
+              <a:t>U</a:t>
+            </a:r>
+            <a:r>
+              <a:rPr lang="zh-CN" altLang="en-US" sz="2200" dirty="0" smtClean="0">
+                <a:latin typeface="黑体" pitchFamily="49" charset="-122"/>
+                <a:ea typeface="黑体" pitchFamily="49" charset="-122"/>
+              </a:rPr>
+              <a:t>，</a:t>
+            </a:r>
+            <a:r>
+              <a:rPr lang="en-US" altLang="zh-CN" sz="2200" dirty="0" err="1" smtClean="0">
+                <a:latin typeface="黑体" pitchFamily="49" charset="-122"/>
+                <a:ea typeface="黑体" pitchFamily="49" charset="-122"/>
+              </a:rPr>
+              <a:t>v</a:t>
+            </a:r>
+            <a:r>
+              <a:rPr lang="en-US" altLang="zh-CN" sz="2200" dirty="0" err="1" smtClean="0">
+                <a:latin typeface="黑体" pitchFamily="49" charset="-122"/>
+                <a:ea typeface="黑体" pitchFamily="49" charset="-122"/>
+                <a:sym typeface="Symbol" pitchFamily="18" charset="2"/>
+              </a:rPr>
+              <a:t></a:t>
+            </a:r>
+            <a:r>
+              <a:rPr lang="en-US" altLang="zh-CN" sz="2200" dirty="0" err="1" smtClean="0">
+                <a:latin typeface="黑体" pitchFamily="49" charset="-122"/>
+                <a:ea typeface="黑体" pitchFamily="49" charset="-122"/>
+              </a:rPr>
+              <a:t>V</a:t>
+            </a:r>
+            <a:r>
+              <a:rPr lang="en-US" altLang="zh-CN" sz="2200" dirty="0" smtClean="0">
+                <a:latin typeface="黑体" pitchFamily="49" charset="-122"/>
+                <a:ea typeface="黑体" pitchFamily="49" charset="-122"/>
+              </a:rPr>
+              <a:t>-U</a:t>
+            </a:r>
+            <a:r>
+              <a:rPr lang="zh-CN" altLang="en-US" sz="2200" dirty="0" smtClean="0">
+                <a:latin typeface="黑体" pitchFamily="49" charset="-122"/>
+                <a:ea typeface="黑体" pitchFamily="49" charset="-122"/>
+              </a:rPr>
+              <a:t>，且在所有这样的边中，</a:t>
+            </a:r>
+            <a:r>
+              <a:rPr lang="en-US" altLang="zh-CN" sz="2200" dirty="0" smtClean="0">
+                <a:latin typeface="黑体" pitchFamily="49" charset="-122"/>
+                <a:ea typeface="黑体" pitchFamily="49" charset="-122"/>
+              </a:rPr>
+              <a:t>(</a:t>
+            </a:r>
+            <a:r>
+              <a:rPr lang="en-US" altLang="zh-CN" sz="2200" dirty="0" err="1" smtClean="0">
+                <a:latin typeface="黑体" pitchFamily="49" charset="-122"/>
+                <a:ea typeface="黑体" pitchFamily="49" charset="-122"/>
+              </a:rPr>
+              <a:t>u,v</a:t>
+            </a:r>
+            <a:r>
+              <a:rPr lang="en-US" altLang="zh-CN" sz="2200" dirty="0" smtClean="0">
+                <a:latin typeface="黑体" pitchFamily="49" charset="-122"/>
+                <a:ea typeface="黑体" pitchFamily="49" charset="-122"/>
+              </a:rPr>
+              <a:t>)</a:t>
+            </a:r>
+            <a:r>
+              <a:rPr lang="zh-CN" altLang="en-US" sz="2200" dirty="0" smtClean="0">
+                <a:latin typeface="黑体" pitchFamily="49" charset="-122"/>
+                <a:ea typeface="黑体" pitchFamily="49" charset="-122"/>
+              </a:rPr>
+              <a:t>的权</a:t>
+            </a:r>
+            <a:r>
+              <a:rPr lang="en-US" altLang="zh-CN" sz="2200" dirty="0" smtClean="0">
+                <a:latin typeface="黑体" pitchFamily="49" charset="-122"/>
+                <a:ea typeface="黑体" pitchFamily="49" charset="-122"/>
+              </a:rPr>
+              <a:t>c[u][v]</a:t>
+            </a:r>
+            <a:r>
+              <a:rPr lang="zh-CN" altLang="en-US" sz="2200" dirty="0" smtClean="0">
+                <a:latin typeface="黑体" pitchFamily="49" charset="-122"/>
+                <a:ea typeface="黑体" pitchFamily="49" charset="-122"/>
+              </a:rPr>
+              <a:t>最小，那么一定存在</a:t>
+            </a:r>
+            <a:r>
+              <a:rPr lang="en-US" altLang="zh-CN" sz="2200" dirty="0" smtClean="0">
+                <a:latin typeface="黑体" pitchFamily="49" charset="-122"/>
+                <a:ea typeface="黑体" pitchFamily="49" charset="-122"/>
+              </a:rPr>
+              <a:t>G</a:t>
+            </a:r>
+            <a:r>
+              <a:rPr lang="zh-CN" altLang="en-US" sz="2200" dirty="0" smtClean="0">
+                <a:latin typeface="黑体" pitchFamily="49" charset="-122"/>
+                <a:ea typeface="黑体" pitchFamily="49" charset="-122"/>
+              </a:rPr>
+              <a:t>的一棵最小生成树，它以</a:t>
+            </a:r>
+            <a:r>
+              <a:rPr lang="en-US" altLang="zh-CN" sz="2200" dirty="0" smtClean="0">
+                <a:latin typeface="黑体" pitchFamily="49" charset="-122"/>
+                <a:ea typeface="黑体" pitchFamily="49" charset="-122"/>
+              </a:rPr>
+              <a:t>(</a:t>
+            </a:r>
+            <a:r>
+              <a:rPr lang="en-US" altLang="zh-CN" sz="2200" dirty="0" err="1" smtClean="0">
+                <a:latin typeface="黑体" pitchFamily="49" charset="-122"/>
+                <a:ea typeface="黑体" pitchFamily="49" charset="-122"/>
+              </a:rPr>
+              <a:t>u,v</a:t>
+            </a:r>
+            <a:r>
+              <a:rPr lang="en-US" altLang="zh-CN" sz="2200" dirty="0" smtClean="0">
+                <a:latin typeface="黑体" pitchFamily="49" charset="-122"/>
+                <a:ea typeface="黑体" pitchFamily="49" charset="-122"/>
+              </a:rPr>
+              <a:t>)</a:t>
+            </a:r>
+            <a:r>
+              <a:rPr lang="zh-CN" altLang="en-US" sz="2200" dirty="0" smtClean="0">
+                <a:latin typeface="黑体" pitchFamily="49" charset="-122"/>
+                <a:ea typeface="黑体" pitchFamily="49" charset="-122"/>
+              </a:rPr>
+              <a:t>为其中一条边。</a:t>
+            </a:r>
+            <a:endParaRPr lang="en-US" altLang="zh-CN" sz="2200" dirty="0" smtClean="0">
+              <a:latin typeface="黑体" pitchFamily="49" charset="-122"/>
+              <a:ea typeface="黑体" pitchFamily="49" charset="-122"/>
+            </a:endParaRPr>
+          </a:p>
+          <a:p>
+            <a:pPr algn="just">
+              <a:buNone/>
+            </a:pPr>
+            <a:r>
+              <a:rPr lang="zh-CN" altLang="en-US" sz="2200" dirty="0" smtClean="0">
+                <a:latin typeface="黑体" pitchFamily="49" charset="-122"/>
+                <a:ea typeface="黑体" pitchFamily="49" charset="-122"/>
+              </a:rPr>
+              <a:t> （</a:t>
+            </a:r>
+            <a:r>
+              <a:rPr lang="en-US" altLang="zh-CN" sz="2200" dirty="0" smtClean="0">
+                <a:latin typeface="黑体" pitchFamily="49" charset="-122"/>
+                <a:ea typeface="黑体" pitchFamily="49" charset="-122"/>
+              </a:rPr>
+              <a:t>2</a:t>
+            </a:r>
+            <a:r>
+              <a:rPr lang="zh-CN" altLang="en-US" sz="2200" dirty="0" smtClean="0">
+                <a:latin typeface="黑体" pitchFamily="49" charset="-122"/>
+                <a:ea typeface="黑体" pitchFamily="49" charset="-122"/>
+              </a:rPr>
+              <a:t>）算法执行过程：首先置</a:t>
+            </a:r>
+            <a:r>
+              <a:rPr lang="en-US" altLang="zh-CN" sz="2200" dirty="0" smtClean="0">
+                <a:latin typeface="黑体" pitchFamily="49" charset="-122"/>
+                <a:ea typeface="黑体" pitchFamily="49" charset="-122"/>
+              </a:rPr>
+              <a:t>S={1}</a:t>
+            </a:r>
+            <a:r>
+              <a:rPr lang="zh-CN" altLang="en-US" sz="2200" dirty="0" smtClean="0">
+                <a:latin typeface="黑体" pitchFamily="49" charset="-122"/>
+                <a:ea typeface="黑体" pitchFamily="49" charset="-122"/>
+              </a:rPr>
+              <a:t>，然后，只要</a:t>
+            </a:r>
+            <a:r>
+              <a:rPr lang="en-US" altLang="zh-CN" sz="2200" dirty="0" smtClean="0">
+                <a:latin typeface="黑体" pitchFamily="49" charset="-122"/>
+                <a:ea typeface="黑体" pitchFamily="49" charset="-122"/>
+              </a:rPr>
+              <a:t>S</a:t>
+            </a:r>
+            <a:r>
+              <a:rPr lang="zh-CN" altLang="en-US" sz="2200" dirty="0" smtClean="0">
+                <a:latin typeface="黑体" pitchFamily="49" charset="-122"/>
+                <a:ea typeface="黑体" pitchFamily="49" charset="-122"/>
+              </a:rPr>
+              <a:t>是</a:t>
+            </a:r>
+            <a:r>
+              <a:rPr lang="en-US" altLang="zh-CN" sz="2200" dirty="0" smtClean="0">
+                <a:latin typeface="黑体" pitchFamily="49" charset="-122"/>
+                <a:ea typeface="黑体" pitchFamily="49" charset="-122"/>
+              </a:rPr>
+              <a:t>V</a:t>
+            </a:r>
+            <a:r>
+              <a:rPr lang="zh-CN" altLang="en-US" sz="2200" dirty="0" smtClean="0">
+                <a:latin typeface="黑体" pitchFamily="49" charset="-122"/>
+                <a:ea typeface="黑体" pitchFamily="49" charset="-122"/>
+              </a:rPr>
+              <a:t>的真子集，就作如下的贪心选择：选取满足条件</a:t>
+            </a:r>
+            <a:r>
+              <a:rPr lang="en-US" altLang="zh-CN" sz="2200" dirty="0" err="1" smtClean="0">
+                <a:latin typeface="黑体" pitchFamily="49" charset="-122"/>
+                <a:ea typeface="黑体" pitchFamily="49" charset="-122"/>
+              </a:rPr>
+              <a:t>i</a:t>
+            </a:r>
+            <a:r>
+              <a:rPr lang="en-US" altLang="zh-CN" sz="2200" dirty="0" err="1" smtClean="0">
+                <a:latin typeface="黑体" pitchFamily="49" charset="-122"/>
+                <a:ea typeface="黑体" pitchFamily="49" charset="-122"/>
+                <a:sym typeface="Symbol" pitchFamily="18" charset="2"/>
+              </a:rPr>
+              <a:t></a:t>
+            </a:r>
+            <a:r>
+              <a:rPr lang="en-US" altLang="zh-CN" sz="2200" dirty="0" err="1" smtClean="0">
+                <a:latin typeface="黑体" pitchFamily="49" charset="-122"/>
+                <a:ea typeface="黑体" pitchFamily="49" charset="-122"/>
+              </a:rPr>
+              <a:t>S</a:t>
+            </a:r>
+            <a:r>
+              <a:rPr lang="zh-CN" altLang="en-US" sz="2200" dirty="0" smtClean="0">
+                <a:latin typeface="黑体" pitchFamily="49" charset="-122"/>
+                <a:ea typeface="黑体" pitchFamily="49" charset="-122"/>
+              </a:rPr>
+              <a:t>，</a:t>
+            </a:r>
+            <a:r>
+              <a:rPr lang="en-US" altLang="zh-CN" sz="2200" dirty="0" err="1" smtClean="0">
+                <a:latin typeface="黑体" pitchFamily="49" charset="-122"/>
+                <a:ea typeface="黑体" pitchFamily="49" charset="-122"/>
+              </a:rPr>
+              <a:t>j</a:t>
+            </a:r>
+            <a:r>
+              <a:rPr lang="en-US" altLang="zh-CN" sz="2200" dirty="0" err="1" smtClean="0">
+                <a:latin typeface="黑体" pitchFamily="49" charset="-122"/>
+                <a:ea typeface="黑体" pitchFamily="49" charset="-122"/>
+                <a:sym typeface="Symbol" pitchFamily="18" charset="2"/>
+              </a:rPr>
+              <a:t></a:t>
+            </a:r>
+            <a:r>
+              <a:rPr lang="en-US" altLang="zh-CN" sz="2200" dirty="0" err="1" smtClean="0">
+                <a:latin typeface="黑体" pitchFamily="49" charset="-122"/>
+                <a:ea typeface="黑体" pitchFamily="49" charset="-122"/>
+              </a:rPr>
+              <a:t>V</a:t>
+            </a:r>
+            <a:r>
+              <a:rPr lang="en-US" altLang="zh-CN" sz="2200" dirty="0" smtClean="0">
+                <a:latin typeface="黑体" pitchFamily="49" charset="-122"/>
+                <a:ea typeface="黑体" pitchFamily="49" charset="-122"/>
+              </a:rPr>
+              <a:t>-S</a:t>
+            </a:r>
+            <a:r>
+              <a:rPr lang="zh-CN" altLang="en-US" sz="2200" dirty="0" smtClean="0">
+                <a:latin typeface="黑体" pitchFamily="49" charset="-122"/>
+                <a:ea typeface="黑体" pitchFamily="49" charset="-122"/>
+              </a:rPr>
+              <a:t>，且</a:t>
+            </a:r>
+            <a:r>
+              <a:rPr lang="en-US" altLang="zh-CN" sz="2200" dirty="0" smtClean="0">
+                <a:latin typeface="黑体" pitchFamily="49" charset="-122"/>
+                <a:ea typeface="黑体" pitchFamily="49" charset="-122"/>
+              </a:rPr>
+              <a:t>c[</a:t>
+            </a:r>
+            <a:r>
+              <a:rPr lang="en-US" altLang="zh-CN" sz="2200" dirty="0" err="1" smtClean="0">
+                <a:latin typeface="黑体" pitchFamily="49" charset="-122"/>
+                <a:ea typeface="黑体" pitchFamily="49" charset="-122"/>
+              </a:rPr>
+              <a:t>i</a:t>
+            </a:r>
+            <a:r>
+              <a:rPr lang="en-US" altLang="zh-CN" sz="2200" dirty="0" smtClean="0">
+                <a:latin typeface="黑体" pitchFamily="49" charset="-122"/>
+                <a:ea typeface="黑体" pitchFamily="49" charset="-122"/>
+              </a:rPr>
+              <a:t>][j]</a:t>
+            </a:r>
+            <a:r>
+              <a:rPr lang="zh-CN" altLang="en-US" sz="2200" dirty="0" smtClean="0">
+                <a:latin typeface="黑体" pitchFamily="49" charset="-122"/>
+                <a:ea typeface="黑体" pitchFamily="49" charset="-122"/>
+              </a:rPr>
+              <a:t>最小的边，将顶点</a:t>
+            </a:r>
+            <a:r>
+              <a:rPr lang="en-US" altLang="zh-CN" sz="2200" dirty="0" smtClean="0">
+                <a:latin typeface="黑体" pitchFamily="49" charset="-122"/>
+                <a:ea typeface="黑体" pitchFamily="49" charset="-122"/>
+              </a:rPr>
+              <a:t>j</a:t>
+            </a:r>
+            <a:r>
+              <a:rPr lang="zh-CN" altLang="en-US" sz="2200" dirty="0" smtClean="0">
+                <a:latin typeface="黑体" pitchFamily="49" charset="-122"/>
+                <a:ea typeface="黑体" pitchFamily="49" charset="-122"/>
+              </a:rPr>
+              <a:t>添加到</a:t>
+            </a:r>
+            <a:r>
+              <a:rPr lang="en-US" altLang="zh-CN" sz="2200" dirty="0" smtClean="0">
+                <a:latin typeface="黑体" pitchFamily="49" charset="-122"/>
+                <a:ea typeface="黑体" pitchFamily="49" charset="-122"/>
+              </a:rPr>
+              <a:t>S</a:t>
+            </a:r>
+            <a:r>
+              <a:rPr lang="zh-CN" altLang="en-US" sz="2200" dirty="0" smtClean="0">
+                <a:latin typeface="黑体" pitchFamily="49" charset="-122"/>
+                <a:ea typeface="黑体" pitchFamily="49" charset="-122"/>
+              </a:rPr>
+              <a:t>中。这个过程一直进行到</a:t>
+            </a:r>
+            <a:r>
+              <a:rPr lang="en-US" altLang="zh-CN" sz="2200" dirty="0" smtClean="0">
+                <a:latin typeface="黑体" pitchFamily="49" charset="-122"/>
+                <a:ea typeface="黑体" pitchFamily="49" charset="-122"/>
+              </a:rPr>
+              <a:t>S=V</a:t>
+            </a:r>
+            <a:r>
+              <a:rPr lang="zh-CN" altLang="en-US" sz="2200" dirty="0" smtClean="0">
+                <a:latin typeface="黑体" pitchFamily="49" charset="-122"/>
+                <a:ea typeface="黑体" pitchFamily="49" charset="-122"/>
+              </a:rPr>
+              <a:t>时为止。</a:t>
+            </a:r>
+            <a:endParaRPr lang="en-US" altLang="zh-CN" sz="2200" dirty="0" smtClean="0">
+              <a:latin typeface="黑体" pitchFamily="49" charset="-122"/>
+              <a:ea typeface="黑体" pitchFamily="49" charset="-122"/>
+            </a:endParaRPr>
+          </a:p>
+          <a:p>
+            <a:pPr algn="just">
+              <a:buNone/>
+            </a:pPr>
+            <a:endParaRPr lang="zh-CN" altLang="en-US" sz="2400" dirty="0" smtClean="0"/>
+          </a:p>
+          <a:p>
+            <a:pPr>
+              <a:lnSpc>
+                <a:spcPct val="90000"/>
+              </a:lnSpc>
+              <a:buFontTx/>
+              <a:buNone/>
+            </a:pPr>
+            <a:r>
+              <a:rPr lang="zh-CN" altLang="en-US" sz="2000" dirty="0" smtClean="0">
+                <a:latin typeface="楷体_GB2312" pitchFamily="49" charset="-122"/>
+                <a:ea typeface="楷体_GB2312" pitchFamily="49" charset="-122"/>
+              </a:rPr>
               <a:t>  </a:t>
             </a:r>
-            <a:endParaRPr lang="zh-CN" altLang="en-US" sz="2400" dirty="0" smtClean="0"/>
+            <a:r>
+              <a:rPr lang="zh-CN" altLang="en-US" sz="2400" dirty="0" smtClean="0">
+                <a:latin typeface="黑体" pitchFamily="49" charset="-122"/>
+                <a:ea typeface="黑体" pitchFamily="49" charset="-122"/>
+              </a:rPr>
+              <a:t> </a:t>
+            </a:r>
+            <a:endParaRPr lang="en-US" altLang="zh-CN" sz="2400" dirty="0" smtClean="0">
+              <a:latin typeface="黑体" pitchFamily="49" charset="-122"/>
+              <a:ea typeface="黑体" pitchFamily="49" charset="-122"/>
+            </a:endParaRPr>
+          </a:p>
+          <a:p>
+            <a:pPr>
+              <a:lnSpc>
+                <a:spcPct val="90000"/>
+              </a:lnSpc>
+              <a:buFontTx/>
+              <a:buNone/>
+            </a:pPr>
+            <a:r>
+              <a:rPr lang="en-US" altLang="zh-CN" sz="2400" dirty="0" smtClean="0">
+                <a:latin typeface="黑体" pitchFamily="49" charset="-122"/>
+                <a:ea typeface="黑体" pitchFamily="49" charset="-122"/>
+              </a:rPr>
+              <a:t>   </a:t>
+            </a:r>
+            <a:endParaRPr lang="zh-CN" altLang="en-US" dirty="0" smtClean="0"/>
+          </a:p>
+          <a:p>
+            <a:pPr lvl="1"/>
+            <a:endParaRPr lang="zh-CN" altLang="en-US" dirty="0" smtClean="0"/>
+          </a:p>
+        </p:txBody>
+      </p:sp>
+    </p:spTree>
+  </p:cSld>
+  <p:clrMapOvr>
+    <a:masterClrMapping/>
+  </p:clrMapOvr>
+  <p:timing>
+    <p:tnLst>
+      <p:par>
+        <p:cTn id="1" dur="indefinite" restart="never" nodeType="tmRoot"/>
+      </p:par>
+    </p:tnLst>
+  </p:timing>
+</p:sld>
+</file>
+
+<file path=ppt/slides/slide22.xml><?xml version="1.0" encoding="utf-8"?>
+<p:sld xmlns:a="http://schemas.openxmlformats.org/drawingml/2006/main" xmlns:r="http://schemas.openxmlformats.org/officeDocument/2006/relationships" xmlns:p="http://schemas.openxmlformats.org/presentationml/2006/main">
+  <p:cSld>
+    <p:spTree>
+      <p:nvGrpSpPr>
+        <p:cNvPr id="1" name=""/>
+        <p:cNvGrpSpPr/>
+        <p:nvPr/>
+      </p:nvGrpSpPr>
+      <p:grpSpPr>
+        <a:xfrm>
+          <a:off x="0" y="0"/>
+          <a:ext cx="0" cy="0"/>
+          <a:chOff x="0" y="0"/>
+          <a:chExt cx="0" cy="0"/>
+        </a:xfrm>
+      </p:grpSpPr>
+      <p:sp>
+        <p:nvSpPr>
+          <p:cNvPr id="4098" name="标题 1"/>
+          <p:cNvSpPr>
+            <a:spLocks noGrp="1"/>
+          </p:cNvSpPr>
+          <p:nvPr>
+            <p:ph type="title"/>
+          </p:nvPr>
+        </p:nvSpPr>
+        <p:spPr/>
+        <p:txBody>
+          <a:bodyPr/>
+          <a:lstStyle/>
+          <a:p>
+            <a:r>
+              <a:rPr lang="zh-CN" altLang="en-US" dirty="0" smtClean="0">
+                <a:ea typeface="宋体" pitchFamily="2" charset="-122"/>
+              </a:rPr>
+              <a:t>四、例题</a:t>
+            </a:r>
+          </a:p>
+        </p:txBody>
+      </p:sp>
+      <p:sp>
+        <p:nvSpPr>
+          <p:cNvPr id="4099" name="内容占位符 2"/>
+          <p:cNvSpPr>
+            <a:spLocks noGrp="1"/>
+          </p:cNvSpPr>
+          <p:nvPr>
+            <p:ph idx="1"/>
+          </p:nvPr>
+        </p:nvSpPr>
+        <p:spPr>
+          <a:xfrm>
+            <a:off x="457200" y="1076325"/>
+            <a:ext cx="8329642" cy="5248275"/>
+          </a:xfrm>
+        </p:spPr>
+        <p:txBody>
+          <a:bodyPr/>
+          <a:lstStyle/>
+          <a:p>
+            <a:pPr algn="just"/>
+            <a:r>
+              <a:rPr lang="zh-CN" altLang="en-US" sz="2600" dirty="0" smtClean="0"/>
+              <a:t>最小生成树问题</a:t>
+            </a:r>
+            <a:endParaRPr lang="en-US" altLang="zh-CN" sz="2600" dirty="0" smtClean="0"/>
+          </a:p>
+          <a:p>
+            <a:pPr algn="just">
+              <a:buNone/>
+            </a:pPr>
+            <a:r>
+              <a:rPr lang="zh-CN" altLang="en-US" sz="2400" dirty="0" smtClean="0"/>
+              <a:t>  </a:t>
+            </a:r>
           </a:p>
           <a:p>
             <a:pPr>
@@ -14446,7 +14580,7 @@
           <a:effectLst/>
           <a:extLst>
             <a:ext uri="{91240B29-F687-4F45-9708-019B960494DF}">
-              <a14:hiddenLine xmlns:a14="http://schemas.microsoft.com/office/drawing/2010/main" xmlns="" w="9525">
+              <a14:hiddenLine xmlns:a14="http://schemas.microsoft.com/office/drawing/2010/main" w="9525">
                 <a:solidFill>
                   <a:srgbClr val="000000"/>
                 </a:solidFill>
@@ -14456,7 +14590,7 @@
               </a14:hiddenLine>
             </a:ext>
             <a:ext uri="{AF507438-7753-43E0-B8FC-AC1667EBCBE1}">
-              <a14:hiddenEffects xmlns:a14="http://schemas.microsoft.com/office/drawing/2010/main" xmlns="">
+              <a14:hiddenEffects xmlns:a14="http://schemas.microsoft.com/office/drawing/2010/main">
                 <a:effectLst>
                   <a:outerShdw dist="35921" dir="2700000" algn="ctr" rotWithShape="0">
                     <a:schemeClr val="bg2"/>
@@ -14522,14 +14656,7 @@
                 <a:latin typeface="+mn-lt"/>
                 <a:ea typeface="+mn-ea"/>
               </a:rPr>
-              <a:t>对于右图中的带权图</a:t>
-            </a:r>
-            <a:r>
-              <a:rPr lang="zh-CN" altLang="en-US" sz="2400" kern="0" dirty="0" smtClean="0">
-                <a:latin typeface="+mn-lt"/>
-                <a:ea typeface="+mn-ea"/>
-              </a:rPr>
-              <a:t>， </a:t>
+              <a:t>对于右图中的带权图， </a:t>
             </a:r>
             <a:endParaRPr lang="en-US" altLang="zh-CN" sz="2400" kern="0" dirty="0" smtClean="0">
               <a:latin typeface="+mn-lt"/>
@@ -14561,14 +14688,7 @@
                 <a:latin typeface="+mn-lt"/>
                 <a:ea typeface="+mn-ea"/>
               </a:rPr>
-              <a:t> </a:t>
-            </a:r>
-            <a:r>
-              <a:rPr lang="en-US" altLang="zh-CN" sz="2400" kern="0" dirty="0" smtClean="0">
-                <a:latin typeface="+mn-lt"/>
-                <a:ea typeface="+mn-ea"/>
-              </a:rPr>
-              <a:t>    </a:t>
+              <a:t>     </a:t>
             </a:r>
             <a:r>
               <a:rPr lang="zh-CN" altLang="en-US" sz="2400" kern="0" dirty="0" smtClean="0">
@@ -14621,14 +14741,7 @@
                 <a:latin typeface="+mn-lt"/>
                 <a:ea typeface="+mn-ea"/>
               </a:rPr>
-              <a:t> </a:t>
-            </a:r>
-            <a:r>
-              <a:rPr lang="en-US" altLang="zh-CN" sz="2400" kern="0" dirty="0" smtClean="0">
-                <a:latin typeface="+mn-lt"/>
-                <a:ea typeface="+mn-ea"/>
-              </a:rPr>
-              <a:t>    </a:t>
+              <a:t>     </a:t>
             </a:r>
             <a:r>
               <a:rPr lang="zh-CN" altLang="en-US" sz="2400" kern="0" dirty="0" smtClean="0">
@@ -14659,7 +14772,7 @@
 </p:sld>
 </file>
 
-<file path=ppt/slides/slide22.xml><?xml version="1.0" encoding="utf-8"?>
+<file path=ppt/slides/slide23.xml><?xml version="1.0" encoding="utf-8"?>
 <p:sld xmlns:a="http://schemas.openxmlformats.org/drawingml/2006/main" xmlns:r="http://schemas.openxmlformats.org/officeDocument/2006/relationships" xmlns:p="http://schemas.openxmlformats.org/presentationml/2006/main">
   <p:cSld>
     <p:spTree>
@@ -14723,11 +14836,7 @@
             <a:pPr algn="just"/>
             <a:r>
               <a:rPr lang="zh-CN" altLang="en-US" sz="2600" dirty="0" smtClean="0"/>
-              <a:t>最小生成树</a:t>
-            </a:r>
-            <a:r>
-              <a:rPr lang="zh-CN" altLang="en-US" sz="2600" dirty="0" smtClean="0"/>
-              <a:t>问题</a:t>
+              <a:t>最小生成树问题</a:t>
             </a:r>
             <a:endParaRPr lang="en-US" altLang="zh-CN" sz="2600" dirty="0" smtClean="0"/>
           </a:p>
@@ -14739,7 +14848,6 @@
               <a:rPr lang="zh-CN" altLang="en-US" sz="2400" dirty="0" smtClean="0"/>
               <a:t>  </a:t>
             </a:r>
-            <a:endParaRPr lang="zh-CN" altLang="en-US" sz="2400" dirty="0" smtClean="0"/>
           </a:p>
           <a:p>
             <a:pPr>
@@ -14821,7 +14929,7 @@
           <a:effectLst/>
           <a:extLst>
             <a:ext uri="{91240B29-F687-4F45-9708-019B960494DF}">
-              <a14:hiddenLine xmlns:a14="http://schemas.microsoft.com/office/drawing/2010/main" xmlns="" w="9525">
+              <a14:hiddenLine xmlns:a14="http://schemas.microsoft.com/office/drawing/2010/main" w="9525">
                 <a:solidFill>
                   <a:srgbClr val="000000"/>
                 </a:solidFill>
@@ -14831,7 +14939,7 @@
               </a14:hiddenLine>
             </a:ext>
             <a:ext uri="{AF507438-7753-43E0-B8FC-AC1667EBCBE1}">
-              <a14:hiddenEffects xmlns:a14="http://schemas.microsoft.com/office/drawing/2010/main" xmlns="">
+              <a14:hiddenEffects xmlns:a14="http://schemas.microsoft.com/office/drawing/2010/main">
                 <a:effectLst>
                   <a:outerShdw dist="35921" dir="2700000" algn="ctr" rotWithShape="0">
                     <a:schemeClr val="bg2"/>
@@ -14884,255 +14992,6 @@
 </p:sld>
 </file>
 
-<file path=ppt/slides/slide23.xml><?xml version="1.0" encoding="utf-8"?>
-<p:sld xmlns:a="http://schemas.openxmlformats.org/drawingml/2006/main" xmlns:r="http://schemas.openxmlformats.org/officeDocument/2006/relationships" xmlns:p="http://schemas.openxmlformats.org/presentationml/2006/main">
-  <p:cSld>
-    <p:spTree>
-      <p:nvGrpSpPr>
-        <p:cNvPr id="1" name=""/>
-        <p:cNvGrpSpPr/>
-        <p:nvPr/>
-      </p:nvGrpSpPr>
-      <p:grpSpPr>
-        <a:xfrm>
-          <a:off x="0" y="0"/>
-          <a:ext cx="0" cy="0"/>
-          <a:chOff x="0" y="0"/>
-          <a:chExt cx="0" cy="0"/>
-        </a:xfrm>
-      </p:grpSpPr>
-      <p:sp>
-        <p:nvSpPr>
-          <p:cNvPr id="4098" name="标题 1"/>
-          <p:cNvSpPr>
-            <a:spLocks noGrp="1"/>
-          </p:cNvSpPr>
-          <p:nvPr>
-            <p:ph type="title"/>
-          </p:nvPr>
-        </p:nvSpPr>
-        <p:spPr/>
-        <p:txBody>
-          <a:bodyPr/>
-          <a:lstStyle/>
-          <a:p>
-            <a:r>
-              <a:rPr lang="zh-CN" altLang="en-US" dirty="0" smtClean="0">
-                <a:ea typeface="宋体" pitchFamily="2" charset="-122"/>
-              </a:rPr>
-              <a:t>四、例题</a:t>
-            </a:r>
-          </a:p>
-        </p:txBody>
-      </p:sp>
-      <p:sp>
-        <p:nvSpPr>
-          <p:cNvPr id="4099" name="内容占位符 2"/>
-          <p:cNvSpPr>
-            <a:spLocks noGrp="1"/>
-          </p:cNvSpPr>
-          <p:nvPr>
-            <p:ph idx="1"/>
-          </p:nvPr>
-        </p:nvSpPr>
-        <p:spPr>
-          <a:xfrm>
-            <a:off x="457200" y="1076325"/>
-            <a:ext cx="8686800" cy="5248275"/>
-          </a:xfrm>
-        </p:spPr>
-        <p:txBody>
-          <a:bodyPr/>
-          <a:lstStyle/>
-          <a:p>
-            <a:pPr algn="just"/>
-            <a:r>
-              <a:rPr lang="zh-CN" altLang="en-US" sz="2600" dirty="0" smtClean="0"/>
-              <a:t>最小生成树</a:t>
-            </a:r>
-            <a:r>
-              <a:rPr lang="zh-CN" altLang="en-US" sz="2600" dirty="0" smtClean="0"/>
-              <a:t>问题</a:t>
-            </a:r>
-            <a:endParaRPr lang="en-US" altLang="zh-CN" sz="2600" dirty="0" smtClean="0"/>
-          </a:p>
-          <a:p>
-            <a:pPr>
-              <a:buFontTx/>
-              <a:buNone/>
-            </a:pPr>
-            <a:r>
-              <a:rPr lang="zh-CN" altLang="en-US" sz="2600" dirty="0" smtClean="0"/>
-              <a:t>  在</a:t>
-            </a:r>
-            <a:r>
-              <a:rPr lang="en-US" altLang="zh-CN" sz="2600" dirty="0" smtClean="0"/>
-              <a:t>Prim</a:t>
-            </a:r>
-            <a:r>
-              <a:rPr lang="zh-CN" altLang="en-US" sz="2600" dirty="0" smtClean="0"/>
-              <a:t>算法中</a:t>
-            </a:r>
-            <a:r>
-              <a:rPr lang="zh-CN" altLang="en-US" sz="2600" dirty="0" smtClean="0"/>
-              <a:t>，如何</a:t>
-            </a:r>
-            <a:r>
-              <a:rPr lang="zh-CN" altLang="en-US" sz="2600" dirty="0" smtClean="0"/>
-              <a:t>有效地找出满足条件</a:t>
-            </a:r>
-            <a:r>
-              <a:rPr lang="en-US" altLang="zh-CN" sz="2600" dirty="0" err="1" smtClean="0"/>
-              <a:t>i</a:t>
-            </a:r>
-            <a:r>
-              <a:rPr lang="en-US" altLang="zh-CN" sz="2600" dirty="0" err="1" smtClean="0">
-                <a:sym typeface="Symbol" pitchFamily="18" charset="2"/>
-              </a:rPr>
-              <a:t></a:t>
-            </a:r>
-            <a:r>
-              <a:rPr lang="en-US" altLang="zh-CN" sz="2600" dirty="0" err="1" smtClean="0"/>
-              <a:t>S,j</a:t>
-            </a:r>
-            <a:r>
-              <a:rPr lang="en-US" altLang="zh-CN" sz="2600" dirty="0" err="1" smtClean="0">
-                <a:sym typeface="Symbol" pitchFamily="18" charset="2"/>
-              </a:rPr>
-              <a:t></a:t>
-            </a:r>
-            <a:r>
-              <a:rPr lang="en-US" altLang="zh-CN" sz="2600" dirty="0" err="1" smtClean="0"/>
-              <a:t>V</a:t>
-            </a:r>
-            <a:r>
-              <a:rPr lang="en-US" altLang="zh-CN" sz="2600" dirty="0" smtClean="0"/>
-              <a:t>-S</a:t>
-            </a:r>
-            <a:r>
-              <a:rPr lang="zh-CN" altLang="en-US" sz="2600" dirty="0" smtClean="0"/>
-              <a:t>，且权</a:t>
-            </a:r>
-            <a:r>
-              <a:rPr lang="en-US" altLang="zh-CN" sz="2600" dirty="0" smtClean="0"/>
-              <a:t>c[</a:t>
-            </a:r>
-            <a:r>
-              <a:rPr lang="en-US" altLang="zh-CN" sz="2600" dirty="0" err="1" smtClean="0"/>
-              <a:t>i</a:t>
-            </a:r>
-            <a:r>
-              <a:rPr lang="en-US" altLang="zh-CN" sz="2600" dirty="0" smtClean="0"/>
-              <a:t>][j]</a:t>
-            </a:r>
-            <a:r>
-              <a:rPr lang="zh-CN" altLang="en-US" sz="2600" dirty="0" smtClean="0"/>
-              <a:t>最小的边</a:t>
-            </a:r>
-            <a:r>
-              <a:rPr lang="en-US" altLang="zh-CN" sz="2600" dirty="0" smtClean="0"/>
-              <a:t>(</a:t>
-            </a:r>
-            <a:r>
-              <a:rPr lang="en-US" altLang="zh-CN" sz="2600" dirty="0" err="1" smtClean="0"/>
-              <a:t>i,j</a:t>
-            </a:r>
-            <a:r>
-              <a:rPr lang="en-US" altLang="zh-CN" sz="2600" dirty="0" smtClean="0"/>
-              <a:t>)</a:t>
-            </a:r>
-            <a:r>
-              <a:rPr lang="zh-CN" altLang="en-US" sz="2600" dirty="0" smtClean="0"/>
-              <a:t>？</a:t>
-            </a:r>
-            <a:endParaRPr lang="en-US" altLang="zh-CN" sz="2600" dirty="0" smtClean="0"/>
-          </a:p>
-          <a:p>
-            <a:pPr>
-              <a:buFontTx/>
-              <a:buNone/>
-            </a:pPr>
-            <a:r>
-              <a:rPr lang="zh-CN" altLang="en-US" sz="2600" dirty="0" smtClean="0"/>
-              <a:t>    </a:t>
-            </a:r>
-            <a:endParaRPr lang="en-US" altLang="zh-CN" sz="2600" dirty="0" smtClean="0"/>
-          </a:p>
-          <a:p>
-            <a:pPr algn="just">
-              <a:buNone/>
-            </a:pPr>
-            <a:r>
-              <a:rPr lang="zh-CN" altLang="en-US" sz="2400" dirty="0" smtClean="0"/>
-              <a:t>  </a:t>
-            </a:r>
-            <a:endParaRPr lang="zh-CN" altLang="en-US" sz="2400" dirty="0" smtClean="0"/>
-          </a:p>
-          <a:p>
-            <a:pPr>
-              <a:lnSpc>
-                <a:spcPct val="90000"/>
-              </a:lnSpc>
-              <a:buFontTx/>
-              <a:buNone/>
-            </a:pPr>
-            <a:r>
-              <a:rPr lang="zh-CN" altLang="en-US" sz="2000" dirty="0" smtClean="0">
-                <a:latin typeface="楷体_GB2312" pitchFamily="49" charset="-122"/>
-                <a:ea typeface="楷体_GB2312" pitchFamily="49" charset="-122"/>
-              </a:rPr>
-              <a:t>  </a:t>
-            </a:r>
-            <a:r>
-              <a:rPr lang="zh-CN" altLang="en-US" sz="2400" dirty="0" smtClean="0">
-                <a:latin typeface="黑体" pitchFamily="49" charset="-122"/>
-                <a:ea typeface="黑体" pitchFamily="49" charset="-122"/>
-              </a:rPr>
-              <a:t> </a:t>
-            </a:r>
-            <a:endParaRPr lang="en-US" altLang="zh-CN" sz="2400" dirty="0" smtClean="0">
-              <a:latin typeface="黑体" pitchFamily="49" charset="-122"/>
-              <a:ea typeface="黑体" pitchFamily="49" charset="-122"/>
-            </a:endParaRPr>
-          </a:p>
-          <a:p>
-            <a:pPr>
-              <a:lnSpc>
-                <a:spcPct val="90000"/>
-              </a:lnSpc>
-              <a:buFontTx/>
-              <a:buNone/>
-            </a:pPr>
-            <a:r>
-              <a:rPr lang="en-US" altLang="zh-CN" sz="2400" dirty="0" smtClean="0">
-                <a:latin typeface="黑体" pitchFamily="49" charset="-122"/>
-                <a:ea typeface="黑体" pitchFamily="49" charset="-122"/>
-              </a:rPr>
-              <a:t>   </a:t>
-            </a:r>
-            <a:endParaRPr lang="zh-CN" altLang="en-US" dirty="0" smtClean="0"/>
-          </a:p>
-          <a:p>
-            <a:pPr lvl="1"/>
-            <a:endParaRPr lang="zh-CN" altLang="en-US" dirty="0" smtClean="0"/>
-          </a:p>
-        </p:txBody>
-      </p:sp>
-    </p:spTree>
-  </p:cSld>
-  <p:clrMapOvr>
-    <a:masterClrMapping/>
-  </p:clrMapOvr>
-  <p:timing>
-    <p:tnLst>
-      <p:par>
-        <p:cTn id="1" dur="indefinite" restart="never" nodeType="tmRoot"/>
-      </p:par>
-    </p:tnLst>
-  </p:timing>
-</p:sld>
-</file>
-
 <file path=ppt/slides/slide24.xml><?xml version="1.0" encoding="utf-8"?>
 <p:sld xmlns:a="http://schemas.openxmlformats.org/drawingml/2006/main" xmlns:r="http://schemas.openxmlformats.org/officeDocument/2006/relationships" xmlns:p="http://schemas.openxmlformats.org/presentationml/2006/main">
   <p:cSld>
@@ -15197,11 +15056,7 @@
             <a:pPr algn="just"/>
             <a:r>
               <a:rPr lang="zh-CN" altLang="en-US" sz="2600" dirty="0" smtClean="0"/>
-              <a:t>最小生成树</a:t>
-            </a:r>
-            <a:r>
-              <a:rPr lang="zh-CN" altLang="en-US" sz="2600" dirty="0" smtClean="0"/>
-              <a:t>问题</a:t>
+              <a:t>最小生成树问题</a:t>
             </a:r>
             <a:endParaRPr lang="en-US" altLang="zh-CN" sz="2600" dirty="0" smtClean="0"/>
           </a:p>
@@ -15220,15 +15075,7 @@
             </a:r>
             <a:r>
               <a:rPr lang="zh-CN" altLang="en-US" sz="2600" dirty="0" smtClean="0"/>
-              <a:t>算法中</a:t>
-            </a:r>
-            <a:r>
-              <a:rPr lang="zh-CN" altLang="en-US" sz="2600" dirty="0" smtClean="0"/>
-              <a:t>，如何</a:t>
-            </a:r>
-            <a:r>
-              <a:rPr lang="zh-CN" altLang="en-US" sz="2600" dirty="0" smtClean="0"/>
-              <a:t>有效地找出满足条件</a:t>
+              <a:t>算法中，如何有效地找出满足条件</a:t>
             </a:r>
             <a:r>
               <a:rPr lang="en-US" altLang="zh-CN" sz="2600" dirty="0" err="1" smtClean="0"/>
@@ -15315,7 +15162,6 @@
               <a:rPr lang="zh-CN" altLang="en-US" sz="2400" dirty="0" smtClean="0"/>
               <a:t>  </a:t>
             </a:r>
-            <a:endParaRPr lang="zh-CN" altLang="en-US" sz="2400" dirty="0" smtClean="0"/>
           </a:p>
           <a:p>
             <a:pPr>
@@ -15364,182 +15210,6 @@
           <a:p>
             <a:pPr lvl="1"/>
             <a:endParaRPr lang="zh-CN" altLang="en-US" dirty="0" smtClean="0"/>
-          </a:p>
-        </p:txBody>
-      </p:sp>
-      <p:sp>
-        <p:nvSpPr>
-          <p:cNvPr id="8" name="TextBox 7"/>
-          <p:cNvSpPr txBox="1"/>
-          <p:nvPr/>
-        </p:nvSpPr>
-        <p:spPr>
-          <a:xfrm>
-            <a:off x="785786" y="2694571"/>
-            <a:ext cx="7858180" cy="1877437"/>
-          </a:xfrm>
-          <a:prstGeom prst="rect">
-            <a:avLst/>
-          </a:prstGeom>
-          <a:noFill/>
-        </p:spPr>
-        <p:txBody>
-          <a:bodyPr wrap="square" rtlCol="0">
-            <a:spAutoFit/>
-          </a:bodyPr>
-          <a:lstStyle/>
-          <a:p>
-            <a:pPr>
-              <a:buFontTx/>
-              <a:buNone/>
-            </a:pPr>
-            <a:r>
-              <a:rPr lang="zh-CN" altLang="en-US" sz="2400" dirty="0" smtClean="0">
-                <a:solidFill>
-                  <a:srgbClr val="FF0000"/>
-                </a:solidFill>
-              </a:rPr>
-              <a:t>较简单的</a:t>
-            </a:r>
-            <a:r>
-              <a:rPr lang="zh-CN" altLang="en-US" sz="2400" dirty="0" smtClean="0">
-                <a:solidFill>
-                  <a:srgbClr val="FF0000"/>
-                </a:solidFill>
-              </a:rPr>
-              <a:t>办法：</a:t>
-            </a:r>
-            <a:r>
-              <a:rPr lang="zh-CN" altLang="en-US" sz="2400" dirty="0" smtClean="0"/>
-              <a:t>设置</a:t>
-            </a:r>
-            <a:r>
-              <a:rPr lang="en-US" altLang="zh-CN" sz="2400" dirty="0" smtClean="0"/>
-              <a:t>2</a:t>
-            </a:r>
-            <a:r>
-              <a:rPr lang="zh-CN" altLang="en-US" sz="2400" dirty="0" smtClean="0"/>
-              <a:t>个数组</a:t>
-            </a:r>
-            <a:r>
-              <a:rPr lang="en-US" altLang="zh-CN" sz="2400" dirty="0" smtClean="0"/>
-              <a:t>closest</a:t>
-            </a:r>
-            <a:r>
-              <a:rPr lang="zh-CN" altLang="en-US" sz="2400" dirty="0" smtClean="0"/>
-              <a:t>和</a:t>
-            </a:r>
-            <a:r>
-              <a:rPr lang="en-US" altLang="zh-CN" sz="2400" dirty="0" err="1" smtClean="0"/>
-              <a:t>lowcost</a:t>
-            </a:r>
-            <a:r>
-              <a:rPr lang="zh-CN" altLang="en-US" sz="2400" dirty="0" smtClean="0"/>
-              <a:t>。在算法</a:t>
-            </a:r>
-            <a:r>
-              <a:rPr lang="zh-CN" altLang="en-US" sz="2400" dirty="0" smtClean="0"/>
-              <a:t>执行过程中，先找出</a:t>
-            </a:r>
-            <a:r>
-              <a:rPr lang="en-US" altLang="zh-CN" sz="2400" dirty="0" smtClean="0"/>
-              <a:t>V-S</a:t>
-            </a:r>
-            <a:r>
-              <a:rPr lang="zh-CN" altLang="en-US" sz="2400" dirty="0" smtClean="0"/>
-              <a:t>中使</a:t>
-            </a:r>
-            <a:r>
-              <a:rPr lang="en-US" altLang="zh-CN" sz="2400" dirty="0" err="1" smtClean="0"/>
-              <a:t>lowcost</a:t>
-            </a:r>
-            <a:r>
-              <a:rPr lang="zh-CN" altLang="en-US" sz="2400" dirty="0" smtClean="0"/>
-              <a:t>值最小的顶点</a:t>
-            </a:r>
-            <a:r>
-              <a:rPr lang="en-US" altLang="zh-CN" sz="2400" dirty="0" smtClean="0"/>
-              <a:t>j</a:t>
-            </a:r>
-            <a:r>
-              <a:rPr lang="zh-CN" altLang="en-US" sz="2400" dirty="0" smtClean="0"/>
-              <a:t>，然后根据数组</a:t>
-            </a:r>
-            <a:r>
-              <a:rPr lang="en-US" altLang="zh-CN" sz="2400" dirty="0" smtClean="0"/>
-              <a:t>closest</a:t>
-            </a:r>
-            <a:r>
-              <a:rPr lang="zh-CN" altLang="en-US" sz="2400" dirty="0" smtClean="0"/>
-              <a:t>选取边</a:t>
-            </a:r>
-            <a:r>
-              <a:rPr lang="en-US" altLang="zh-CN" sz="2400" dirty="0" smtClean="0"/>
-              <a:t>(</a:t>
-            </a:r>
-            <a:r>
-              <a:rPr lang="en-US" altLang="zh-CN" sz="2400" dirty="0" err="1" smtClean="0"/>
-              <a:t>j,closest</a:t>
-            </a:r>
-            <a:r>
-              <a:rPr lang="en-US" altLang="zh-CN" sz="2400" dirty="0" smtClean="0"/>
-              <a:t>[j</a:t>
-            </a:r>
-            <a:r>
-              <a:rPr lang="zh-CN" altLang="en-US" sz="2400" dirty="0" smtClean="0"/>
-              <a:t>］</a:t>
-            </a:r>
-            <a:r>
-              <a:rPr lang="en-US" altLang="zh-CN" sz="2400" dirty="0" smtClean="0"/>
-              <a:t>)</a:t>
-            </a:r>
-            <a:r>
-              <a:rPr lang="zh-CN" altLang="en-US" sz="2400" dirty="0" smtClean="0"/>
-              <a:t>，最后将</a:t>
-            </a:r>
-            <a:r>
-              <a:rPr lang="en-US" altLang="zh-CN" sz="2400" dirty="0" smtClean="0"/>
-              <a:t>j</a:t>
-            </a:r>
-            <a:r>
-              <a:rPr lang="zh-CN" altLang="en-US" sz="2400" dirty="0" smtClean="0"/>
-              <a:t>添加到</a:t>
-            </a:r>
-            <a:r>
-              <a:rPr lang="en-US" altLang="zh-CN" sz="2400" dirty="0" smtClean="0"/>
-              <a:t>S</a:t>
-            </a:r>
-            <a:r>
-              <a:rPr lang="zh-CN" altLang="en-US" sz="2400" dirty="0" smtClean="0"/>
-              <a:t>中，并对</a:t>
-            </a:r>
-            <a:r>
-              <a:rPr lang="en-US" altLang="zh-CN" sz="2400" dirty="0" smtClean="0"/>
-              <a:t>closest</a:t>
-            </a:r>
-            <a:r>
-              <a:rPr lang="zh-CN" altLang="en-US" sz="2400" dirty="0" smtClean="0"/>
-              <a:t>和</a:t>
-            </a:r>
-            <a:r>
-              <a:rPr lang="en-US" altLang="zh-CN" sz="2400" dirty="0" err="1" smtClean="0"/>
-              <a:t>lowcost</a:t>
-            </a:r>
-            <a:r>
-              <a:rPr lang="zh-CN" altLang="en-US" sz="2400" dirty="0" smtClean="0"/>
-              <a:t>作必要的修改。</a:t>
-            </a:r>
-          </a:p>
-          <a:p>
-            <a:pPr>
-              <a:buFontTx/>
-              <a:buNone/>
-            </a:pPr>
-            <a:r>
-              <a:rPr lang="zh-CN" altLang="en-US" sz="2000" dirty="0" smtClean="0"/>
-              <a:t>		</a:t>
-            </a:r>
-            <a:endParaRPr lang="zh-CN" altLang="en-US" sz="2000" dirty="0"/>
           </a:p>
         </p:txBody>
       </p:sp>
@@ -15622,11 +15292,7 @@
             <a:pPr algn="just"/>
             <a:r>
               <a:rPr lang="zh-CN" altLang="en-US" sz="2600" dirty="0" smtClean="0"/>
-              <a:t>最小生成树</a:t>
-            </a:r>
-            <a:r>
-              <a:rPr lang="zh-CN" altLang="en-US" sz="2600" dirty="0" smtClean="0"/>
-              <a:t>问题</a:t>
+              <a:t>最小生成树问题</a:t>
             </a:r>
             <a:endParaRPr lang="en-US" altLang="zh-CN" sz="2600" dirty="0" smtClean="0"/>
           </a:p>
@@ -15645,15 +15311,7 @@
             </a:r>
             <a:r>
               <a:rPr lang="zh-CN" altLang="en-US" sz="2600" dirty="0" smtClean="0"/>
-              <a:t>算法中</a:t>
-            </a:r>
-            <a:r>
-              <a:rPr lang="zh-CN" altLang="en-US" sz="2600" dirty="0" smtClean="0"/>
-              <a:t>，如何</a:t>
-            </a:r>
-            <a:r>
-              <a:rPr lang="zh-CN" altLang="en-US" sz="2600" dirty="0" smtClean="0"/>
-              <a:t>有效地找出满足条件</a:t>
+              <a:t>算法中，如何有效地找出满足条件</a:t>
             </a:r>
             <a:r>
               <a:rPr lang="en-US" altLang="zh-CN" sz="2600" dirty="0" err="1" smtClean="0"/>
@@ -15740,7 +15398,6 @@
               <a:rPr lang="zh-CN" altLang="en-US" sz="2400" dirty="0" smtClean="0"/>
               <a:t>  </a:t>
             </a:r>
-            <a:endParaRPr lang="zh-CN" altLang="en-US" sz="2400" dirty="0" smtClean="0"/>
           </a:p>
           <a:p>
             <a:pPr>
@@ -15801,7 +15458,7 @@
         <p:spPr>
           <a:xfrm>
             <a:off x="785786" y="2694571"/>
-            <a:ext cx="7858180" cy="2616101"/>
+            <a:ext cx="7858180" cy="1877437"/>
           </a:xfrm>
           <a:prstGeom prst="rect">
             <a:avLst/>
@@ -15824,15 +15481,7 @@
                   <a:srgbClr val="FF0000"/>
                 </a:solidFill>
               </a:rPr>
-              <a:t>较简单的</a:t>
-            </a:r>
-            <a:r>
-              <a:rPr lang="zh-CN" altLang="en-US" sz="2400" dirty="0" smtClean="0">
-                <a:solidFill>
-                  <a:srgbClr val="FF0000"/>
-                </a:solidFill>
-              </a:rPr>
-              <a:t>办法：</a:t>
+              <a:t>较简单的办法：</a:t>
             </a:r>
             <a:r>
               <a:rPr lang="zh-CN" altLang="en-US" sz="2400" dirty="0" smtClean="0"/>
@@ -15860,11 +15509,7 @@
             </a:r>
             <a:r>
               <a:rPr lang="zh-CN" altLang="en-US" sz="2400" dirty="0" smtClean="0"/>
-              <a:t>。在算法</a:t>
-            </a:r>
-            <a:r>
-              <a:rPr lang="zh-CN" altLang="en-US" sz="2400" dirty="0" smtClean="0"/>
-              <a:t>执行过程中，先找出</a:t>
+              <a:t>。在算法执行过程中，先找出</a:t>
             </a:r>
             <a:r>
               <a:rPr lang="en-US" altLang="zh-CN" sz="2400" dirty="0" smtClean="0"/>
@@ -15952,45 +15597,14 @@
             </a:r>
             <a:r>
               <a:rPr lang="zh-CN" altLang="en-US" sz="2400" dirty="0" smtClean="0"/>
-              <a:t>作必要的修改</a:t>
-            </a:r>
-            <a:r>
-              <a:rPr lang="zh-CN" altLang="en-US" sz="2400" dirty="0" smtClean="0"/>
-              <a:t>。</a:t>
-            </a:r>
-            <a:endParaRPr lang="en-US" altLang="zh-CN" sz="2400" dirty="0" smtClean="0"/>
+              <a:t>作必要的修改。</a:t>
+            </a:r>
           </a:p>
           <a:p>
             <a:pPr>
               <a:buFontTx/>
               <a:buNone/>
             </a:pPr>
-            <a:endParaRPr lang="en-US" altLang="zh-CN" sz="2400" dirty="0" smtClean="0"/>
-          </a:p>
-          <a:p>
-            <a:pPr>
-              <a:buFontTx/>
-              <a:buNone/>
-            </a:pPr>
-            <a:r>
-              <a:rPr lang="zh-CN" altLang="en-US" sz="2400" dirty="0" smtClean="0"/>
-              <a:t>上述方法实现</a:t>
-            </a:r>
-            <a:r>
-              <a:rPr lang="en-US" altLang="zh-CN" sz="2400" dirty="0" smtClean="0"/>
-              <a:t>Prim</a:t>
-            </a:r>
-            <a:r>
-              <a:rPr lang="zh-CN" altLang="en-US" sz="2400" dirty="0" smtClean="0"/>
-              <a:t>算法的时间复杂度为         。</a:t>
-            </a:r>
-            <a:endParaRPr lang="zh-CN" altLang="en-US" sz="2400" dirty="0" smtClean="0"/>
-          </a:p>
-          <a:p>
-            <a:pPr>
-              <a:buFontTx/>
-              <a:buNone/>
-            </a:pPr>
             <a:r>
               <a:rPr lang="zh-CN" altLang="en-US" sz="2000" dirty="0" smtClean="0"/>
               <a:t>		</a:t>
@@ -15999,26 +15613,6 @@
           </a:p>
         </p:txBody>
       </p:sp>
-      <p:graphicFrame>
-        <p:nvGraphicFramePr>
-          <p:cNvPr id="59394" name="Object 2"/>
-          <p:cNvGraphicFramePr>
-            <a:graphicFrameLocks noChangeAspect="1"/>
-          </p:cNvGraphicFramePr>
-          <p:nvPr/>
-        </p:nvGraphicFramePr>
-        <p:xfrm>
-          <a:off x="6000760" y="4547188"/>
-          <a:ext cx="833464" cy="453448"/>
-        </p:xfrm>
-        <a:graphic>
-          <a:graphicData uri="http://schemas.openxmlformats.org/presentationml/2006/ole">
-            <p:oleObj spid="_x0000_s59394" name="Equation" r:id="rId3" imgW="419417" imgH="228917" progId="Equation.DSMT4">
-              <p:embed/>
-            </p:oleObj>
-          </a:graphicData>
-        </a:graphic>
-      </p:graphicFrame>
     </p:spTree>
   </p:cSld>
   <p:clrMapOvr>
@@ -16070,11 +15664,504 @@
               <a:rPr lang="zh-CN" altLang="en-US" dirty="0" smtClean="0">
                 <a:ea typeface="宋体" pitchFamily="2" charset="-122"/>
               </a:rPr>
+              <a:t>四、例题</a:t>
+            </a:r>
+          </a:p>
+        </p:txBody>
+      </p:sp>
+      <p:sp>
+        <p:nvSpPr>
+          <p:cNvPr id="4099" name="内容占位符 2"/>
+          <p:cNvSpPr>
+            <a:spLocks noGrp="1"/>
+          </p:cNvSpPr>
+          <p:nvPr>
+            <p:ph idx="1"/>
+          </p:nvPr>
+        </p:nvSpPr>
+        <p:spPr>
+          <a:xfrm>
+            <a:off x="457200" y="1076325"/>
+            <a:ext cx="8686800" cy="5248275"/>
+          </a:xfrm>
+        </p:spPr>
+        <p:txBody>
+          <a:bodyPr/>
+          <a:lstStyle/>
+          <a:p>
+            <a:pPr algn="just"/>
+            <a:r>
+              <a:rPr lang="zh-CN" altLang="en-US" sz="2600" dirty="0" smtClean="0"/>
+              <a:t>最小生成树问题</a:t>
+            </a:r>
+            <a:endParaRPr lang="en-US" altLang="zh-CN" sz="2600" dirty="0" smtClean="0"/>
+          </a:p>
+          <a:p>
+            <a:pPr>
+              <a:buFontTx/>
+              <a:buNone/>
+            </a:pPr>
+            <a:r>
+              <a:rPr lang="zh-CN" altLang="en-US" sz="2600" dirty="0" smtClean="0"/>
+              <a:t>  在</a:t>
+            </a:r>
+            <a:r>
+              <a:rPr lang="en-US" altLang="zh-CN" sz="2600" dirty="0" smtClean="0"/>
+              <a:t>Prim</a:t>
+            </a:r>
+            <a:r>
+              <a:rPr lang="zh-CN" altLang="en-US" sz="2600" dirty="0" smtClean="0"/>
+              <a:t>算法中，如何有效地找出满足条件</a:t>
+            </a:r>
+            <a:r>
+              <a:rPr lang="en-US" altLang="zh-CN" sz="2600" dirty="0" err="1" smtClean="0"/>
+              <a:t>i</a:t>
+            </a:r>
+            <a:r>
+              <a:rPr lang="en-US" altLang="zh-CN" sz="2600" dirty="0" err="1" smtClean="0">
+                <a:sym typeface="Symbol" pitchFamily="18" charset="2"/>
+              </a:rPr>
+              <a:t></a:t>
+            </a:r>
+            <a:r>
+              <a:rPr lang="en-US" altLang="zh-CN" sz="2600" dirty="0" err="1" smtClean="0"/>
+              <a:t>S,j</a:t>
+            </a:r>
+            <a:r>
+              <a:rPr lang="en-US" altLang="zh-CN" sz="2600" dirty="0" err="1" smtClean="0">
+                <a:sym typeface="Symbol" pitchFamily="18" charset="2"/>
+              </a:rPr>
+              <a:t></a:t>
+            </a:r>
+            <a:r>
+              <a:rPr lang="en-US" altLang="zh-CN" sz="2600" dirty="0" err="1" smtClean="0"/>
+              <a:t>V</a:t>
+            </a:r>
+            <a:r>
+              <a:rPr lang="en-US" altLang="zh-CN" sz="2600" dirty="0" smtClean="0"/>
+              <a:t>-S</a:t>
+            </a:r>
+            <a:r>
+              <a:rPr lang="zh-CN" altLang="en-US" sz="2600" dirty="0" smtClean="0"/>
+              <a:t>，且权</a:t>
+            </a:r>
+            <a:r>
+              <a:rPr lang="en-US" altLang="zh-CN" sz="2600" dirty="0" smtClean="0"/>
+              <a:t>c[</a:t>
+            </a:r>
+            <a:r>
+              <a:rPr lang="en-US" altLang="zh-CN" sz="2600" dirty="0" err="1" smtClean="0"/>
+              <a:t>i</a:t>
+            </a:r>
+            <a:r>
+              <a:rPr lang="en-US" altLang="zh-CN" sz="2600" dirty="0" smtClean="0"/>
+              <a:t>][j]</a:t>
+            </a:r>
+            <a:r>
+              <a:rPr lang="zh-CN" altLang="en-US" sz="2600" dirty="0" smtClean="0"/>
+              <a:t>最小的边</a:t>
+            </a:r>
+            <a:r>
+              <a:rPr lang="en-US" altLang="zh-CN" sz="2600" dirty="0" smtClean="0"/>
+              <a:t>(</a:t>
+            </a:r>
+            <a:r>
+              <a:rPr lang="en-US" altLang="zh-CN" sz="2600" dirty="0" err="1" smtClean="0"/>
+              <a:t>i,j</a:t>
+            </a:r>
+            <a:r>
+              <a:rPr lang="en-US" altLang="zh-CN" sz="2600" dirty="0" smtClean="0"/>
+              <a:t>)</a:t>
+            </a:r>
+            <a:r>
+              <a:rPr lang="zh-CN" altLang="en-US" sz="2600" dirty="0" smtClean="0"/>
+              <a:t>？</a:t>
+            </a:r>
+            <a:endParaRPr lang="en-US" altLang="zh-CN" sz="2600" dirty="0" smtClean="0"/>
+          </a:p>
+          <a:p>
+            <a:pPr>
+              <a:buFontTx/>
+              <a:buNone/>
+            </a:pPr>
+            <a:r>
+              <a:rPr lang="zh-CN" altLang="en-US" sz="2600" dirty="0" smtClean="0"/>
+              <a:t>    </a:t>
+            </a:r>
+            <a:endParaRPr lang="en-US" altLang="zh-CN" sz="2600" dirty="0" smtClean="0"/>
+          </a:p>
+          <a:p>
+            <a:pPr algn="just">
+              <a:buNone/>
+            </a:pPr>
+            <a:r>
+              <a:rPr lang="zh-CN" altLang="en-US" sz="2400" dirty="0" smtClean="0"/>
+              <a:t>  </a:t>
+            </a:r>
+          </a:p>
+          <a:p>
+            <a:pPr>
+              <a:lnSpc>
+                <a:spcPct val="90000"/>
+              </a:lnSpc>
+              <a:buFontTx/>
+              <a:buNone/>
+            </a:pPr>
+            <a:r>
+              <a:rPr lang="zh-CN" altLang="en-US" sz="2000" dirty="0" smtClean="0">
+                <a:latin typeface="楷体_GB2312" pitchFamily="49" charset="-122"/>
+                <a:ea typeface="楷体_GB2312" pitchFamily="49" charset="-122"/>
+              </a:rPr>
+              <a:t>  </a:t>
+            </a:r>
+            <a:r>
+              <a:rPr lang="zh-CN" altLang="en-US" sz="2400" dirty="0" smtClean="0">
+                <a:latin typeface="黑体" pitchFamily="49" charset="-122"/>
+                <a:ea typeface="黑体" pitchFamily="49" charset="-122"/>
+              </a:rPr>
+              <a:t> </a:t>
+            </a:r>
+            <a:endParaRPr lang="en-US" altLang="zh-CN" sz="2400" dirty="0" smtClean="0">
+              <a:latin typeface="黑体" pitchFamily="49" charset="-122"/>
+              <a:ea typeface="黑体" pitchFamily="49" charset="-122"/>
+            </a:endParaRPr>
+          </a:p>
+          <a:p>
+            <a:pPr>
+              <a:lnSpc>
+                <a:spcPct val="90000"/>
+              </a:lnSpc>
+              <a:buFontTx/>
+              <a:buNone/>
+            </a:pPr>
+            <a:r>
+              <a:rPr lang="en-US" altLang="zh-CN" sz="2400" dirty="0" smtClean="0">
+                <a:latin typeface="黑体" pitchFamily="49" charset="-122"/>
+                <a:ea typeface="黑体" pitchFamily="49" charset="-122"/>
+              </a:rPr>
+              <a:t>   </a:t>
+            </a:r>
+            <a:endParaRPr lang="zh-CN" altLang="en-US" dirty="0" smtClean="0"/>
+          </a:p>
+          <a:p>
+            <a:pPr lvl="1"/>
+            <a:endParaRPr lang="zh-CN" altLang="en-US" dirty="0" smtClean="0"/>
+          </a:p>
+        </p:txBody>
+      </p:sp>
+      <p:sp>
+        <p:nvSpPr>
+          <p:cNvPr id="8" name="TextBox 7"/>
+          <p:cNvSpPr txBox="1"/>
+          <p:nvPr/>
+        </p:nvSpPr>
+        <p:spPr>
+          <a:xfrm>
+            <a:off x="785786" y="2694571"/>
+            <a:ext cx="7858180" cy="2616101"/>
+          </a:xfrm>
+          <a:prstGeom prst="rect">
+            <a:avLst/>
+          </a:prstGeom>
+          <a:noFill/>
+        </p:spPr>
+        <p:txBody>
+          <a:bodyPr wrap="square" rtlCol="0">
+            <a:spAutoFit/>
+          </a:bodyPr>
+          <a:lstStyle/>
+          <a:p>
+            <a:pPr>
+              <a:buFontTx/>
+              <a:buNone/>
+            </a:pPr>
+            <a:r>
+              <a:rPr lang="zh-CN" altLang="en-US" sz="2400" dirty="0" smtClean="0">
+                <a:solidFill>
+                  <a:srgbClr val="FF0000"/>
+                </a:solidFill>
+              </a:rPr>
+              <a:t>较简单的办法：</a:t>
+            </a:r>
+            <a:r>
+              <a:rPr lang="zh-CN" altLang="en-US" sz="2400" dirty="0" smtClean="0"/>
+              <a:t>设置</a:t>
+            </a:r>
+            <a:r>
+              <a:rPr lang="en-US" altLang="zh-CN" sz="2400" dirty="0" smtClean="0"/>
+              <a:t>2</a:t>
+            </a:r>
+            <a:r>
+              <a:rPr lang="zh-CN" altLang="en-US" sz="2400" dirty="0" smtClean="0"/>
+              <a:t>个数组</a:t>
+            </a:r>
+            <a:r>
+              <a:rPr lang="en-US" altLang="zh-CN" sz="2400" dirty="0" smtClean="0"/>
+              <a:t>closest</a:t>
+            </a:r>
+            <a:r>
+              <a:rPr lang="zh-CN" altLang="en-US" sz="2400" dirty="0" smtClean="0"/>
+              <a:t>和</a:t>
+            </a:r>
+            <a:r>
+              <a:rPr lang="en-US" altLang="zh-CN" sz="2400" dirty="0" err="1" smtClean="0"/>
+              <a:t>lowcost</a:t>
+            </a:r>
+            <a:r>
+              <a:rPr lang="zh-CN" altLang="en-US" sz="2400" dirty="0" smtClean="0"/>
+              <a:t>。在算法执行过程中，先找出</a:t>
+            </a:r>
+            <a:r>
+              <a:rPr lang="en-US" altLang="zh-CN" sz="2400" dirty="0" smtClean="0"/>
+              <a:t>V-S</a:t>
+            </a:r>
+            <a:r>
+              <a:rPr lang="zh-CN" altLang="en-US" sz="2400" dirty="0" smtClean="0"/>
+              <a:t>中使</a:t>
+            </a:r>
+            <a:r>
+              <a:rPr lang="en-US" altLang="zh-CN" sz="2400" dirty="0" err="1" smtClean="0"/>
+              <a:t>lowcost</a:t>
+            </a:r>
+            <a:r>
+              <a:rPr lang="zh-CN" altLang="en-US" sz="2400" dirty="0" smtClean="0"/>
+              <a:t>值最小的顶点</a:t>
+            </a:r>
+            <a:r>
+              <a:rPr lang="en-US" altLang="zh-CN" sz="2400" dirty="0" smtClean="0"/>
+              <a:t>j</a:t>
+            </a:r>
+            <a:r>
+              <a:rPr lang="zh-CN" altLang="en-US" sz="2400" dirty="0" smtClean="0"/>
+              <a:t>，然后根据数组</a:t>
+            </a:r>
+            <a:r>
+              <a:rPr lang="en-US" altLang="zh-CN" sz="2400" dirty="0" smtClean="0"/>
+              <a:t>closest</a:t>
+            </a:r>
+            <a:r>
+              <a:rPr lang="zh-CN" altLang="en-US" sz="2400" dirty="0" smtClean="0"/>
+              <a:t>选取边</a:t>
+            </a:r>
+            <a:r>
+              <a:rPr lang="en-US" altLang="zh-CN" sz="2400" dirty="0" smtClean="0"/>
+              <a:t>(</a:t>
+            </a:r>
+            <a:r>
+              <a:rPr lang="en-US" altLang="zh-CN" sz="2400" dirty="0" err="1" smtClean="0"/>
+              <a:t>j,closest</a:t>
+            </a:r>
+            <a:r>
+              <a:rPr lang="en-US" altLang="zh-CN" sz="2400" dirty="0" smtClean="0"/>
+              <a:t>[j</a:t>
+            </a:r>
+            <a:r>
+              <a:rPr lang="zh-CN" altLang="en-US" sz="2400" dirty="0" smtClean="0"/>
+              <a:t>］</a:t>
+            </a:r>
+            <a:r>
+              <a:rPr lang="en-US" altLang="zh-CN" sz="2400" dirty="0" smtClean="0"/>
+              <a:t>)</a:t>
+            </a:r>
+            <a:r>
+              <a:rPr lang="zh-CN" altLang="en-US" sz="2400" dirty="0" smtClean="0"/>
+              <a:t>，最后将</a:t>
+            </a:r>
+            <a:r>
+              <a:rPr lang="en-US" altLang="zh-CN" sz="2400" dirty="0" smtClean="0"/>
+              <a:t>j</a:t>
+            </a:r>
+            <a:r>
+              <a:rPr lang="zh-CN" altLang="en-US" sz="2400" dirty="0" smtClean="0"/>
+              <a:t>添加到</a:t>
+            </a:r>
+            <a:r>
+              <a:rPr lang="en-US" altLang="zh-CN" sz="2400" dirty="0" smtClean="0"/>
+              <a:t>S</a:t>
+            </a:r>
+            <a:r>
+              <a:rPr lang="zh-CN" altLang="en-US" sz="2400" dirty="0" smtClean="0"/>
+              <a:t>中，并对</a:t>
+            </a:r>
+            <a:r>
+              <a:rPr lang="en-US" altLang="zh-CN" sz="2400" dirty="0" smtClean="0"/>
+              <a:t>closest</a:t>
+            </a:r>
+            <a:r>
+              <a:rPr lang="zh-CN" altLang="en-US" sz="2400" dirty="0" smtClean="0"/>
+              <a:t>和</a:t>
+            </a:r>
+            <a:r>
+              <a:rPr lang="en-US" altLang="zh-CN" sz="2400" dirty="0" err="1" smtClean="0"/>
+              <a:t>lowcost</a:t>
+            </a:r>
+            <a:r>
+              <a:rPr lang="zh-CN" altLang="en-US" sz="2400" dirty="0" smtClean="0"/>
+              <a:t>作必要的修改。</a:t>
+            </a:r>
+            <a:endParaRPr lang="en-US" altLang="zh-CN" sz="2400" dirty="0" smtClean="0"/>
+          </a:p>
+          <a:p>
+            <a:pPr>
+              <a:buFontTx/>
+              <a:buNone/>
+            </a:pPr>
+            <a:endParaRPr lang="en-US" altLang="zh-CN" sz="2400" dirty="0" smtClean="0"/>
+          </a:p>
+          <a:p>
+            <a:pPr>
+              <a:buFontTx/>
+              <a:buNone/>
+            </a:pPr>
+            <a:r>
+              <a:rPr lang="zh-CN" altLang="en-US" sz="2400" dirty="0" smtClean="0"/>
+              <a:t>上述方法实现</a:t>
+            </a:r>
+            <a:r>
+              <a:rPr lang="en-US" altLang="zh-CN" sz="2400" dirty="0" smtClean="0"/>
+              <a:t>Prim</a:t>
+            </a:r>
+            <a:r>
+              <a:rPr lang="zh-CN" altLang="en-US" sz="2400" dirty="0" smtClean="0"/>
+              <a:t>算法的时间复杂度为         。</a:t>
+            </a:r>
+          </a:p>
+          <a:p>
+            <a:pPr>
+              <a:buFontTx/>
+              <a:buNone/>
+            </a:pPr>
+            <a:r>
+              <a:rPr lang="zh-CN" altLang="en-US" sz="2000" dirty="0" smtClean="0"/>
+              <a:t>		</a:t>
+            </a:r>
+            <a:endParaRPr lang="zh-CN" altLang="en-US" sz="2000" dirty="0"/>
+          </a:p>
+        </p:txBody>
+      </p:sp>
+      <p:graphicFrame>
+        <p:nvGraphicFramePr>
+          <p:cNvPr id="59394" name="Object 2"/>
+          <p:cNvGraphicFramePr>
+            <a:graphicFrameLocks noChangeAspect="1"/>
+          </p:cNvGraphicFramePr>
+          <p:nvPr/>
+        </p:nvGraphicFramePr>
+        <p:xfrm>
+          <a:off x="6000760" y="4547188"/>
+          <a:ext cx="833464" cy="453448"/>
+        </p:xfrm>
+        <a:graphic>
+          <a:graphicData uri="http://schemas.openxmlformats.org/presentationml/2006/ole">
+            <mc:AlternateContent xmlns:mc="http://schemas.openxmlformats.org/markup-compatibility/2006">
+              <mc:Choice xmlns:v="urn:schemas-microsoft-com:vml" Requires="v">
+                <p:oleObj spid="_x0000_s59396" name="Equation" r:id="rId3" imgW="419417" imgH="228917" progId="Equation.DSMT4">
+                  <p:embed/>
+                </p:oleObj>
+              </mc:Choice>
+              <mc:Fallback>
+                <p:oleObj name="Equation" r:id="rId3" imgW="419417" imgH="228917" progId="Equation.DSMT4">
+                  <p:embed/>
+                  <p:pic>
+                    <p:nvPicPr>
+                      <p:cNvPr id="0" name="Picture 2"/>
+                      <p:cNvPicPr>
+                        <a:picLocks noChangeAspect="1" noChangeArrowheads="1"/>
+                      </p:cNvPicPr>
+                      <p:nvPr/>
+                    </p:nvPicPr>
+                    <p:blipFill>
+                      <a:blip r:embed="rId4">
+                        <a:extLst>
+                          <a:ext uri="{28A0092B-C50C-407E-A947-70E740481C1C}">
+                            <a14:useLocalDpi xmlns:a14="http://schemas.microsoft.com/office/drawing/2010/main" val="0"/>
+                          </a:ext>
+                        </a:extLst>
+                      </a:blip>
+                      <a:srcRect/>
+                      <a:stretch>
+                        <a:fillRect/>
+                      </a:stretch>
+                    </p:blipFill>
+                    <p:spPr bwMode="auto">
+                      <a:xfrm>
+                        <a:off x="6000760" y="4547188"/>
+                        <a:ext cx="833464" cy="453448"/>
+                      </a:xfrm>
+                      <a:prstGeom prst="rect">
+                        <a:avLst/>
+                      </a:prstGeom>
+                      <a:noFill/>
+                      <a:extLst>
+                        <a:ext uri="{909E8E84-426E-40DD-AFC4-6F175D3DCCD1}">
+                          <a14:hiddenFill xmlns:a14="http://schemas.microsoft.com/office/drawing/2010/main">
+                            <a:solidFill>
+                              <a:srgbClr val="FFFFFF"/>
+                            </a:solidFill>
+                          </a14:hiddenFill>
+                        </a:ext>
+                      </a:extLst>
+                    </p:spPr>
+                  </p:pic>
+                </p:oleObj>
+              </mc:Fallback>
+            </mc:AlternateContent>
+          </a:graphicData>
+        </a:graphic>
+      </p:graphicFrame>
+    </p:spTree>
+  </p:cSld>
+  <p:clrMapOvr>
+    <a:masterClrMapping/>
+  </p:clrMapOvr>
+  <p:timing>
+    <p:tnLst>
+      <p:par>
+        <p:cTn id="1" dur="indefinite" restart="never" nodeType="tmRoot"/>
+      </p:par>
+    </p:tnLst>
+  </p:timing>
+</p:sld>
+</file>
+
+<file path=ppt/slides/slide27.xml><?xml version="1.0" encoding="utf-8"?>
+<p:sld xmlns:a="http://schemas.openxmlformats.org/drawingml/2006/main" xmlns:r="http://schemas.openxmlformats.org/officeDocument/2006/relationships" xmlns:p="http://schemas.openxmlformats.org/presentationml/2006/main">
+  <p:cSld>
+    <p:spTree>
+      <p:nvGrpSpPr>
+        <p:cNvPr id="1" name=""/>
+        <p:cNvGrpSpPr/>
+        <p:nvPr/>
+      </p:nvGrpSpPr>
+      <p:grpSpPr>
+        <a:xfrm>
+          <a:off x="0" y="0"/>
+          <a:ext cx="0" cy="0"/>
+          <a:chOff x="0" y="0"/>
+          <a:chExt cx="0" cy="0"/>
+        </a:xfrm>
+      </p:grpSpPr>
+      <p:sp>
+        <p:nvSpPr>
+          <p:cNvPr id="4098" name="标题 1"/>
+          <p:cNvSpPr>
+            <a:spLocks noGrp="1"/>
+          </p:cNvSpPr>
+          <p:nvPr>
+            <p:ph type="title"/>
+          </p:nvPr>
+        </p:nvSpPr>
+        <p:spPr/>
+        <p:txBody>
+          <a:bodyPr/>
+          <a:lstStyle/>
+          <a:p>
+            <a:r>
+              <a:rPr lang="zh-CN" altLang="en-US" dirty="0" smtClean="0">
+                <a:ea typeface="宋体" pitchFamily="2" charset="-122"/>
+              </a:rPr>
               <a:t>五、练习题</a:t>
             </a:r>
-            <a:endParaRPr lang="zh-CN" altLang="en-US" dirty="0" smtClean="0">
-              <a:ea typeface="宋体" pitchFamily="2" charset="-122"/>
-            </a:endParaRPr>
           </a:p>
         </p:txBody>
       </p:sp>
@@ -16105,11 +16192,7 @@
             </a:r>
             <a:r>
               <a:rPr lang="zh-CN" altLang="en-US" sz="2800" dirty="0" smtClean="0"/>
-              <a:t>算法</a:t>
-            </a:r>
-            <a:r>
-              <a:rPr lang="zh-CN" altLang="en-US" sz="2800" dirty="0" smtClean="0"/>
-              <a:t>实现</a:t>
+              <a:t>算法实现</a:t>
             </a:r>
             <a:endParaRPr lang="en-US" altLang="zh-CN" sz="2800" dirty="0" smtClean="0"/>
           </a:p>
@@ -16192,11 +16275,7 @@
             </a:r>
             <a:r>
               <a:rPr lang="zh-CN" altLang="en-US" sz="2800" dirty="0" smtClean="0"/>
-              <a:t>算法</a:t>
-            </a:r>
-            <a:r>
-              <a:rPr lang="zh-CN" altLang="en-US" sz="2800" dirty="0" smtClean="0"/>
-              <a:t>实现</a:t>
+              <a:t>算法实现</a:t>
             </a:r>
             <a:endParaRPr lang="en-US" altLang="zh-CN" sz="2800" dirty="0" smtClean="0"/>
           </a:p>
@@ -16206,15 +16285,7 @@
             </a:pPr>
             <a:r>
               <a:rPr lang="zh-CN" altLang="en-US" sz="2400" dirty="0" smtClean="0"/>
-              <a:t> </a:t>
-            </a:r>
-            <a:r>
-              <a:rPr lang="zh-CN" altLang="en-US" sz="2400" dirty="0" smtClean="0"/>
-              <a:t>  输入</a:t>
-            </a:r>
-            <a:r>
-              <a:rPr lang="zh-CN" altLang="en-US" sz="2400" dirty="0" smtClean="0"/>
-              <a:t>：节点数</a:t>
+              <a:t>   输入：节点数</a:t>
             </a:r>
             <a:r>
               <a:rPr lang="en-US" altLang="zh-CN" sz="2400" dirty="0" smtClean="0"/>
@@ -16230,11 +16301,7 @@
             </a:r>
             <a:r>
               <a:rPr lang="zh-CN" altLang="en-US" sz="2400" dirty="0" smtClean="0"/>
-              <a:t>以及各边的</a:t>
-            </a:r>
-            <a:r>
-              <a:rPr lang="zh-CN" altLang="en-US" sz="2400" dirty="0" smtClean="0"/>
-              <a:t>权重</a:t>
+              <a:t>以及各边的权重</a:t>
             </a:r>
             <a:r>
               <a:rPr lang="en-US" altLang="zh-CN" sz="2400" dirty="0" smtClean="0"/>
@@ -16275,15 +16342,7 @@
             </a:pPr>
             <a:r>
               <a:rPr lang="zh-CN" altLang="en-US" sz="2400" dirty="0" smtClean="0"/>
-              <a:t>   </a:t>
-            </a:r>
-            <a:r>
-              <a:rPr lang="zh-CN" altLang="en-US" sz="2400" dirty="0" smtClean="0"/>
-              <a:t>输出</a:t>
-            </a:r>
-            <a:r>
-              <a:rPr lang="zh-CN" altLang="en-US" sz="2400" dirty="0" smtClean="0"/>
-              <a:t>：最小生成树；</a:t>
+              <a:t>   输出：最小生成树；</a:t>
             </a:r>
             <a:endParaRPr lang="en-US" altLang="zh-CN" sz="2400" dirty="0" smtClean="0"/>
           </a:p>
@@ -16291,15 +16350,7 @@
             <a:pPr algn="just"/>
             <a:r>
               <a:rPr lang="zh-CN" altLang="en-US" sz="2800" dirty="0" smtClean="0"/>
-              <a:t> 最优</a:t>
-            </a:r>
-            <a:r>
-              <a:rPr lang="zh-CN" altLang="en-US" sz="2800" dirty="0" smtClean="0"/>
-              <a:t>装载问题的算法</a:t>
-            </a:r>
-            <a:r>
-              <a:rPr lang="zh-CN" altLang="en-US" sz="2800" dirty="0" smtClean="0"/>
-              <a:t>实现</a:t>
+              <a:t> 最优装载问题的算法实现</a:t>
             </a:r>
             <a:endParaRPr lang="en-US" altLang="zh-CN" sz="2800" dirty="0" smtClean="0"/>
           </a:p>
@@ -16378,7 +16429,7 @@
 </p:sld>
 </file>
 
-<file path=ppt/slides/slide27.xml><?xml version="1.0" encoding="utf-8"?>
+<file path=ppt/slides/slide28.xml><?xml version="1.0" encoding="utf-8"?>
 <p:sld xmlns:a="http://schemas.openxmlformats.org/drawingml/2006/main" xmlns:r="http://schemas.openxmlformats.org/officeDocument/2006/relationships" xmlns:p="http://schemas.openxmlformats.org/presentationml/2006/main">
   <p:cSld>
     <p:spTree>
@@ -17023,11 +17074,7 @@
             <a:pPr algn="just"/>
             <a:r>
               <a:rPr lang="zh-CN" altLang="en-US" sz="2800" dirty="0" smtClean="0"/>
-              <a:t>以迭代的方式做出相继的贪心选择，每做一次贪心选择就将所求问题简化为一个更小规模的子问题</a:t>
-            </a:r>
-            <a:r>
-              <a:rPr lang="zh-CN" altLang="en-US" sz="2800" dirty="0" smtClean="0"/>
-              <a:t>。</a:t>
+              <a:t>以迭代的方式做出相继的贪心选择，每做一次贪心选择就将所求问题简化为一个更小规模的子问题。</a:t>
             </a:r>
             <a:endParaRPr lang="en-US" altLang="zh-CN" sz="2800" dirty="0" smtClean="0"/>
           </a:p>
@@ -17049,15 +17096,7 @@
                   <a:srgbClr val="FF0000"/>
                 </a:solidFill>
               </a:rPr>
-              <a:t> </a:t>
-            </a:r>
-            <a:r>
-              <a:rPr lang="zh-CN" altLang="en-US" sz="2800" dirty="0" smtClean="0">
-                <a:solidFill>
-                  <a:srgbClr val="FF0000"/>
-                </a:solidFill>
-              </a:rPr>
-              <a:t>（</a:t>
+              <a:t> （</a:t>
             </a:r>
             <a:r>
               <a:rPr lang="zh-CN" altLang="en-US" sz="2400" dirty="0" smtClean="0">
@@ -17067,17 +17106,7 @@
                 <a:latin typeface="楷体_GB2312" pitchFamily="49" charset="-122"/>
                 <a:ea typeface="楷体_GB2312" pitchFamily="49" charset="-122"/>
               </a:rPr>
-              <a:t>当</a:t>
-            </a:r>
-            <a:r>
-              <a:rPr lang="zh-CN" altLang="en-US" sz="2400" dirty="0" smtClean="0">
-                <a:solidFill>
-                  <a:srgbClr val="FF0000"/>
-                </a:solidFill>
-                <a:latin typeface="楷体_GB2312" pitchFamily="49" charset="-122"/>
-                <a:ea typeface="楷体_GB2312" pitchFamily="49" charset="-122"/>
-              </a:rPr>
-              <a:t>一个问题的最优解包含其子问题的最优解时，称此问题具有</a:t>
+              <a:t>当一个问题的最优解包含其子问题的最优解时，称此问题具有</a:t>
             </a:r>
             <a:r>
               <a:rPr lang="zh-CN" altLang="en-US" sz="2800" b="1" dirty="0" smtClean="0">
@@ -17087,17 +17116,7 @@
                 <a:latin typeface="楷体_GB2312" pitchFamily="49" charset="-122"/>
                 <a:ea typeface="楷体_GB2312" pitchFamily="49" charset="-122"/>
               </a:rPr>
-              <a:t>最优子结构</a:t>
-            </a:r>
-            <a:r>
-              <a:rPr lang="zh-CN" altLang="en-US" sz="2800" b="1" dirty="0" smtClean="0">
-                <a:solidFill>
-                  <a:srgbClr val="FF0000"/>
-                </a:solidFill>
-                <a:latin typeface="楷体_GB2312" pitchFamily="49" charset="-122"/>
-                <a:ea typeface="楷体_GB2312" pitchFamily="49" charset="-122"/>
-              </a:rPr>
-              <a:t>性质</a:t>
+              <a:t>最优子结构性质</a:t>
             </a:r>
             <a:r>
               <a:rPr lang="zh-CN" altLang="en-US" sz="2800" dirty="0" smtClean="0">
@@ -18153,7 +18172,7 @@
         <a:effectLst/>
         <a:extLst>
           <a:ext uri="{AF507438-7753-43E0-B8FC-AC1667EBCBE1}">
-            <a14:hiddenEffects xmlns:a14="http://schemas.microsoft.com/office/drawing/2010/main" xmlns="">
+            <a14:hiddenEffects xmlns:a14="http://schemas.microsoft.com/office/drawing/2010/main">
               <a:effectLst>
                 <a:outerShdw dist="35921" dir="2700000" algn="ctr" rotWithShape="0">
                   <a:schemeClr val="bg2"/>
@@ -18226,7 +18245,7 @@
         <a:effectLst/>
         <a:extLst>
           <a:ext uri="{AF507438-7753-43E0-B8FC-AC1667EBCBE1}">
-            <a14:hiddenEffects xmlns:a14="http://schemas.microsoft.com/office/drawing/2010/main" xmlns="">
+            <a14:hiddenEffects xmlns:a14="http://schemas.microsoft.com/office/drawing/2010/main">
               <a:effectLst>
                 <a:outerShdw dist="35921" dir="2700000" algn="ctr" rotWithShape="0">
                   <a:schemeClr val="bg2"/>
